--- a/Class-3/Classes and Objects.pptx
+++ b/Class-3/Classes and Objects.pptx
@@ -2,7 +2,7 @@
 <file path=ppt/presentation.xml><?xml version="1.0" encoding="utf-8"?>
 <p:presentation xmlns:a="http://schemas.openxmlformats.org/drawingml/2006/main" xmlns:r="http://schemas.openxmlformats.org/officeDocument/2006/relationships" xmlns:p="http://schemas.openxmlformats.org/presentationml/2006/main" saveSubsetFonts="1">
   <p:sldMasterIdLst>
-    <p:sldMasterId id="2147483648" r:id="rId1"/>
+    <p:sldMasterId id="2147483660" r:id="rId1"/>
   </p:sldMasterIdLst>
   <p:sldIdLst>
     <p:sldId id="256" r:id="rId2"/>
@@ -20,7 +20,7 @@
     <a:defPPr>
       <a:defRPr lang="en-US"/>
     </a:defPPr>
-    <a:lvl1pPr marL="0" algn="l" defTabSz="914400" rtl="0" eaLnBrk="1" latinLnBrk="0" hangingPunct="1">
+    <a:lvl1pPr marL="0" algn="l" defTabSz="457200" rtl="0" eaLnBrk="1" latinLnBrk="0" hangingPunct="1">
       <a:defRPr sz="1800" kern="1200">
         <a:solidFill>
           <a:schemeClr val="tx1"/>
@@ -30,7 +30,7 @@
         <a:cs typeface="+mn-cs"/>
       </a:defRPr>
     </a:lvl1pPr>
-    <a:lvl2pPr marL="457200" algn="l" defTabSz="914400" rtl="0" eaLnBrk="1" latinLnBrk="0" hangingPunct="1">
+    <a:lvl2pPr marL="457200" algn="l" defTabSz="457200" rtl="0" eaLnBrk="1" latinLnBrk="0" hangingPunct="1">
       <a:defRPr sz="1800" kern="1200">
         <a:solidFill>
           <a:schemeClr val="tx1"/>
@@ -40,7 +40,7 @@
         <a:cs typeface="+mn-cs"/>
       </a:defRPr>
     </a:lvl2pPr>
-    <a:lvl3pPr marL="914400" algn="l" defTabSz="914400" rtl="0" eaLnBrk="1" latinLnBrk="0" hangingPunct="1">
+    <a:lvl3pPr marL="914400" algn="l" defTabSz="457200" rtl="0" eaLnBrk="1" latinLnBrk="0" hangingPunct="1">
       <a:defRPr sz="1800" kern="1200">
         <a:solidFill>
           <a:schemeClr val="tx1"/>
@@ -50,7 +50,7 @@
         <a:cs typeface="+mn-cs"/>
       </a:defRPr>
     </a:lvl3pPr>
-    <a:lvl4pPr marL="1371600" algn="l" defTabSz="914400" rtl="0" eaLnBrk="1" latinLnBrk="0" hangingPunct="1">
+    <a:lvl4pPr marL="1371600" algn="l" defTabSz="457200" rtl="0" eaLnBrk="1" latinLnBrk="0" hangingPunct="1">
       <a:defRPr sz="1800" kern="1200">
         <a:solidFill>
           <a:schemeClr val="tx1"/>
@@ -60,7 +60,7 @@
         <a:cs typeface="+mn-cs"/>
       </a:defRPr>
     </a:lvl4pPr>
-    <a:lvl5pPr marL="1828800" algn="l" defTabSz="914400" rtl="0" eaLnBrk="1" latinLnBrk="0" hangingPunct="1">
+    <a:lvl5pPr marL="1828800" algn="l" defTabSz="457200" rtl="0" eaLnBrk="1" latinLnBrk="0" hangingPunct="1">
       <a:defRPr sz="1800" kern="1200">
         <a:solidFill>
           <a:schemeClr val="tx1"/>
@@ -70,7 +70,7 @@
         <a:cs typeface="+mn-cs"/>
       </a:defRPr>
     </a:lvl5pPr>
-    <a:lvl6pPr marL="2286000" algn="l" defTabSz="914400" rtl="0" eaLnBrk="1" latinLnBrk="0" hangingPunct="1">
+    <a:lvl6pPr marL="2286000" algn="l" defTabSz="457200" rtl="0" eaLnBrk="1" latinLnBrk="0" hangingPunct="1">
       <a:defRPr sz="1800" kern="1200">
         <a:solidFill>
           <a:schemeClr val="tx1"/>
@@ -80,7 +80,7 @@
         <a:cs typeface="+mn-cs"/>
       </a:defRPr>
     </a:lvl6pPr>
-    <a:lvl7pPr marL="2743200" algn="l" defTabSz="914400" rtl="0" eaLnBrk="1" latinLnBrk="0" hangingPunct="1">
+    <a:lvl7pPr marL="2743200" algn="l" defTabSz="457200" rtl="0" eaLnBrk="1" latinLnBrk="0" hangingPunct="1">
       <a:defRPr sz="1800" kern="1200">
         <a:solidFill>
           <a:schemeClr val="tx1"/>
@@ -90,7 +90,7 @@
         <a:cs typeface="+mn-cs"/>
       </a:defRPr>
     </a:lvl7pPr>
-    <a:lvl8pPr marL="3200400" algn="l" defTabSz="914400" rtl="0" eaLnBrk="1" latinLnBrk="0" hangingPunct="1">
+    <a:lvl8pPr marL="3200400" algn="l" defTabSz="457200" rtl="0" eaLnBrk="1" latinLnBrk="0" hangingPunct="1">
       <a:defRPr sz="1800" kern="1200">
         <a:solidFill>
           <a:schemeClr val="tx1"/>
@@ -100,7 +100,7 @@
         <a:cs typeface="+mn-cs"/>
       </a:defRPr>
     </a:lvl8pPr>
-    <a:lvl9pPr marL="3657600" algn="l" defTabSz="914400" rtl="0" eaLnBrk="1" latinLnBrk="0" hangingPunct="1">
+    <a:lvl9pPr marL="3657600" algn="l" defTabSz="457200" rtl="0" eaLnBrk="1" latinLnBrk="0" hangingPunct="1">
       <a:defRPr sz="1800" kern="1200">
         <a:solidFill>
           <a:schemeClr val="tx1"/>
@@ -111,6 +111,11 @@
       </a:defRPr>
     </a:lvl9pPr>
   </p:defaultTextStyle>
+  <p:extLst>
+    <p:ext uri="{EFAFB233-063F-42B5-8137-9DF3F51BA10A}">
+      <p15:sldGuideLst xmlns:p15="http://schemas.microsoft.com/office/powerpoint/2012/main"/>
+    </p:ext>
+  </p:extLst>
 </p:presentation>
 </file>
 
@@ -131,15 +136,39 @@
           <a:chExt cx="0" cy="0"/>
         </a:xfrm>
       </p:grpSpPr>
-      <p:sp>
-        <p:nvSpPr>
-          <p:cNvPr id="2" name="Title 1">
+      <p:pic>
+        <p:nvPicPr>
+          <p:cNvPr id="7" name="Picture 6" descr="C0-HD-BTM.png"/>
+          <p:cNvPicPr>
+            <a:picLocks noChangeAspect="1"/>
+          </p:cNvPicPr>
+          <p:nvPr/>
+        </p:nvPicPr>
+        <p:blipFill>
+          <a:blip r:embed="rId2">
             <a:extLst>
-              <a:ext uri="{FF2B5EF4-FFF2-40B4-BE49-F238E27FC236}">
-                <a16:creationId xmlns:a16="http://schemas.microsoft.com/office/drawing/2014/main" id="{CB707E04-AB43-4736-A19C-8CDFDD4DA3B6}"/>
+              <a:ext uri="{28A0092B-C50C-407E-A947-70E740481C1C}">
+                <a14:useLocalDpi xmlns:a14="http://schemas.microsoft.com/office/drawing/2010/main" val="0"/>
               </a:ext>
             </a:extLst>
-          </p:cNvPr>
+          </a:blip>
+          <a:stretch>
+            <a:fillRect/>
+          </a:stretch>
+        </p:blipFill>
+        <p:spPr>
+          <a:xfrm>
+            <a:off x="0" y="4375150"/>
+            <a:ext cx="12192000" cy="2482850"/>
+          </a:xfrm>
+          <a:prstGeom prst="rect">
+            <a:avLst/>
+          </a:prstGeom>
+        </p:spPr>
+      </p:pic>
+      <p:sp>
+        <p:nvSpPr>
+          <p:cNvPr id="2" name="Title 1"/>
           <p:cNvSpPr>
             <a:spLocks noGrp="1"/>
           </p:cNvSpPr>
@@ -149,14 +178,16 @@
         </p:nvSpPr>
         <p:spPr>
           <a:xfrm>
-            <a:off x="1524000" y="1122363"/>
-            <a:ext cx="9144000" cy="2387600"/>
-          </a:xfrm>
-        </p:spPr>
-        <p:txBody>
-          <a:bodyPr anchor="b"/>
+            <a:off x="1371600" y="1803405"/>
+            <a:ext cx="9448800" cy="1825096"/>
+          </a:xfrm>
+        </p:spPr>
+        <p:txBody>
+          <a:bodyPr anchor="b">
+            <a:normAutofit/>
+          </a:bodyPr>
           <a:lstStyle>
-            <a:lvl1pPr algn="ctr">
+            <a:lvl1pPr algn="l">
               <a:defRPr sz="6000"/>
             </a:lvl1pPr>
           </a:lstStyle>
@@ -165,18 +196,13 @@
               <a:rPr lang="en-US"/>
               <a:t>Click to edit Master title style</a:t>
             </a:r>
-          </a:p>
-        </p:txBody>
-      </p:sp>
-      <p:sp>
-        <p:nvSpPr>
-          <p:cNvPr id="3" name="Subtitle 2">
-            <a:extLst>
-              <a:ext uri="{FF2B5EF4-FFF2-40B4-BE49-F238E27FC236}">
-                <a16:creationId xmlns:a16="http://schemas.microsoft.com/office/drawing/2014/main" id="{35207BA8-6A6E-4B1F-BA20-DD7A0DA50A85}"/>
-              </a:ext>
-            </a:extLst>
-          </p:cNvPr>
+            <a:endParaRPr lang="en-US" dirty="0"/>
+          </a:p>
+        </p:txBody>
+      </p:sp>
+      <p:sp>
+        <p:nvSpPr>
+          <p:cNvPr id="3" name="Subtitle 2"/>
           <p:cNvSpPr>
             <a:spLocks noGrp="1"/>
           </p:cNvSpPr>
@@ -186,16 +212,18 @@
         </p:nvSpPr>
         <p:spPr>
           <a:xfrm>
-            <a:off x="1524000" y="3602038"/>
-            <a:ext cx="9144000" cy="1655762"/>
-          </a:xfrm>
-        </p:spPr>
-        <p:txBody>
-          <a:bodyPr/>
+            <a:off x="1371600" y="3632201"/>
+            <a:ext cx="9448800" cy="685800"/>
+          </a:xfrm>
+        </p:spPr>
+        <p:txBody>
+          <a:bodyPr>
+            <a:normAutofit/>
+          </a:bodyPr>
           <a:lstStyle>
-            <a:lvl1pPr marL="0" indent="0" algn="ctr">
-              <a:buNone/>
-              <a:defRPr sz="2400"/>
+            <a:lvl1pPr marL="0" indent="0" algn="l">
+              <a:buNone/>
+              <a:defRPr sz="2000"/>
             </a:lvl1pPr>
             <a:lvl2pPr marL="457200" indent="0" algn="ctr">
               <a:buNone/>
@@ -235,18 +263,13 @@
               <a:rPr lang="en-US"/>
               <a:t>Click to edit Master subtitle style</a:t>
             </a:r>
-          </a:p>
-        </p:txBody>
-      </p:sp>
-      <p:sp>
-        <p:nvSpPr>
-          <p:cNvPr id="4" name="Date Placeholder 3">
-            <a:extLst>
-              <a:ext uri="{FF2B5EF4-FFF2-40B4-BE49-F238E27FC236}">
-                <a16:creationId xmlns:a16="http://schemas.microsoft.com/office/drawing/2014/main" id="{7BA0463D-9740-4B7A-AF7C-CEBB4E2B1306}"/>
-              </a:ext>
-            </a:extLst>
-          </p:cNvPr>
+            <a:endParaRPr lang="en-US" dirty="0"/>
+          </a:p>
+        </p:txBody>
+      </p:sp>
+      <p:sp>
+        <p:nvSpPr>
+          <p:cNvPr id="4" name="Date Placeholder 3"/>
           <p:cNvSpPr>
             <a:spLocks noGrp="1"/>
           </p:cNvSpPr>
@@ -254,14 +277,19 @@
             <p:ph type="dt" sz="half" idx="10"/>
           </p:nvPr>
         </p:nvSpPr>
-        <p:spPr/>
+        <p:spPr>
+          <a:xfrm>
+            <a:off x="7909561" y="4314328"/>
+            <a:ext cx="2910840" cy="374642"/>
+          </a:xfrm>
+        </p:spPr>
         <p:txBody>
           <a:bodyPr/>
           <a:lstStyle/>
           <a:p>
             <a:fld id="{90F99ACA-4DBB-4AED-BCF4-7CDED2803A73}" type="datetimeFigureOut">
               <a:rPr lang="en-US" smtClean="0"/>
-              <a:t>9/23/2024</a:t>
+              <a:t>2/12/2025</a:t>
             </a:fld>
             <a:endParaRPr lang="en-US"/>
           </a:p>
@@ -269,13 +297,7 @@
       </p:sp>
       <p:sp>
         <p:nvSpPr>
-          <p:cNvPr id="5" name="Footer Placeholder 4">
-            <a:extLst>
-              <a:ext uri="{FF2B5EF4-FFF2-40B4-BE49-F238E27FC236}">
-                <a16:creationId xmlns:a16="http://schemas.microsoft.com/office/drawing/2014/main" id="{DF2A6885-5198-4E2B-B6B8-2556D29C5634}"/>
-              </a:ext>
-            </a:extLst>
-          </p:cNvPr>
+          <p:cNvPr id="5" name="Footer Placeholder 4"/>
           <p:cNvSpPr>
             <a:spLocks noGrp="1"/>
           </p:cNvSpPr>
@@ -283,7 +305,12 @@
             <p:ph type="ftr" sz="quarter" idx="11"/>
           </p:nvPr>
         </p:nvSpPr>
-        <p:spPr/>
+        <p:spPr>
+          <a:xfrm>
+            <a:off x="1371600" y="4323845"/>
+            <a:ext cx="6400800" cy="365125"/>
+          </a:xfrm>
+        </p:spPr>
         <p:txBody>
           <a:bodyPr/>
           <a:lstStyle/>
@@ -294,13 +321,7 @@
       </p:sp>
       <p:sp>
         <p:nvSpPr>
-          <p:cNvPr id="6" name="Slide Number Placeholder 5">
-            <a:extLst>
-              <a:ext uri="{FF2B5EF4-FFF2-40B4-BE49-F238E27FC236}">
-                <a16:creationId xmlns:a16="http://schemas.microsoft.com/office/drawing/2014/main" id="{43DE6542-8FBB-4B03-8C8E-B57AE9F0D80F}"/>
-              </a:ext>
-            </a:extLst>
-          </p:cNvPr>
+          <p:cNvPr id="6" name="Slide Number Placeholder 5"/>
           <p:cNvSpPr>
             <a:spLocks noGrp="1"/>
           </p:cNvSpPr>
@@ -308,7 +329,12 @@
             <p:ph type="sldNum" sz="quarter" idx="12"/>
           </p:nvPr>
         </p:nvSpPr>
-        <p:spPr/>
+        <p:spPr>
+          <a:xfrm>
+            <a:off x="8077200" y="1430866"/>
+            <a:ext cx="2743200" cy="365125"/>
+          </a:xfrm>
+        </p:spPr>
         <p:txBody>
           <a:bodyPr/>
           <a:lstStyle/>
@@ -324,7 +350,7 @@
     </p:spTree>
     <p:extLst>
       <p:ext uri="{BB962C8B-B14F-4D97-AF65-F5344CB8AC3E}">
-        <p14:creationId xmlns:p14="http://schemas.microsoft.com/office/powerpoint/2010/main" val="3984664980"/>
+        <p14:creationId xmlns:p14="http://schemas.microsoft.com/office/powerpoint/2010/main" val="1482275448"/>
       </p:ext>
     </p:extLst>
   </p:cSld>
@@ -335,6 +361,2598 @@
 </file>
 
 <file path=ppt/slideLayouts/slideLayout10.xml><?xml version="1.0" encoding="utf-8"?>
+<p:sldLayout xmlns:a="http://schemas.openxmlformats.org/drawingml/2006/main" xmlns:r="http://schemas.openxmlformats.org/officeDocument/2006/relationships" xmlns:p="http://schemas.openxmlformats.org/presentationml/2006/main" preserve="1">
+  <p:cSld name="Panoramic Picture with Caption">
+    <p:spTree>
+      <p:nvGrpSpPr>
+        <p:cNvPr id="1" name=""/>
+        <p:cNvGrpSpPr/>
+        <p:nvPr/>
+      </p:nvGrpSpPr>
+      <p:grpSpPr>
+        <a:xfrm>
+          <a:off x="0" y="0"/>
+          <a:ext cx="0" cy="0"/>
+          <a:chOff x="0" y="0"/>
+          <a:chExt cx="0" cy="0"/>
+        </a:xfrm>
+      </p:grpSpPr>
+      <p:sp>
+        <p:nvSpPr>
+          <p:cNvPr id="2" name="Title 1"/>
+          <p:cNvSpPr>
+            <a:spLocks noGrp="1"/>
+          </p:cNvSpPr>
+          <p:nvPr>
+            <p:ph type="title"/>
+          </p:nvPr>
+        </p:nvSpPr>
+        <p:spPr>
+          <a:xfrm>
+            <a:off x="685777" y="4697360"/>
+            <a:ext cx="10822034" cy="819355"/>
+          </a:xfrm>
+        </p:spPr>
+        <p:txBody>
+          <a:bodyPr anchor="b"/>
+          <a:lstStyle>
+            <a:lvl1pPr algn="l">
+              <a:defRPr sz="3200"/>
+            </a:lvl1pPr>
+          </a:lstStyle>
+          <a:p>
+            <a:r>
+              <a:rPr lang="en-US"/>
+              <a:t>Click to edit Master title style</a:t>
+            </a:r>
+            <a:endParaRPr lang="en-US" dirty="0"/>
+          </a:p>
+        </p:txBody>
+      </p:sp>
+      <p:sp>
+        <p:nvSpPr>
+          <p:cNvPr id="3" name="Picture Placeholder 2"/>
+          <p:cNvSpPr>
+            <a:spLocks noGrp="1" noChangeAspect="1"/>
+          </p:cNvSpPr>
+          <p:nvPr>
+            <p:ph type="pic" idx="1"/>
+          </p:nvPr>
+        </p:nvSpPr>
+        <p:spPr>
+          <a:xfrm>
+            <a:off x="681727" y="941439"/>
+            <a:ext cx="10821840" cy="3478161"/>
+          </a:xfrm>
+        </p:spPr>
+        <p:txBody>
+          <a:bodyPr anchor="t"/>
+          <a:lstStyle>
+            <a:lvl1pPr marL="0" indent="0">
+              <a:buNone/>
+              <a:defRPr sz="3200"/>
+            </a:lvl1pPr>
+            <a:lvl2pPr marL="457200" indent="0">
+              <a:buNone/>
+              <a:defRPr sz="2800"/>
+            </a:lvl2pPr>
+            <a:lvl3pPr marL="914400" indent="0">
+              <a:buNone/>
+              <a:defRPr sz="2400"/>
+            </a:lvl3pPr>
+            <a:lvl4pPr marL="1371600" indent="0">
+              <a:buNone/>
+              <a:defRPr sz="2000"/>
+            </a:lvl4pPr>
+            <a:lvl5pPr marL="1828800" indent="0">
+              <a:buNone/>
+              <a:defRPr sz="2000"/>
+            </a:lvl5pPr>
+            <a:lvl6pPr marL="2286000" indent="0">
+              <a:buNone/>
+              <a:defRPr sz="2000"/>
+            </a:lvl6pPr>
+            <a:lvl7pPr marL="2743200" indent="0">
+              <a:buNone/>
+              <a:defRPr sz="2000"/>
+            </a:lvl7pPr>
+            <a:lvl8pPr marL="3200400" indent="0">
+              <a:buNone/>
+              <a:defRPr sz="2000"/>
+            </a:lvl8pPr>
+            <a:lvl9pPr marL="3657600" indent="0">
+              <a:buNone/>
+              <a:defRPr sz="2000"/>
+            </a:lvl9pPr>
+          </a:lstStyle>
+          <a:p>
+            <a:r>
+              <a:rPr lang="en-US"/>
+              <a:t>Click icon to add picture</a:t>
+            </a:r>
+            <a:endParaRPr lang="en-US" dirty="0"/>
+          </a:p>
+        </p:txBody>
+      </p:sp>
+      <p:sp>
+        <p:nvSpPr>
+          <p:cNvPr id="4" name="Text Placeholder 3"/>
+          <p:cNvSpPr>
+            <a:spLocks noGrp="1"/>
+          </p:cNvSpPr>
+          <p:nvPr>
+            <p:ph type="body" sz="half" idx="2"/>
+          </p:nvPr>
+        </p:nvSpPr>
+        <p:spPr>
+          <a:xfrm>
+            <a:off x="685800" y="5516715"/>
+            <a:ext cx="10820400" cy="701969"/>
+          </a:xfrm>
+        </p:spPr>
+        <p:txBody>
+          <a:bodyPr/>
+          <a:lstStyle>
+            <a:lvl1pPr marL="0" indent="0" algn="l">
+              <a:buNone/>
+              <a:defRPr sz="1600"/>
+            </a:lvl1pPr>
+            <a:lvl2pPr marL="457200" indent="0">
+              <a:buNone/>
+              <a:defRPr sz="1400"/>
+            </a:lvl2pPr>
+            <a:lvl3pPr marL="914400" indent="0">
+              <a:buNone/>
+              <a:defRPr sz="1200"/>
+            </a:lvl3pPr>
+            <a:lvl4pPr marL="1371600" indent="0">
+              <a:buNone/>
+              <a:defRPr sz="1000"/>
+            </a:lvl4pPr>
+            <a:lvl5pPr marL="1828800" indent="0">
+              <a:buNone/>
+              <a:defRPr sz="1000"/>
+            </a:lvl5pPr>
+            <a:lvl6pPr marL="2286000" indent="0">
+              <a:buNone/>
+              <a:defRPr sz="1000"/>
+            </a:lvl6pPr>
+            <a:lvl7pPr marL="2743200" indent="0">
+              <a:buNone/>
+              <a:defRPr sz="1000"/>
+            </a:lvl7pPr>
+            <a:lvl8pPr marL="3200400" indent="0">
+              <a:buNone/>
+              <a:defRPr sz="1000"/>
+            </a:lvl8pPr>
+            <a:lvl9pPr marL="3657600" indent="0">
+              <a:buNone/>
+              <a:defRPr sz="1000"/>
+            </a:lvl9pPr>
+          </a:lstStyle>
+          <a:p>
+            <a:pPr lvl="0"/>
+            <a:r>
+              <a:rPr lang="en-US"/>
+              <a:t>Click to edit Master text styles</a:t>
+            </a:r>
+          </a:p>
+        </p:txBody>
+      </p:sp>
+      <p:sp>
+        <p:nvSpPr>
+          <p:cNvPr id="5" name="Date Placeholder 4"/>
+          <p:cNvSpPr>
+            <a:spLocks noGrp="1"/>
+          </p:cNvSpPr>
+          <p:nvPr>
+            <p:ph type="dt" sz="half" idx="10"/>
+          </p:nvPr>
+        </p:nvSpPr>
+        <p:spPr/>
+        <p:txBody>
+          <a:bodyPr/>
+          <a:lstStyle/>
+          <a:p>
+            <a:fld id="{90F99ACA-4DBB-4AED-BCF4-7CDED2803A73}" type="datetimeFigureOut">
+              <a:rPr lang="en-US" smtClean="0"/>
+              <a:t>2/12/2025</a:t>
+            </a:fld>
+            <a:endParaRPr lang="en-US"/>
+          </a:p>
+        </p:txBody>
+      </p:sp>
+      <p:sp>
+        <p:nvSpPr>
+          <p:cNvPr id="6" name="Footer Placeholder 5"/>
+          <p:cNvSpPr>
+            <a:spLocks noGrp="1"/>
+          </p:cNvSpPr>
+          <p:nvPr>
+            <p:ph type="ftr" sz="quarter" idx="11"/>
+          </p:nvPr>
+        </p:nvSpPr>
+        <p:spPr/>
+        <p:txBody>
+          <a:bodyPr/>
+          <a:lstStyle/>
+          <a:p>
+            <a:endParaRPr lang="en-US"/>
+          </a:p>
+        </p:txBody>
+      </p:sp>
+      <p:sp>
+        <p:nvSpPr>
+          <p:cNvPr id="7" name="Slide Number Placeholder 6"/>
+          <p:cNvSpPr>
+            <a:spLocks noGrp="1"/>
+          </p:cNvSpPr>
+          <p:nvPr>
+            <p:ph type="sldNum" sz="quarter" idx="12"/>
+          </p:nvPr>
+        </p:nvSpPr>
+        <p:spPr/>
+        <p:txBody>
+          <a:bodyPr/>
+          <a:lstStyle/>
+          <a:p>
+            <a:fld id="{16166F05-2A37-4F09-8C18-B30AD45E2910}" type="slidenum">
+              <a:rPr lang="en-US" smtClean="0"/>
+              <a:t>‹#›</a:t>
+            </a:fld>
+            <a:endParaRPr lang="en-US"/>
+          </a:p>
+        </p:txBody>
+      </p:sp>
+    </p:spTree>
+    <p:extLst>
+      <p:ext uri="{BB962C8B-B14F-4D97-AF65-F5344CB8AC3E}">
+        <p14:creationId xmlns:p14="http://schemas.microsoft.com/office/powerpoint/2010/main" val="3835061967"/>
+      </p:ext>
+    </p:extLst>
+  </p:cSld>
+  <p:clrMapOvr>
+    <a:masterClrMapping/>
+  </p:clrMapOvr>
+</p:sldLayout>
+</file>
+
+<file path=ppt/slideLayouts/slideLayout11.xml><?xml version="1.0" encoding="utf-8"?>
+<p:sldLayout xmlns:a="http://schemas.openxmlformats.org/drawingml/2006/main" xmlns:r="http://schemas.openxmlformats.org/officeDocument/2006/relationships" xmlns:p="http://schemas.openxmlformats.org/presentationml/2006/main" showMasterSp="0" preserve="1">
+  <p:cSld name="Title and Caption">
+    <p:spTree>
+      <p:nvGrpSpPr>
+        <p:cNvPr id="1" name=""/>
+        <p:cNvGrpSpPr/>
+        <p:nvPr/>
+      </p:nvGrpSpPr>
+      <p:grpSpPr>
+        <a:xfrm>
+          <a:off x="0" y="0"/>
+          <a:ext cx="0" cy="0"/>
+          <a:chOff x="0" y="0"/>
+          <a:chExt cx="0" cy="0"/>
+        </a:xfrm>
+      </p:grpSpPr>
+      <p:pic>
+        <p:nvPicPr>
+          <p:cNvPr id="8" name="Picture 7" descr="C0-HD-BTM.png"/>
+          <p:cNvPicPr>
+            <a:picLocks noChangeAspect="1"/>
+          </p:cNvPicPr>
+          <p:nvPr/>
+        </p:nvPicPr>
+        <p:blipFill>
+          <a:blip r:embed="rId2">
+            <a:extLst>
+              <a:ext uri="{28A0092B-C50C-407E-A947-70E740481C1C}">
+                <a14:useLocalDpi xmlns:a14="http://schemas.microsoft.com/office/drawing/2010/main" val="0"/>
+              </a:ext>
+            </a:extLst>
+          </a:blip>
+          <a:stretch>
+            <a:fillRect/>
+          </a:stretch>
+        </p:blipFill>
+        <p:spPr>
+          <a:xfrm>
+            <a:off x="0" y="4375150"/>
+            <a:ext cx="12192000" cy="2482850"/>
+          </a:xfrm>
+          <a:prstGeom prst="rect">
+            <a:avLst/>
+          </a:prstGeom>
+        </p:spPr>
+      </p:pic>
+      <p:sp>
+        <p:nvSpPr>
+          <p:cNvPr id="2" name="Title 1"/>
+          <p:cNvSpPr>
+            <a:spLocks noGrp="1"/>
+          </p:cNvSpPr>
+          <p:nvPr>
+            <p:ph type="title"/>
+          </p:nvPr>
+        </p:nvSpPr>
+        <p:spPr>
+          <a:xfrm>
+            <a:off x="685800" y="753532"/>
+            <a:ext cx="10820400" cy="2802467"/>
+          </a:xfrm>
+        </p:spPr>
+        <p:txBody>
+          <a:bodyPr anchor="ctr"/>
+          <a:lstStyle>
+            <a:lvl1pPr algn="l">
+              <a:defRPr sz="3200"/>
+            </a:lvl1pPr>
+          </a:lstStyle>
+          <a:p>
+            <a:r>
+              <a:rPr lang="en-US"/>
+              <a:t>Click to edit Master title style</a:t>
+            </a:r>
+            <a:endParaRPr lang="en-US" dirty="0"/>
+          </a:p>
+        </p:txBody>
+      </p:sp>
+      <p:sp>
+        <p:nvSpPr>
+          <p:cNvPr id="4" name="Text Placeholder 3"/>
+          <p:cNvSpPr>
+            <a:spLocks noGrp="1"/>
+          </p:cNvSpPr>
+          <p:nvPr>
+            <p:ph type="body" sz="half" idx="2"/>
+          </p:nvPr>
+        </p:nvSpPr>
+        <p:spPr>
+          <a:xfrm>
+            <a:off x="1024467" y="3649133"/>
+            <a:ext cx="10130516" cy="999067"/>
+          </a:xfrm>
+        </p:spPr>
+        <p:txBody>
+          <a:bodyPr anchor="ctr"/>
+          <a:lstStyle>
+            <a:lvl1pPr marL="0" indent="0">
+              <a:buNone/>
+              <a:defRPr sz="1600"/>
+            </a:lvl1pPr>
+            <a:lvl2pPr marL="457200" indent="0">
+              <a:buNone/>
+              <a:defRPr sz="1400"/>
+            </a:lvl2pPr>
+            <a:lvl3pPr marL="914400" indent="0">
+              <a:buNone/>
+              <a:defRPr sz="1200"/>
+            </a:lvl3pPr>
+            <a:lvl4pPr marL="1371600" indent="0">
+              <a:buNone/>
+              <a:defRPr sz="1000"/>
+            </a:lvl4pPr>
+            <a:lvl5pPr marL="1828800" indent="0">
+              <a:buNone/>
+              <a:defRPr sz="1000"/>
+            </a:lvl5pPr>
+            <a:lvl6pPr marL="2286000" indent="0">
+              <a:buNone/>
+              <a:defRPr sz="1000"/>
+            </a:lvl6pPr>
+            <a:lvl7pPr marL="2743200" indent="0">
+              <a:buNone/>
+              <a:defRPr sz="1000"/>
+            </a:lvl7pPr>
+            <a:lvl8pPr marL="3200400" indent="0">
+              <a:buNone/>
+              <a:defRPr sz="1000"/>
+            </a:lvl8pPr>
+            <a:lvl9pPr marL="3657600" indent="0">
+              <a:buNone/>
+              <a:defRPr sz="1000"/>
+            </a:lvl9pPr>
+          </a:lstStyle>
+          <a:p>
+            <a:pPr lvl="0"/>
+            <a:r>
+              <a:rPr lang="en-US"/>
+              <a:t>Click to edit Master text styles</a:t>
+            </a:r>
+          </a:p>
+        </p:txBody>
+      </p:sp>
+      <p:sp>
+        <p:nvSpPr>
+          <p:cNvPr id="5" name="Date Placeholder 4"/>
+          <p:cNvSpPr>
+            <a:spLocks noGrp="1"/>
+          </p:cNvSpPr>
+          <p:nvPr>
+            <p:ph type="dt" sz="half" idx="10"/>
+          </p:nvPr>
+        </p:nvSpPr>
+        <p:spPr>
+          <a:xfrm>
+            <a:off x="7814452" y="381000"/>
+            <a:ext cx="2910840" cy="365125"/>
+          </a:xfrm>
+        </p:spPr>
+        <p:txBody>
+          <a:bodyPr/>
+          <a:lstStyle>
+            <a:lvl1pPr algn="r">
+              <a:defRPr/>
+            </a:lvl1pPr>
+          </a:lstStyle>
+          <a:p>
+            <a:fld id="{90F99ACA-4DBB-4AED-BCF4-7CDED2803A73}" type="datetimeFigureOut">
+              <a:rPr lang="en-US" smtClean="0"/>
+              <a:t>2/12/2025</a:t>
+            </a:fld>
+            <a:endParaRPr lang="en-US"/>
+          </a:p>
+        </p:txBody>
+      </p:sp>
+      <p:sp>
+        <p:nvSpPr>
+          <p:cNvPr id="6" name="Footer Placeholder 5"/>
+          <p:cNvSpPr>
+            <a:spLocks noGrp="1"/>
+          </p:cNvSpPr>
+          <p:nvPr>
+            <p:ph type="ftr" sz="quarter" idx="11"/>
+          </p:nvPr>
+        </p:nvSpPr>
+        <p:spPr>
+          <a:xfrm>
+            <a:off x="685800" y="379941"/>
+            <a:ext cx="6991492" cy="365125"/>
+          </a:xfrm>
+        </p:spPr>
+        <p:txBody>
+          <a:bodyPr/>
+          <a:lstStyle/>
+          <a:p>
+            <a:endParaRPr lang="en-US"/>
+          </a:p>
+        </p:txBody>
+      </p:sp>
+      <p:sp>
+        <p:nvSpPr>
+          <p:cNvPr id="7" name="Slide Number Placeholder 6"/>
+          <p:cNvSpPr>
+            <a:spLocks noGrp="1"/>
+          </p:cNvSpPr>
+          <p:nvPr>
+            <p:ph type="sldNum" sz="quarter" idx="12"/>
+          </p:nvPr>
+        </p:nvSpPr>
+        <p:spPr>
+          <a:xfrm>
+            <a:off x="10862452" y="381000"/>
+            <a:ext cx="643748" cy="365125"/>
+          </a:xfrm>
+        </p:spPr>
+        <p:txBody>
+          <a:bodyPr/>
+          <a:lstStyle/>
+          <a:p>
+            <a:fld id="{16166F05-2A37-4F09-8C18-B30AD45E2910}" type="slidenum">
+              <a:rPr lang="en-US" smtClean="0"/>
+              <a:t>‹#›</a:t>
+            </a:fld>
+            <a:endParaRPr lang="en-US"/>
+          </a:p>
+        </p:txBody>
+      </p:sp>
+    </p:spTree>
+    <p:extLst>
+      <p:ext uri="{BB962C8B-B14F-4D97-AF65-F5344CB8AC3E}">
+        <p14:creationId xmlns:p14="http://schemas.microsoft.com/office/powerpoint/2010/main" val="3441982638"/>
+      </p:ext>
+    </p:extLst>
+  </p:cSld>
+  <p:clrMapOvr>
+    <a:masterClrMapping/>
+  </p:clrMapOvr>
+</p:sldLayout>
+</file>
+
+<file path=ppt/slideLayouts/slideLayout12.xml><?xml version="1.0" encoding="utf-8"?>
+<p:sldLayout xmlns:a="http://schemas.openxmlformats.org/drawingml/2006/main" xmlns:r="http://schemas.openxmlformats.org/officeDocument/2006/relationships" xmlns:p="http://schemas.openxmlformats.org/presentationml/2006/main" showMasterSp="0" preserve="1">
+  <p:cSld name="Quote with Caption">
+    <p:spTree>
+      <p:nvGrpSpPr>
+        <p:cNvPr id="1" name=""/>
+        <p:cNvGrpSpPr/>
+        <p:nvPr/>
+      </p:nvGrpSpPr>
+      <p:grpSpPr>
+        <a:xfrm>
+          <a:off x="0" y="0"/>
+          <a:ext cx="0" cy="0"/>
+          <a:chOff x="0" y="0"/>
+          <a:chExt cx="0" cy="0"/>
+        </a:xfrm>
+      </p:grpSpPr>
+      <p:pic>
+        <p:nvPicPr>
+          <p:cNvPr id="13" name="Picture 12" descr="C0-HD-BTM.png"/>
+          <p:cNvPicPr>
+            <a:picLocks noChangeAspect="1"/>
+          </p:cNvPicPr>
+          <p:nvPr/>
+        </p:nvPicPr>
+        <p:blipFill>
+          <a:blip r:embed="rId2">
+            <a:extLst>
+              <a:ext uri="{28A0092B-C50C-407E-A947-70E740481C1C}">
+                <a14:useLocalDpi xmlns:a14="http://schemas.microsoft.com/office/drawing/2010/main" val="0"/>
+              </a:ext>
+            </a:extLst>
+          </a:blip>
+          <a:stretch>
+            <a:fillRect/>
+          </a:stretch>
+        </p:blipFill>
+        <p:spPr>
+          <a:xfrm>
+            <a:off x="0" y="4375150"/>
+            <a:ext cx="12192000" cy="2482850"/>
+          </a:xfrm>
+          <a:prstGeom prst="rect">
+            <a:avLst/>
+          </a:prstGeom>
+        </p:spPr>
+      </p:pic>
+      <p:sp>
+        <p:nvSpPr>
+          <p:cNvPr id="2" name="Title 1"/>
+          <p:cNvSpPr>
+            <a:spLocks noGrp="1"/>
+          </p:cNvSpPr>
+          <p:nvPr>
+            <p:ph type="title"/>
+          </p:nvPr>
+        </p:nvSpPr>
+        <p:spPr>
+          <a:xfrm>
+            <a:off x="1024467" y="753533"/>
+            <a:ext cx="10151533" cy="2604495"/>
+          </a:xfrm>
+        </p:spPr>
+        <p:txBody>
+          <a:bodyPr anchor="ctr"/>
+          <a:lstStyle>
+            <a:lvl1pPr algn="l">
+              <a:defRPr sz="3200"/>
+            </a:lvl1pPr>
+          </a:lstStyle>
+          <a:p>
+            <a:r>
+              <a:rPr lang="en-US"/>
+              <a:t>Click to edit Master title style</a:t>
+            </a:r>
+            <a:endParaRPr lang="en-US" dirty="0"/>
+          </a:p>
+        </p:txBody>
+      </p:sp>
+      <p:sp>
+        <p:nvSpPr>
+          <p:cNvPr id="12" name="Text Placeholder 3"/>
+          <p:cNvSpPr>
+            <a:spLocks noGrp="1"/>
+          </p:cNvSpPr>
+          <p:nvPr>
+            <p:ph type="body" sz="half" idx="13"/>
+          </p:nvPr>
+        </p:nvSpPr>
+        <p:spPr>
+          <a:xfrm>
+            <a:off x="1303865" y="3365556"/>
+            <a:ext cx="9592736" cy="444443"/>
+          </a:xfrm>
+        </p:spPr>
+        <p:txBody>
+          <a:bodyPr anchor="t">
+            <a:normAutofit/>
+          </a:bodyPr>
+          <a:lstStyle>
+            <a:lvl1pPr marL="0" indent="0">
+              <a:buNone/>
+              <a:defRPr sz="1400"/>
+            </a:lvl1pPr>
+            <a:lvl2pPr marL="457200" indent="0">
+              <a:buNone/>
+              <a:defRPr sz="1400"/>
+            </a:lvl2pPr>
+            <a:lvl3pPr marL="914400" indent="0">
+              <a:buNone/>
+              <a:defRPr sz="1200"/>
+            </a:lvl3pPr>
+            <a:lvl4pPr marL="1371600" indent="0">
+              <a:buNone/>
+              <a:defRPr sz="1000"/>
+            </a:lvl4pPr>
+            <a:lvl5pPr marL="1828800" indent="0">
+              <a:buNone/>
+              <a:defRPr sz="1000"/>
+            </a:lvl5pPr>
+            <a:lvl6pPr marL="2286000" indent="0">
+              <a:buNone/>
+              <a:defRPr sz="1000"/>
+            </a:lvl6pPr>
+            <a:lvl7pPr marL="2743200" indent="0">
+              <a:buNone/>
+              <a:defRPr sz="1000"/>
+            </a:lvl7pPr>
+            <a:lvl8pPr marL="3200400" indent="0">
+              <a:buNone/>
+              <a:defRPr sz="1000"/>
+            </a:lvl8pPr>
+            <a:lvl9pPr marL="3657600" indent="0">
+              <a:buNone/>
+              <a:defRPr sz="1000"/>
+            </a:lvl9pPr>
+          </a:lstStyle>
+          <a:p>
+            <a:pPr lvl="0"/>
+            <a:r>
+              <a:rPr lang="en-US"/>
+              <a:t>Click to edit Master text styles</a:t>
+            </a:r>
+          </a:p>
+        </p:txBody>
+      </p:sp>
+      <p:sp>
+        <p:nvSpPr>
+          <p:cNvPr id="4" name="Text Placeholder 3"/>
+          <p:cNvSpPr>
+            <a:spLocks noGrp="1"/>
+          </p:cNvSpPr>
+          <p:nvPr>
+            <p:ph type="body" sz="half" idx="2"/>
+          </p:nvPr>
+        </p:nvSpPr>
+        <p:spPr>
+          <a:xfrm>
+            <a:off x="1024467" y="3959862"/>
+            <a:ext cx="10151533" cy="679871"/>
+          </a:xfrm>
+        </p:spPr>
+        <p:txBody>
+          <a:bodyPr anchor="ctr">
+            <a:normAutofit/>
+          </a:bodyPr>
+          <a:lstStyle>
+            <a:lvl1pPr marL="0" indent="0">
+              <a:buNone/>
+              <a:defRPr sz="1600"/>
+            </a:lvl1pPr>
+            <a:lvl2pPr marL="457200" indent="0">
+              <a:buNone/>
+              <a:defRPr sz="1400"/>
+            </a:lvl2pPr>
+            <a:lvl3pPr marL="914400" indent="0">
+              <a:buNone/>
+              <a:defRPr sz="1200"/>
+            </a:lvl3pPr>
+            <a:lvl4pPr marL="1371600" indent="0">
+              <a:buNone/>
+              <a:defRPr sz="1000"/>
+            </a:lvl4pPr>
+            <a:lvl5pPr marL="1828800" indent="0">
+              <a:buNone/>
+              <a:defRPr sz="1000"/>
+            </a:lvl5pPr>
+            <a:lvl6pPr marL="2286000" indent="0">
+              <a:buNone/>
+              <a:defRPr sz="1000"/>
+            </a:lvl6pPr>
+            <a:lvl7pPr marL="2743200" indent="0">
+              <a:buNone/>
+              <a:defRPr sz="1000"/>
+            </a:lvl7pPr>
+            <a:lvl8pPr marL="3200400" indent="0">
+              <a:buNone/>
+              <a:defRPr sz="1000"/>
+            </a:lvl8pPr>
+            <a:lvl9pPr marL="3657600" indent="0">
+              <a:buNone/>
+              <a:defRPr sz="1000"/>
+            </a:lvl9pPr>
+          </a:lstStyle>
+          <a:p>
+            <a:pPr lvl="0"/>
+            <a:r>
+              <a:rPr lang="en-US"/>
+              <a:t>Click to edit Master text styles</a:t>
+            </a:r>
+          </a:p>
+        </p:txBody>
+      </p:sp>
+      <p:sp>
+        <p:nvSpPr>
+          <p:cNvPr id="5" name="Date Placeholder 4"/>
+          <p:cNvSpPr>
+            <a:spLocks noGrp="1"/>
+          </p:cNvSpPr>
+          <p:nvPr>
+            <p:ph type="dt" sz="half" idx="10"/>
+          </p:nvPr>
+        </p:nvSpPr>
+        <p:spPr>
+          <a:xfrm>
+            <a:off x="7814452" y="381000"/>
+            <a:ext cx="2910840" cy="365125"/>
+          </a:xfrm>
+        </p:spPr>
+        <p:txBody>
+          <a:bodyPr/>
+          <a:lstStyle>
+            <a:lvl1pPr algn="r">
+              <a:defRPr/>
+            </a:lvl1pPr>
+          </a:lstStyle>
+          <a:p>
+            <a:fld id="{90F99ACA-4DBB-4AED-BCF4-7CDED2803A73}" type="datetimeFigureOut">
+              <a:rPr lang="en-US" smtClean="0"/>
+              <a:t>2/12/2025</a:t>
+            </a:fld>
+            <a:endParaRPr lang="en-US"/>
+          </a:p>
+        </p:txBody>
+      </p:sp>
+      <p:sp>
+        <p:nvSpPr>
+          <p:cNvPr id="6" name="Footer Placeholder 5"/>
+          <p:cNvSpPr>
+            <a:spLocks noGrp="1"/>
+          </p:cNvSpPr>
+          <p:nvPr>
+            <p:ph type="ftr" sz="quarter" idx="11"/>
+          </p:nvPr>
+        </p:nvSpPr>
+        <p:spPr>
+          <a:xfrm>
+            <a:off x="685800" y="379941"/>
+            <a:ext cx="6991492" cy="365125"/>
+          </a:xfrm>
+        </p:spPr>
+        <p:txBody>
+          <a:bodyPr/>
+          <a:lstStyle/>
+          <a:p>
+            <a:endParaRPr lang="en-US"/>
+          </a:p>
+        </p:txBody>
+      </p:sp>
+      <p:sp>
+        <p:nvSpPr>
+          <p:cNvPr id="7" name="Slide Number Placeholder 6"/>
+          <p:cNvSpPr>
+            <a:spLocks noGrp="1"/>
+          </p:cNvSpPr>
+          <p:nvPr>
+            <p:ph type="sldNum" sz="quarter" idx="12"/>
+          </p:nvPr>
+        </p:nvSpPr>
+        <p:spPr>
+          <a:xfrm>
+            <a:off x="10862452" y="381000"/>
+            <a:ext cx="643748" cy="365125"/>
+          </a:xfrm>
+        </p:spPr>
+        <p:txBody>
+          <a:bodyPr/>
+          <a:lstStyle/>
+          <a:p>
+            <a:fld id="{16166F05-2A37-4F09-8C18-B30AD45E2910}" type="slidenum">
+              <a:rPr lang="en-US" smtClean="0"/>
+              <a:t>‹#›</a:t>
+            </a:fld>
+            <a:endParaRPr lang="en-US"/>
+          </a:p>
+        </p:txBody>
+      </p:sp>
+      <p:sp>
+        <p:nvSpPr>
+          <p:cNvPr id="9" name="TextBox 8"/>
+          <p:cNvSpPr txBox="1"/>
+          <p:nvPr/>
+        </p:nvSpPr>
+        <p:spPr>
+          <a:xfrm>
+            <a:off x="476250" y="933450"/>
+            <a:ext cx="609600" cy="584776"/>
+          </a:xfrm>
+          <a:prstGeom prst="rect">
+            <a:avLst/>
+          </a:prstGeom>
+        </p:spPr>
+        <p:txBody>
+          <a:bodyPr vert="horz" lIns="91440" tIns="45720" rIns="91440" bIns="45720" rtlCol="0" anchor="ctr">
+            <a:noAutofit/>
+          </a:bodyPr>
+          <a:lstStyle>
+            <a:lvl1pPr>
+              <a:spcBef>
+                <a:spcPct val="0"/>
+              </a:spcBef>
+              <a:buNone/>
+              <a:defRPr sz="3200" b="0" cap="all">
+                <a:ln w="3175" cmpd="sng">
+                  <a:noFill/>
+                </a:ln>
+                <a:effectLst>
+                  <a:glow rad="38100">
+                    <a:schemeClr val="bg1">
+                      <a:lumMod val="65000"/>
+                      <a:lumOff val="35000"/>
+                      <a:alpha val="40000"/>
+                    </a:schemeClr>
+                  </a:glow>
+                  <a:outerShdw blurRad="28575" dist="38100" dir="14040000" algn="tl" rotWithShape="0">
+                    <a:srgbClr val="000000">
+                      <a:alpha val="25000"/>
+                    </a:srgbClr>
+                  </a:outerShdw>
+                </a:effectLst>
+              </a:defRPr>
+            </a:lvl1pPr>
+            <a:lvl2pPr>
+              <a:defRPr>
+                <a:solidFill>
+                  <a:schemeClr val="tx2"/>
+                </a:solidFill>
+              </a:defRPr>
+            </a:lvl2pPr>
+            <a:lvl3pPr>
+              <a:defRPr>
+                <a:solidFill>
+                  <a:schemeClr val="tx2"/>
+                </a:solidFill>
+              </a:defRPr>
+            </a:lvl3pPr>
+            <a:lvl4pPr>
+              <a:defRPr>
+                <a:solidFill>
+                  <a:schemeClr val="tx2"/>
+                </a:solidFill>
+              </a:defRPr>
+            </a:lvl4pPr>
+            <a:lvl5pPr>
+              <a:defRPr>
+                <a:solidFill>
+                  <a:schemeClr val="tx2"/>
+                </a:solidFill>
+              </a:defRPr>
+            </a:lvl5pPr>
+            <a:lvl6pPr>
+              <a:defRPr>
+                <a:solidFill>
+                  <a:schemeClr val="tx2"/>
+                </a:solidFill>
+              </a:defRPr>
+            </a:lvl6pPr>
+            <a:lvl7pPr>
+              <a:defRPr>
+                <a:solidFill>
+                  <a:schemeClr val="tx2"/>
+                </a:solidFill>
+              </a:defRPr>
+            </a:lvl7pPr>
+            <a:lvl8pPr>
+              <a:defRPr>
+                <a:solidFill>
+                  <a:schemeClr val="tx2"/>
+                </a:solidFill>
+              </a:defRPr>
+            </a:lvl8pPr>
+            <a:lvl9pPr>
+              <a:defRPr>
+                <a:solidFill>
+                  <a:schemeClr val="tx2"/>
+                </a:solidFill>
+              </a:defRPr>
+            </a:lvl9pPr>
+          </a:lstStyle>
+          <a:p>
+            <a:pPr lvl="0"/>
+            <a:r>
+              <a:rPr lang="en-US" sz="8000" dirty="0">
+                <a:solidFill>
+                  <a:schemeClr val="tx1"/>
+                </a:solidFill>
+                <a:effectLst/>
+              </a:rPr>
+              <a:t>“</a:t>
+            </a:r>
+          </a:p>
+        </p:txBody>
+      </p:sp>
+      <p:sp>
+        <p:nvSpPr>
+          <p:cNvPr id="10" name="TextBox 9"/>
+          <p:cNvSpPr txBox="1"/>
+          <p:nvPr/>
+        </p:nvSpPr>
+        <p:spPr>
+          <a:xfrm>
+            <a:off x="10984230" y="2701290"/>
+            <a:ext cx="609600" cy="584776"/>
+          </a:xfrm>
+          <a:prstGeom prst="rect">
+            <a:avLst/>
+          </a:prstGeom>
+        </p:spPr>
+        <p:txBody>
+          <a:bodyPr vert="horz" lIns="91440" tIns="45720" rIns="91440" bIns="45720" rtlCol="0" anchor="ctr">
+            <a:noAutofit/>
+          </a:bodyPr>
+          <a:lstStyle>
+            <a:lvl1pPr>
+              <a:spcBef>
+                <a:spcPct val="0"/>
+              </a:spcBef>
+              <a:buNone/>
+              <a:defRPr sz="3200" b="0" cap="all">
+                <a:ln w="3175" cmpd="sng">
+                  <a:noFill/>
+                </a:ln>
+                <a:effectLst>
+                  <a:glow rad="38100">
+                    <a:schemeClr val="bg1">
+                      <a:lumMod val="65000"/>
+                      <a:lumOff val="35000"/>
+                      <a:alpha val="40000"/>
+                    </a:schemeClr>
+                  </a:glow>
+                  <a:outerShdw blurRad="28575" dist="38100" dir="14040000" algn="tl" rotWithShape="0">
+                    <a:srgbClr val="000000">
+                      <a:alpha val="25000"/>
+                    </a:srgbClr>
+                  </a:outerShdw>
+                </a:effectLst>
+              </a:defRPr>
+            </a:lvl1pPr>
+            <a:lvl2pPr>
+              <a:defRPr>
+                <a:solidFill>
+                  <a:schemeClr val="tx2"/>
+                </a:solidFill>
+              </a:defRPr>
+            </a:lvl2pPr>
+            <a:lvl3pPr>
+              <a:defRPr>
+                <a:solidFill>
+                  <a:schemeClr val="tx2"/>
+                </a:solidFill>
+              </a:defRPr>
+            </a:lvl3pPr>
+            <a:lvl4pPr>
+              <a:defRPr>
+                <a:solidFill>
+                  <a:schemeClr val="tx2"/>
+                </a:solidFill>
+              </a:defRPr>
+            </a:lvl4pPr>
+            <a:lvl5pPr>
+              <a:defRPr>
+                <a:solidFill>
+                  <a:schemeClr val="tx2"/>
+                </a:solidFill>
+              </a:defRPr>
+            </a:lvl5pPr>
+            <a:lvl6pPr>
+              <a:defRPr>
+                <a:solidFill>
+                  <a:schemeClr val="tx2"/>
+                </a:solidFill>
+              </a:defRPr>
+            </a:lvl6pPr>
+            <a:lvl7pPr>
+              <a:defRPr>
+                <a:solidFill>
+                  <a:schemeClr val="tx2"/>
+                </a:solidFill>
+              </a:defRPr>
+            </a:lvl7pPr>
+            <a:lvl8pPr>
+              <a:defRPr>
+                <a:solidFill>
+                  <a:schemeClr val="tx2"/>
+                </a:solidFill>
+              </a:defRPr>
+            </a:lvl8pPr>
+            <a:lvl9pPr>
+              <a:defRPr>
+                <a:solidFill>
+                  <a:schemeClr val="tx2"/>
+                </a:solidFill>
+              </a:defRPr>
+            </a:lvl9pPr>
+          </a:lstStyle>
+          <a:p>
+            <a:pPr lvl="0" algn="r"/>
+            <a:r>
+              <a:rPr lang="en-US" sz="8000" dirty="0">
+                <a:solidFill>
+                  <a:schemeClr val="tx1"/>
+                </a:solidFill>
+                <a:effectLst/>
+              </a:rPr>
+              <a:t>”</a:t>
+            </a:r>
+          </a:p>
+        </p:txBody>
+      </p:sp>
+    </p:spTree>
+    <p:extLst>
+      <p:ext uri="{BB962C8B-B14F-4D97-AF65-F5344CB8AC3E}">
+        <p14:creationId xmlns:p14="http://schemas.microsoft.com/office/powerpoint/2010/main" val="866779364"/>
+      </p:ext>
+    </p:extLst>
+  </p:cSld>
+  <p:clrMapOvr>
+    <a:masterClrMapping/>
+  </p:clrMapOvr>
+</p:sldLayout>
+</file>
+
+<file path=ppt/slideLayouts/slideLayout13.xml><?xml version="1.0" encoding="utf-8"?>
+<p:sldLayout xmlns:a="http://schemas.openxmlformats.org/drawingml/2006/main" xmlns:r="http://schemas.openxmlformats.org/officeDocument/2006/relationships" xmlns:p="http://schemas.openxmlformats.org/presentationml/2006/main" showMasterSp="0" preserve="1">
+  <p:cSld name="Name Card">
+    <p:spTree>
+      <p:nvGrpSpPr>
+        <p:cNvPr id="1" name=""/>
+        <p:cNvGrpSpPr/>
+        <p:nvPr/>
+      </p:nvGrpSpPr>
+      <p:grpSpPr>
+        <a:xfrm>
+          <a:off x="0" y="0"/>
+          <a:ext cx="0" cy="0"/>
+          <a:chOff x="0" y="0"/>
+          <a:chExt cx="0" cy="0"/>
+        </a:xfrm>
+      </p:grpSpPr>
+      <p:pic>
+        <p:nvPicPr>
+          <p:cNvPr id="9" name="Picture 8" descr="C0-HD-BTM.png"/>
+          <p:cNvPicPr>
+            <a:picLocks noChangeAspect="1"/>
+          </p:cNvPicPr>
+          <p:nvPr/>
+        </p:nvPicPr>
+        <p:blipFill>
+          <a:blip r:embed="rId2">
+            <a:extLst>
+              <a:ext uri="{28A0092B-C50C-407E-A947-70E740481C1C}">
+                <a14:useLocalDpi xmlns:a14="http://schemas.microsoft.com/office/drawing/2010/main" val="0"/>
+              </a:ext>
+            </a:extLst>
+          </a:blip>
+          <a:stretch>
+            <a:fillRect/>
+          </a:stretch>
+        </p:blipFill>
+        <p:spPr>
+          <a:xfrm>
+            <a:off x="0" y="4375150"/>
+            <a:ext cx="12192000" cy="2482850"/>
+          </a:xfrm>
+          <a:prstGeom prst="rect">
+            <a:avLst/>
+          </a:prstGeom>
+        </p:spPr>
+      </p:pic>
+      <p:sp>
+        <p:nvSpPr>
+          <p:cNvPr id="2" name="Title 1"/>
+          <p:cNvSpPr>
+            <a:spLocks noGrp="1"/>
+          </p:cNvSpPr>
+          <p:nvPr>
+            <p:ph type="title"/>
+          </p:nvPr>
+        </p:nvSpPr>
+        <p:spPr>
+          <a:xfrm>
+            <a:off x="1024495" y="1124701"/>
+            <a:ext cx="10146186" cy="2511835"/>
+          </a:xfrm>
+        </p:spPr>
+        <p:txBody>
+          <a:bodyPr anchor="b"/>
+          <a:lstStyle>
+            <a:lvl1pPr algn="l">
+              <a:defRPr sz="3200"/>
+            </a:lvl1pPr>
+          </a:lstStyle>
+          <a:p>
+            <a:r>
+              <a:rPr lang="en-US"/>
+              <a:t>Click to edit Master title style</a:t>
+            </a:r>
+            <a:endParaRPr lang="en-US" dirty="0"/>
+          </a:p>
+        </p:txBody>
+      </p:sp>
+      <p:sp>
+        <p:nvSpPr>
+          <p:cNvPr id="4" name="Text Placeholder 3"/>
+          <p:cNvSpPr>
+            <a:spLocks noGrp="1"/>
+          </p:cNvSpPr>
+          <p:nvPr>
+            <p:ph type="body" sz="half" idx="2"/>
+          </p:nvPr>
+        </p:nvSpPr>
+        <p:spPr>
+          <a:xfrm>
+            <a:off x="1024467" y="3648315"/>
+            <a:ext cx="10144654" cy="999885"/>
+          </a:xfrm>
+        </p:spPr>
+        <p:txBody>
+          <a:bodyPr anchor="t"/>
+          <a:lstStyle>
+            <a:lvl1pPr marL="0" indent="0">
+              <a:buNone/>
+              <a:defRPr sz="1600"/>
+            </a:lvl1pPr>
+            <a:lvl2pPr marL="457200" indent="0">
+              <a:buNone/>
+              <a:defRPr sz="1400"/>
+            </a:lvl2pPr>
+            <a:lvl3pPr marL="914400" indent="0">
+              <a:buNone/>
+              <a:defRPr sz="1200"/>
+            </a:lvl3pPr>
+            <a:lvl4pPr marL="1371600" indent="0">
+              <a:buNone/>
+              <a:defRPr sz="1000"/>
+            </a:lvl4pPr>
+            <a:lvl5pPr marL="1828800" indent="0">
+              <a:buNone/>
+              <a:defRPr sz="1000"/>
+            </a:lvl5pPr>
+            <a:lvl6pPr marL="2286000" indent="0">
+              <a:buNone/>
+              <a:defRPr sz="1000"/>
+            </a:lvl6pPr>
+            <a:lvl7pPr marL="2743200" indent="0">
+              <a:buNone/>
+              <a:defRPr sz="1000"/>
+            </a:lvl7pPr>
+            <a:lvl8pPr marL="3200400" indent="0">
+              <a:buNone/>
+              <a:defRPr sz="1000"/>
+            </a:lvl8pPr>
+            <a:lvl9pPr marL="3657600" indent="0">
+              <a:buNone/>
+              <a:defRPr sz="1000"/>
+            </a:lvl9pPr>
+          </a:lstStyle>
+          <a:p>
+            <a:pPr lvl="0"/>
+            <a:r>
+              <a:rPr lang="en-US"/>
+              <a:t>Click to edit Master text styles</a:t>
+            </a:r>
+          </a:p>
+        </p:txBody>
+      </p:sp>
+      <p:sp>
+        <p:nvSpPr>
+          <p:cNvPr id="5" name="Date Placeholder 4"/>
+          <p:cNvSpPr>
+            <a:spLocks noGrp="1"/>
+          </p:cNvSpPr>
+          <p:nvPr>
+            <p:ph type="dt" sz="half" idx="10"/>
+          </p:nvPr>
+        </p:nvSpPr>
+        <p:spPr>
+          <a:xfrm>
+            <a:off x="7814452" y="378883"/>
+            <a:ext cx="2910840" cy="365125"/>
+          </a:xfrm>
+        </p:spPr>
+        <p:txBody>
+          <a:bodyPr/>
+          <a:lstStyle>
+            <a:lvl1pPr algn="r">
+              <a:defRPr/>
+            </a:lvl1pPr>
+          </a:lstStyle>
+          <a:p>
+            <a:fld id="{90F99ACA-4DBB-4AED-BCF4-7CDED2803A73}" type="datetimeFigureOut">
+              <a:rPr lang="en-US" smtClean="0"/>
+              <a:t>2/12/2025</a:t>
+            </a:fld>
+            <a:endParaRPr lang="en-US"/>
+          </a:p>
+        </p:txBody>
+      </p:sp>
+      <p:sp>
+        <p:nvSpPr>
+          <p:cNvPr id="6" name="Footer Placeholder 5"/>
+          <p:cNvSpPr>
+            <a:spLocks noGrp="1"/>
+          </p:cNvSpPr>
+          <p:nvPr>
+            <p:ph type="ftr" sz="quarter" idx="11"/>
+          </p:nvPr>
+        </p:nvSpPr>
+        <p:spPr>
+          <a:xfrm>
+            <a:off x="685800" y="378883"/>
+            <a:ext cx="6991492" cy="365125"/>
+          </a:xfrm>
+        </p:spPr>
+        <p:txBody>
+          <a:bodyPr/>
+          <a:lstStyle/>
+          <a:p>
+            <a:endParaRPr lang="en-US"/>
+          </a:p>
+        </p:txBody>
+      </p:sp>
+      <p:sp>
+        <p:nvSpPr>
+          <p:cNvPr id="7" name="Slide Number Placeholder 6"/>
+          <p:cNvSpPr>
+            <a:spLocks noGrp="1"/>
+          </p:cNvSpPr>
+          <p:nvPr>
+            <p:ph type="sldNum" sz="quarter" idx="12"/>
+          </p:nvPr>
+        </p:nvSpPr>
+        <p:spPr>
+          <a:xfrm>
+            <a:off x="10862452" y="381000"/>
+            <a:ext cx="643748" cy="365125"/>
+          </a:xfrm>
+        </p:spPr>
+        <p:txBody>
+          <a:bodyPr/>
+          <a:lstStyle/>
+          <a:p>
+            <a:fld id="{16166F05-2A37-4F09-8C18-B30AD45E2910}" type="slidenum">
+              <a:rPr lang="en-US" smtClean="0"/>
+              <a:t>‹#›</a:t>
+            </a:fld>
+            <a:endParaRPr lang="en-US"/>
+          </a:p>
+        </p:txBody>
+      </p:sp>
+    </p:spTree>
+    <p:extLst>
+      <p:ext uri="{BB962C8B-B14F-4D97-AF65-F5344CB8AC3E}">
+        <p14:creationId xmlns:p14="http://schemas.microsoft.com/office/powerpoint/2010/main" val="3611724165"/>
+      </p:ext>
+    </p:extLst>
+  </p:cSld>
+  <p:clrMapOvr>
+    <a:masterClrMapping/>
+  </p:clrMapOvr>
+</p:sldLayout>
+</file>
+
+<file path=ppt/slideLayouts/slideLayout14.xml><?xml version="1.0" encoding="utf-8"?>
+<p:sldLayout xmlns:a="http://schemas.openxmlformats.org/drawingml/2006/main" xmlns:r="http://schemas.openxmlformats.org/officeDocument/2006/relationships" xmlns:p="http://schemas.openxmlformats.org/presentationml/2006/main" preserve="1">
+  <p:cSld name="3 Column">
+    <p:spTree>
+      <p:nvGrpSpPr>
+        <p:cNvPr id="1" name=""/>
+        <p:cNvGrpSpPr/>
+        <p:nvPr/>
+      </p:nvGrpSpPr>
+      <p:grpSpPr>
+        <a:xfrm>
+          <a:off x="0" y="0"/>
+          <a:ext cx="0" cy="0"/>
+          <a:chOff x="0" y="0"/>
+          <a:chExt cx="0" cy="0"/>
+        </a:xfrm>
+      </p:grpSpPr>
+      <p:sp>
+        <p:nvSpPr>
+          <p:cNvPr id="15" name="Title 1"/>
+          <p:cNvSpPr>
+            <a:spLocks noGrp="1"/>
+          </p:cNvSpPr>
+          <p:nvPr>
+            <p:ph type="title"/>
+          </p:nvPr>
+        </p:nvSpPr>
+        <p:spPr>
+          <a:xfrm>
+            <a:off x="2895600" y="761999"/>
+            <a:ext cx="8610599" cy="1303867"/>
+          </a:xfrm>
+        </p:spPr>
+        <p:txBody>
+          <a:bodyPr/>
+          <a:lstStyle/>
+          <a:p>
+            <a:r>
+              <a:rPr lang="en-US"/>
+              <a:t>Click to edit Master title style</a:t>
+            </a:r>
+            <a:endParaRPr lang="en-US" dirty="0"/>
+          </a:p>
+        </p:txBody>
+      </p:sp>
+      <p:sp>
+        <p:nvSpPr>
+          <p:cNvPr id="7" name="Text Placeholder 2"/>
+          <p:cNvSpPr>
+            <a:spLocks noGrp="1"/>
+          </p:cNvSpPr>
+          <p:nvPr>
+            <p:ph type="body" idx="1"/>
+          </p:nvPr>
+        </p:nvSpPr>
+        <p:spPr>
+          <a:xfrm>
+            <a:off x="685800" y="2202080"/>
+            <a:ext cx="3456432" cy="617320"/>
+          </a:xfrm>
+        </p:spPr>
+        <p:txBody>
+          <a:bodyPr anchor="b">
+            <a:noAutofit/>
+          </a:bodyPr>
+          <a:lstStyle>
+            <a:lvl1pPr marL="0" indent="0">
+              <a:buNone/>
+              <a:defRPr sz="2400" b="0">
+                <a:solidFill>
+                  <a:schemeClr val="tx1"/>
+                </a:solidFill>
+              </a:defRPr>
+            </a:lvl1pPr>
+            <a:lvl2pPr marL="457200" indent="0">
+              <a:buNone/>
+              <a:defRPr sz="2000" b="1"/>
+            </a:lvl2pPr>
+            <a:lvl3pPr marL="914400" indent="0">
+              <a:buNone/>
+              <a:defRPr sz="1800" b="1"/>
+            </a:lvl3pPr>
+            <a:lvl4pPr marL="1371600" indent="0">
+              <a:buNone/>
+              <a:defRPr sz="1600" b="1"/>
+            </a:lvl4pPr>
+            <a:lvl5pPr marL="1828800" indent="0">
+              <a:buNone/>
+              <a:defRPr sz="1600" b="1"/>
+            </a:lvl5pPr>
+            <a:lvl6pPr marL="2286000" indent="0">
+              <a:buNone/>
+              <a:defRPr sz="1600" b="1"/>
+            </a:lvl6pPr>
+            <a:lvl7pPr marL="2743200" indent="0">
+              <a:buNone/>
+              <a:defRPr sz="1600" b="1"/>
+            </a:lvl7pPr>
+            <a:lvl8pPr marL="3200400" indent="0">
+              <a:buNone/>
+              <a:defRPr sz="1600" b="1"/>
+            </a:lvl8pPr>
+            <a:lvl9pPr marL="3657600" indent="0">
+              <a:buNone/>
+              <a:defRPr sz="1600" b="1"/>
+            </a:lvl9pPr>
+          </a:lstStyle>
+          <a:p>
+            <a:pPr lvl="0"/>
+            <a:r>
+              <a:rPr lang="en-US"/>
+              <a:t>Click to edit Master text styles</a:t>
+            </a:r>
+          </a:p>
+        </p:txBody>
+      </p:sp>
+      <p:sp>
+        <p:nvSpPr>
+          <p:cNvPr id="8" name="Text Placeholder 3"/>
+          <p:cNvSpPr>
+            <a:spLocks noGrp="1"/>
+          </p:cNvSpPr>
+          <p:nvPr>
+            <p:ph type="body" sz="half" idx="15"/>
+          </p:nvPr>
+        </p:nvSpPr>
+        <p:spPr>
+          <a:xfrm>
+            <a:off x="685799" y="2904565"/>
+            <a:ext cx="3456432" cy="3314132"/>
+          </a:xfrm>
+        </p:spPr>
+        <p:txBody>
+          <a:bodyPr anchor="t">
+            <a:normAutofit/>
+          </a:bodyPr>
+          <a:lstStyle>
+            <a:lvl1pPr marL="0" indent="0">
+              <a:buNone/>
+              <a:defRPr sz="1400"/>
+            </a:lvl1pPr>
+            <a:lvl2pPr marL="457200" indent="0">
+              <a:buNone/>
+              <a:defRPr sz="1200"/>
+            </a:lvl2pPr>
+            <a:lvl3pPr marL="914400" indent="0">
+              <a:buNone/>
+              <a:defRPr sz="1000"/>
+            </a:lvl3pPr>
+            <a:lvl4pPr marL="1371600" indent="0">
+              <a:buNone/>
+              <a:defRPr sz="900"/>
+            </a:lvl4pPr>
+            <a:lvl5pPr marL="1828800" indent="0">
+              <a:buNone/>
+              <a:defRPr sz="900"/>
+            </a:lvl5pPr>
+            <a:lvl6pPr marL="2286000" indent="0">
+              <a:buNone/>
+              <a:defRPr sz="900"/>
+            </a:lvl6pPr>
+            <a:lvl7pPr marL="2743200" indent="0">
+              <a:buNone/>
+              <a:defRPr sz="900"/>
+            </a:lvl7pPr>
+            <a:lvl8pPr marL="3200400" indent="0">
+              <a:buNone/>
+              <a:defRPr sz="900"/>
+            </a:lvl8pPr>
+            <a:lvl9pPr marL="3657600" indent="0">
+              <a:buNone/>
+              <a:defRPr sz="900"/>
+            </a:lvl9pPr>
+          </a:lstStyle>
+          <a:p>
+            <a:pPr lvl="0"/>
+            <a:r>
+              <a:rPr lang="en-US"/>
+              <a:t>Click to edit Master text styles</a:t>
+            </a:r>
+          </a:p>
+        </p:txBody>
+      </p:sp>
+      <p:sp>
+        <p:nvSpPr>
+          <p:cNvPr id="9" name="Text Placeholder 4"/>
+          <p:cNvSpPr>
+            <a:spLocks noGrp="1"/>
+          </p:cNvSpPr>
+          <p:nvPr>
+            <p:ph type="body" sz="quarter" idx="3"/>
+          </p:nvPr>
+        </p:nvSpPr>
+        <p:spPr>
+          <a:xfrm>
+            <a:off x="4368800" y="2201333"/>
+            <a:ext cx="3456432" cy="626534"/>
+          </a:xfrm>
+        </p:spPr>
+        <p:txBody>
+          <a:bodyPr anchor="b">
+            <a:noAutofit/>
+          </a:bodyPr>
+          <a:lstStyle>
+            <a:lvl1pPr marL="0" indent="0">
+              <a:buNone/>
+              <a:defRPr sz="2400" b="0">
+                <a:solidFill>
+                  <a:schemeClr val="tx1"/>
+                </a:solidFill>
+              </a:defRPr>
+            </a:lvl1pPr>
+            <a:lvl2pPr marL="457200" indent="0">
+              <a:buNone/>
+              <a:defRPr sz="2000" b="1"/>
+            </a:lvl2pPr>
+            <a:lvl3pPr marL="914400" indent="0">
+              <a:buNone/>
+              <a:defRPr sz="1800" b="1"/>
+            </a:lvl3pPr>
+            <a:lvl4pPr marL="1371600" indent="0">
+              <a:buNone/>
+              <a:defRPr sz="1600" b="1"/>
+            </a:lvl4pPr>
+            <a:lvl5pPr marL="1828800" indent="0">
+              <a:buNone/>
+              <a:defRPr sz="1600" b="1"/>
+            </a:lvl5pPr>
+            <a:lvl6pPr marL="2286000" indent="0">
+              <a:buNone/>
+              <a:defRPr sz="1600" b="1"/>
+            </a:lvl6pPr>
+            <a:lvl7pPr marL="2743200" indent="0">
+              <a:buNone/>
+              <a:defRPr sz="1600" b="1"/>
+            </a:lvl7pPr>
+            <a:lvl8pPr marL="3200400" indent="0">
+              <a:buNone/>
+              <a:defRPr sz="1600" b="1"/>
+            </a:lvl8pPr>
+            <a:lvl9pPr marL="3657600" indent="0">
+              <a:buNone/>
+              <a:defRPr sz="1600" b="1"/>
+            </a:lvl9pPr>
+          </a:lstStyle>
+          <a:p>
+            <a:pPr lvl="0"/>
+            <a:r>
+              <a:rPr lang="en-US"/>
+              <a:t>Click to edit Master text styles</a:t>
+            </a:r>
+          </a:p>
+        </p:txBody>
+      </p:sp>
+      <p:sp>
+        <p:nvSpPr>
+          <p:cNvPr id="10" name="Text Placeholder 3"/>
+          <p:cNvSpPr>
+            <a:spLocks noGrp="1"/>
+          </p:cNvSpPr>
+          <p:nvPr>
+            <p:ph type="body" sz="half" idx="16"/>
+          </p:nvPr>
+        </p:nvSpPr>
+        <p:spPr>
+          <a:xfrm>
+            <a:off x="4366858" y="2904067"/>
+            <a:ext cx="3456432" cy="3314618"/>
+          </a:xfrm>
+        </p:spPr>
+        <p:txBody>
+          <a:bodyPr anchor="t">
+            <a:normAutofit/>
+          </a:bodyPr>
+          <a:lstStyle>
+            <a:lvl1pPr marL="0" indent="0">
+              <a:buNone/>
+              <a:defRPr sz="1400"/>
+            </a:lvl1pPr>
+            <a:lvl2pPr marL="457200" indent="0">
+              <a:buNone/>
+              <a:defRPr sz="1200"/>
+            </a:lvl2pPr>
+            <a:lvl3pPr marL="914400" indent="0">
+              <a:buNone/>
+              <a:defRPr sz="1000"/>
+            </a:lvl3pPr>
+            <a:lvl4pPr marL="1371600" indent="0">
+              <a:buNone/>
+              <a:defRPr sz="900"/>
+            </a:lvl4pPr>
+            <a:lvl5pPr marL="1828800" indent="0">
+              <a:buNone/>
+              <a:defRPr sz="900"/>
+            </a:lvl5pPr>
+            <a:lvl6pPr marL="2286000" indent="0">
+              <a:buNone/>
+              <a:defRPr sz="900"/>
+            </a:lvl6pPr>
+            <a:lvl7pPr marL="2743200" indent="0">
+              <a:buNone/>
+              <a:defRPr sz="900"/>
+            </a:lvl7pPr>
+            <a:lvl8pPr marL="3200400" indent="0">
+              <a:buNone/>
+              <a:defRPr sz="900"/>
+            </a:lvl8pPr>
+            <a:lvl9pPr marL="3657600" indent="0">
+              <a:buNone/>
+              <a:defRPr sz="900"/>
+            </a:lvl9pPr>
+          </a:lstStyle>
+          <a:p>
+            <a:pPr lvl="0"/>
+            <a:r>
+              <a:rPr lang="en-US"/>
+              <a:t>Click to edit Master text styles</a:t>
+            </a:r>
+          </a:p>
+        </p:txBody>
+      </p:sp>
+      <p:sp>
+        <p:nvSpPr>
+          <p:cNvPr id="11" name="Text Placeholder 4"/>
+          <p:cNvSpPr>
+            <a:spLocks noGrp="1"/>
+          </p:cNvSpPr>
+          <p:nvPr>
+            <p:ph type="body" sz="quarter" idx="13"/>
+          </p:nvPr>
+        </p:nvSpPr>
+        <p:spPr>
+          <a:xfrm>
+            <a:off x="8051800" y="2192866"/>
+            <a:ext cx="3456432" cy="626534"/>
+          </a:xfrm>
+        </p:spPr>
+        <p:txBody>
+          <a:bodyPr anchor="b">
+            <a:noAutofit/>
+          </a:bodyPr>
+          <a:lstStyle>
+            <a:lvl1pPr marL="0" indent="0">
+              <a:buNone/>
+              <a:defRPr sz="2400" b="0">
+                <a:solidFill>
+                  <a:schemeClr val="tx1"/>
+                </a:solidFill>
+              </a:defRPr>
+            </a:lvl1pPr>
+            <a:lvl2pPr marL="457200" indent="0">
+              <a:buNone/>
+              <a:defRPr sz="2000" b="1"/>
+            </a:lvl2pPr>
+            <a:lvl3pPr marL="914400" indent="0">
+              <a:buNone/>
+              <a:defRPr sz="1800" b="1"/>
+            </a:lvl3pPr>
+            <a:lvl4pPr marL="1371600" indent="0">
+              <a:buNone/>
+              <a:defRPr sz="1600" b="1"/>
+            </a:lvl4pPr>
+            <a:lvl5pPr marL="1828800" indent="0">
+              <a:buNone/>
+              <a:defRPr sz="1600" b="1"/>
+            </a:lvl5pPr>
+            <a:lvl6pPr marL="2286000" indent="0">
+              <a:buNone/>
+              <a:defRPr sz="1600" b="1"/>
+            </a:lvl6pPr>
+            <a:lvl7pPr marL="2743200" indent="0">
+              <a:buNone/>
+              <a:defRPr sz="1600" b="1"/>
+            </a:lvl7pPr>
+            <a:lvl8pPr marL="3200400" indent="0">
+              <a:buNone/>
+              <a:defRPr sz="1600" b="1"/>
+            </a:lvl8pPr>
+            <a:lvl9pPr marL="3657600" indent="0">
+              <a:buNone/>
+              <a:defRPr sz="1600" b="1"/>
+            </a:lvl9pPr>
+          </a:lstStyle>
+          <a:p>
+            <a:pPr lvl="0"/>
+            <a:r>
+              <a:rPr lang="en-US"/>
+              <a:t>Click to edit Master text styles</a:t>
+            </a:r>
+          </a:p>
+        </p:txBody>
+      </p:sp>
+      <p:sp>
+        <p:nvSpPr>
+          <p:cNvPr id="12" name="Text Placeholder 3"/>
+          <p:cNvSpPr>
+            <a:spLocks noGrp="1"/>
+          </p:cNvSpPr>
+          <p:nvPr>
+            <p:ph type="body" sz="half" idx="17"/>
+          </p:nvPr>
+        </p:nvSpPr>
+        <p:spPr>
+          <a:xfrm>
+            <a:off x="8051801" y="2904565"/>
+            <a:ext cx="3456432" cy="3314132"/>
+          </a:xfrm>
+        </p:spPr>
+        <p:txBody>
+          <a:bodyPr anchor="t">
+            <a:normAutofit/>
+          </a:bodyPr>
+          <a:lstStyle>
+            <a:lvl1pPr marL="0" indent="0">
+              <a:buNone/>
+              <a:defRPr sz="1400"/>
+            </a:lvl1pPr>
+            <a:lvl2pPr marL="457200" indent="0">
+              <a:buNone/>
+              <a:defRPr sz="1200"/>
+            </a:lvl2pPr>
+            <a:lvl3pPr marL="914400" indent="0">
+              <a:buNone/>
+              <a:defRPr sz="1000"/>
+            </a:lvl3pPr>
+            <a:lvl4pPr marL="1371600" indent="0">
+              <a:buNone/>
+              <a:defRPr sz="900"/>
+            </a:lvl4pPr>
+            <a:lvl5pPr marL="1828800" indent="0">
+              <a:buNone/>
+              <a:defRPr sz="900"/>
+            </a:lvl5pPr>
+            <a:lvl6pPr marL="2286000" indent="0">
+              <a:buNone/>
+              <a:defRPr sz="900"/>
+            </a:lvl6pPr>
+            <a:lvl7pPr marL="2743200" indent="0">
+              <a:buNone/>
+              <a:defRPr sz="900"/>
+            </a:lvl7pPr>
+            <a:lvl8pPr marL="3200400" indent="0">
+              <a:buNone/>
+              <a:defRPr sz="900"/>
+            </a:lvl8pPr>
+            <a:lvl9pPr marL="3657600" indent="0">
+              <a:buNone/>
+              <a:defRPr sz="900"/>
+            </a:lvl9pPr>
+          </a:lstStyle>
+          <a:p>
+            <a:pPr lvl="0"/>
+            <a:r>
+              <a:rPr lang="en-US"/>
+              <a:t>Click to edit Master text styles</a:t>
+            </a:r>
+          </a:p>
+        </p:txBody>
+      </p:sp>
+      <p:sp>
+        <p:nvSpPr>
+          <p:cNvPr id="3" name="Date Placeholder 2"/>
+          <p:cNvSpPr>
+            <a:spLocks noGrp="1"/>
+          </p:cNvSpPr>
+          <p:nvPr>
+            <p:ph type="dt" sz="half" idx="10"/>
+          </p:nvPr>
+        </p:nvSpPr>
+        <p:spPr/>
+        <p:txBody>
+          <a:bodyPr/>
+          <a:lstStyle/>
+          <a:p>
+            <a:fld id="{90F99ACA-4DBB-4AED-BCF4-7CDED2803A73}" type="datetimeFigureOut">
+              <a:rPr lang="en-US" smtClean="0"/>
+              <a:t>2/12/2025</a:t>
+            </a:fld>
+            <a:endParaRPr lang="en-US"/>
+          </a:p>
+        </p:txBody>
+      </p:sp>
+      <p:sp>
+        <p:nvSpPr>
+          <p:cNvPr id="4" name="Footer Placeholder 3"/>
+          <p:cNvSpPr>
+            <a:spLocks noGrp="1"/>
+          </p:cNvSpPr>
+          <p:nvPr>
+            <p:ph type="ftr" sz="quarter" idx="11"/>
+          </p:nvPr>
+        </p:nvSpPr>
+        <p:spPr/>
+        <p:txBody>
+          <a:bodyPr/>
+          <a:lstStyle/>
+          <a:p>
+            <a:endParaRPr lang="en-US"/>
+          </a:p>
+        </p:txBody>
+      </p:sp>
+      <p:sp>
+        <p:nvSpPr>
+          <p:cNvPr id="5" name="Slide Number Placeholder 4"/>
+          <p:cNvSpPr>
+            <a:spLocks noGrp="1"/>
+          </p:cNvSpPr>
+          <p:nvPr>
+            <p:ph type="sldNum" sz="quarter" idx="12"/>
+          </p:nvPr>
+        </p:nvSpPr>
+        <p:spPr/>
+        <p:txBody>
+          <a:bodyPr/>
+          <a:lstStyle/>
+          <a:p>
+            <a:fld id="{16166F05-2A37-4F09-8C18-B30AD45E2910}" type="slidenum">
+              <a:rPr lang="en-US" smtClean="0"/>
+              <a:t>‹#›</a:t>
+            </a:fld>
+            <a:endParaRPr lang="en-US"/>
+          </a:p>
+        </p:txBody>
+      </p:sp>
+    </p:spTree>
+    <p:extLst>
+      <p:ext uri="{BB962C8B-B14F-4D97-AF65-F5344CB8AC3E}">
+        <p14:creationId xmlns:p14="http://schemas.microsoft.com/office/powerpoint/2010/main" val="1260976757"/>
+      </p:ext>
+    </p:extLst>
+  </p:cSld>
+  <p:clrMapOvr>
+    <a:masterClrMapping/>
+  </p:clrMapOvr>
+</p:sldLayout>
+</file>
+
+<file path=ppt/slideLayouts/slideLayout15.xml><?xml version="1.0" encoding="utf-8"?>
+<p:sldLayout xmlns:a="http://schemas.openxmlformats.org/drawingml/2006/main" xmlns:r="http://schemas.openxmlformats.org/officeDocument/2006/relationships" xmlns:p="http://schemas.openxmlformats.org/presentationml/2006/main" preserve="1">
+  <p:cSld name="3 Picture Column">
+    <p:spTree>
+      <p:nvGrpSpPr>
+        <p:cNvPr id="1" name=""/>
+        <p:cNvGrpSpPr/>
+        <p:nvPr/>
+      </p:nvGrpSpPr>
+      <p:grpSpPr>
+        <a:xfrm>
+          <a:off x="0" y="0"/>
+          <a:ext cx="0" cy="0"/>
+          <a:chOff x="0" y="0"/>
+          <a:chExt cx="0" cy="0"/>
+        </a:xfrm>
+      </p:grpSpPr>
+      <p:sp>
+        <p:nvSpPr>
+          <p:cNvPr id="30" name="Title 1"/>
+          <p:cNvSpPr>
+            <a:spLocks noGrp="1"/>
+          </p:cNvSpPr>
+          <p:nvPr>
+            <p:ph type="title"/>
+          </p:nvPr>
+        </p:nvSpPr>
+        <p:spPr>
+          <a:xfrm>
+            <a:off x="2895600" y="762000"/>
+            <a:ext cx="8610599" cy="1295400"/>
+          </a:xfrm>
+        </p:spPr>
+        <p:txBody>
+          <a:bodyPr/>
+          <a:lstStyle/>
+          <a:p>
+            <a:r>
+              <a:rPr lang="en-US"/>
+              <a:t>Click to edit Master title style</a:t>
+            </a:r>
+            <a:endParaRPr lang="en-US" dirty="0"/>
+          </a:p>
+        </p:txBody>
+      </p:sp>
+      <p:sp>
+        <p:nvSpPr>
+          <p:cNvPr id="19" name="Text Placeholder 2"/>
+          <p:cNvSpPr>
+            <a:spLocks noGrp="1"/>
+          </p:cNvSpPr>
+          <p:nvPr>
+            <p:ph type="body" idx="1"/>
+          </p:nvPr>
+        </p:nvSpPr>
+        <p:spPr>
+          <a:xfrm>
+            <a:off x="688618" y="4191000"/>
+            <a:ext cx="3451582" cy="682765"/>
+          </a:xfrm>
+        </p:spPr>
+        <p:txBody>
+          <a:bodyPr anchor="b">
+            <a:noAutofit/>
+          </a:bodyPr>
+          <a:lstStyle>
+            <a:lvl1pPr marL="0" indent="0">
+              <a:buNone/>
+              <a:defRPr sz="2400" b="0">
+                <a:solidFill>
+                  <a:schemeClr val="tx1"/>
+                </a:solidFill>
+              </a:defRPr>
+            </a:lvl1pPr>
+            <a:lvl2pPr marL="457200" indent="0">
+              <a:buNone/>
+              <a:defRPr sz="2000" b="1"/>
+            </a:lvl2pPr>
+            <a:lvl3pPr marL="914400" indent="0">
+              <a:buNone/>
+              <a:defRPr sz="1800" b="1"/>
+            </a:lvl3pPr>
+            <a:lvl4pPr marL="1371600" indent="0">
+              <a:buNone/>
+              <a:defRPr sz="1600" b="1"/>
+            </a:lvl4pPr>
+            <a:lvl5pPr marL="1828800" indent="0">
+              <a:buNone/>
+              <a:defRPr sz="1600" b="1"/>
+            </a:lvl5pPr>
+            <a:lvl6pPr marL="2286000" indent="0">
+              <a:buNone/>
+              <a:defRPr sz="1600" b="1"/>
+            </a:lvl6pPr>
+            <a:lvl7pPr marL="2743200" indent="0">
+              <a:buNone/>
+              <a:defRPr sz="1600" b="1"/>
+            </a:lvl7pPr>
+            <a:lvl8pPr marL="3200400" indent="0">
+              <a:buNone/>
+              <a:defRPr sz="1600" b="1"/>
+            </a:lvl8pPr>
+            <a:lvl9pPr marL="3657600" indent="0">
+              <a:buNone/>
+              <a:defRPr sz="1600" b="1"/>
+            </a:lvl9pPr>
+          </a:lstStyle>
+          <a:p>
+            <a:pPr lvl="0"/>
+            <a:r>
+              <a:rPr lang="en-US"/>
+              <a:t>Click to edit Master text styles</a:t>
+            </a:r>
+          </a:p>
+        </p:txBody>
+      </p:sp>
+      <p:sp>
+        <p:nvSpPr>
+          <p:cNvPr id="20" name="Picture Placeholder 2"/>
+          <p:cNvSpPr>
+            <a:spLocks noGrp="1" noChangeAspect="1"/>
+          </p:cNvSpPr>
+          <p:nvPr>
+            <p:ph type="pic" idx="15"/>
+          </p:nvPr>
+        </p:nvSpPr>
+        <p:spPr>
+          <a:xfrm>
+            <a:off x="688618" y="2362200"/>
+            <a:ext cx="3451582" cy="1524000"/>
+          </a:xfrm>
+          <a:prstGeom prst="roundRect">
+            <a:avLst>
+              <a:gd name="adj" fmla="val 0"/>
+            </a:avLst>
+          </a:prstGeom>
+          <a:effectLst>
+            <a:outerShdw blurRad="50800" dist="50800" dir="5400000" algn="tl" rotWithShape="0">
+              <a:srgbClr val="000000">
+                <a:alpha val="43000"/>
+              </a:srgbClr>
+            </a:outerShdw>
+          </a:effectLst>
+        </p:spPr>
+        <p:txBody>
+          <a:bodyPr anchor="t">
+            <a:normAutofit/>
+          </a:bodyPr>
+          <a:lstStyle>
+            <a:lvl1pPr marL="0" indent="0" algn="ctr">
+              <a:buNone/>
+              <a:defRPr sz="1600"/>
+            </a:lvl1pPr>
+            <a:lvl2pPr marL="457200" indent="0">
+              <a:buNone/>
+              <a:defRPr sz="1600"/>
+            </a:lvl2pPr>
+            <a:lvl3pPr marL="914400" indent="0">
+              <a:buNone/>
+              <a:defRPr sz="1600"/>
+            </a:lvl3pPr>
+            <a:lvl4pPr marL="1371600" indent="0">
+              <a:buNone/>
+              <a:defRPr sz="1600"/>
+            </a:lvl4pPr>
+            <a:lvl5pPr marL="1828800" indent="0">
+              <a:buNone/>
+              <a:defRPr sz="1600"/>
+            </a:lvl5pPr>
+            <a:lvl6pPr marL="2286000" indent="0">
+              <a:buNone/>
+              <a:defRPr sz="1600"/>
+            </a:lvl6pPr>
+            <a:lvl7pPr marL="2743200" indent="0">
+              <a:buNone/>
+              <a:defRPr sz="1600"/>
+            </a:lvl7pPr>
+            <a:lvl8pPr marL="3200400" indent="0">
+              <a:buNone/>
+              <a:defRPr sz="1600"/>
+            </a:lvl8pPr>
+            <a:lvl9pPr marL="3657600" indent="0">
+              <a:buNone/>
+              <a:defRPr sz="1600"/>
+            </a:lvl9pPr>
+          </a:lstStyle>
+          <a:p>
+            <a:r>
+              <a:rPr lang="en-US"/>
+              <a:t>Click icon to add picture</a:t>
+            </a:r>
+            <a:endParaRPr lang="en-US" dirty="0"/>
+          </a:p>
+        </p:txBody>
+      </p:sp>
+      <p:sp>
+        <p:nvSpPr>
+          <p:cNvPr id="21" name="Text Placeholder 3"/>
+          <p:cNvSpPr>
+            <a:spLocks noGrp="1"/>
+          </p:cNvSpPr>
+          <p:nvPr>
+            <p:ph type="body" sz="half" idx="18"/>
+          </p:nvPr>
+        </p:nvSpPr>
+        <p:spPr>
+          <a:xfrm>
+            <a:off x="688618" y="4873764"/>
+            <a:ext cx="3451582" cy="1344921"/>
+          </a:xfrm>
+        </p:spPr>
+        <p:txBody>
+          <a:bodyPr anchor="t">
+            <a:normAutofit/>
+          </a:bodyPr>
+          <a:lstStyle>
+            <a:lvl1pPr marL="0" indent="0">
+              <a:buNone/>
+              <a:defRPr sz="1400"/>
+            </a:lvl1pPr>
+            <a:lvl2pPr marL="457200" indent="0">
+              <a:buNone/>
+              <a:defRPr sz="1200"/>
+            </a:lvl2pPr>
+            <a:lvl3pPr marL="914400" indent="0">
+              <a:buNone/>
+              <a:defRPr sz="1000"/>
+            </a:lvl3pPr>
+            <a:lvl4pPr marL="1371600" indent="0">
+              <a:buNone/>
+              <a:defRPr sz="900"/>
+            </a:lvl4pPr>
+            <a:lvl5pPr marL="1828800" indent="0">
+              <a:buNone/>
+              <a:defRPr sz="900"/>
+            </a:lvl5pPr>
+            <a:lvl6pPr marL="2286000" indent="0">
+              <a:buNone/>
+              <a:defRPr sz="900"/>
+            </a:lvl6pPr>
+            <a:lvl7pPr marL="2743200" indent="0">
+              <a:buNone/>
+              <a:defRPr sz="900"/>
+            </a:lvl7pPr>
+            <a:lvl8pPr marL="3200400" indent="0">
+              <a:buNone/>
+              <a:defRPr sz="900"/>
+            </a:lvl8pPr>
+            <a:lvl9pPr marL="3657600" indent="0">
+              <a:buNone/>
+              <a:defRPr sz="900"/>
+            </a:lvl9pPr>
+          </a:lstStyle>
+          <a:p>
+            <a:pPr lvl="0"/>
+            <a:r>
+              <a:rPr lang="en-US"/>
+              <a:t>Click to edit Master text styles</a:t>
+            </a:r>
+          </a:p>
+        </p:txBody>
+      </p:sp>
+      <p:sp>
+        <p:nvSpPr>
+          <p:cNvPr id="22" name="Text Placeholder 4"/>
+          <p:cNvSpPr>
+            <a:spLocks noGrp="1"/>
+          </p:cNvSpPr>
+          <p:nvPr>
+            <p:ph type="body" sz="quarter" idx="3"/>
+          </p:nvPr>
+        </p:nvSpPr>
+        <p:spPr>
+          <a:xfrm>
+            <a:off x="4374263" y="4191000"/>
+            <a:ext cx="3448935" cy="682765"/>
+          </a:xfrm>
+        </p:spPr>
+        <p:txBody>
+          <a:bodyPr anchor="b">
+            <a:noAutofit/>
+          </a:bodyPr>
+          <a:lstStyle>
+            <a:lvl1pPr marL="0" indent="0">
+              <a:buNone/>
+              <a:defRPr sz="2400" b="0">
+                <a:solidFill>
+                  <a:schemeClr val="tx1"/>
+                </a:solidFill>
+              </a:defRPr>
+            </a:lvl1pPr>
+            <a:lvl2pPr marL="457200" indent="0">
+              <a:buNone/>
+              <a:defRPr sz="2000" b="1"/>
+            </a:lvl2pPr>
+            <a:lvl3pPr marL="914400" indent="0">
+              <a:buNone/>
+              <a:defRPr sz="1800" b="1"/>
+            </a:lvl3pPr>
+            <a:lvl4pPr marL="1371600" indent="0">
+              <a:buNone/>
+              <a:defRPr sz="1600" b="1"/>
+            </a:lvl4pPr>
+            <a:lvl5pPr marL="1828800" indent="0">
+              <a:buNone/>
+              <a:defRPr sz="1600" b="1"/>
+            </a:lvl5pPr>
+            <a:lvl6pPr marL="2286000" indent="0">
+              <a:buNone/>
+              <a:defRPr sz="1600" b="1"/>
+            </a:lvl6pPr>
+            <a:lvl7pPr marL="2743200" indent="0">
+              <a:buNone/>
+              <a:defRPr sz="1600" b="1"/>
+            </a:lvl7pPr>
+            <a:lvl8pPr marL="3200400" indent="0">
+              <a:buNone/>
+              <a:defRPr sz="1600" b="1"/>
+            </a:lvl8pPr>
+            <a:lvl9pPr marL="3657600" indent="0">
+              <a:buNone/>
+              <a:defRPr sz="1600" b="1"/>
+            </a:lvl9pPr>
+          </a:lstStyle>
+          <a:p>
+            <a:pPr lvl="0"/>
+            <a:r>
+              <a:rPr lang="en-US"/>
+              <a:t>Click to edit Master text styles</a:t>
+            </a:r>
+          </a:p>
+        </p:txBody>
+      </p:sp>
+      <p:sp>
+        <p:nvSpPr>
+          <p:cNvPr id="23" name="Picture Placeholder 2"/>
+          <p:cNvSpPr>
+            <a:spLocks noGrp="1" noChangeAspect="1"/>
+          </p:cNvSpPr>
+          <p:nvPr>
+            <p:ph type="pic" idx="21"/>
+          </p:nvPr>
+        </p:nvSpPr>
+        <p:spPr>
+          <a:xfrm>
+            <a:off x="4374263" y="2362200"/>
+            <a:ext cx="3448936" cy="1524000"/>
+          </a:xfrm>
+          <a:prstGeom prst="roundRect">
+            <a:avLst>
+              <a:gd name="adj" fmla="val 0"/>
+            </a:avLst>
+          </a:prstGeom>
+          <a:effectLst>
+            <a:outerShdw blurRad="50800" dist="50800" dir="5400000" algn="tl" rotWithShape="0">
+              <a:srgbClr val="000000">
+                <a:alpha val="43000"/>
+              </a:srgbClr>
+            </a:outerShdw>
+          </a:effectLst>
+        </p:spPr>
+        <p:txBody>
+          <a:bodyPr anchor="t">
+            <a:normAutofit/>
+          </a:bodyPr>
+          <a:lstStyle>
+            <a:lvl1pPr marL="0" indent="0" algn="ctr">
+              <a:buNone/>
+              <a:defRPr sz="1600"/>
+            </a:lvl1pPr>
+            <a:lvl2pPr marL="457200" indent="0">
+              <a:buNone/>
+              <a:defRPr sz="1600"/>
+            </a:lvl2pPr>
+            <a:lvl3pPr marL="914400" indent="0">
+              <a:buNone/>
+              <a:defRPr sz="1600"/>
+            </a:lvl3pPr>
+            <a:lvl4pPr marL="1371600" indent="0">
+              <a:buNone/>
+              <a:defRPr sz="1600"/>
+            </a:lvl4pPr>
+            <a:lvl5pPr marL="1828800" indent="0">
+              <a:buNone/>
+              <a:defRPr sz="1600"/>
+            </a:lvl5pPr>
+            <a:lvl6pPr marL="2286000" indent="0">
+              <a:buNone/>
+              <a:defRPr sz="1600"/>
+            </a:lvl6pPr>
+            <a:lvl7pPr marL="2743200" indent="0">
+              <a:buNone/>
+              <a:defRPr sz="1600"/>
+            </a:lvl7pPr>
+            <a:lvl8pPr marL="3200400" indent="0">
+              <a:buNone/>
+              <a:defRPr sz="1600"/>
+            </a:lvl8pPr>
+            <a:lvl9pPr marL="3657600" indent="0">
+              <a:buNone/>
+              <a:defRPr sz="1600"/>
+            </a:lvl9pPr>
+          </a:lstStyle>
+          <a:p>
+            <a:r>
+              <a:rPr lang="en-US"/>
+              <a:t>Click icon to add picture</a:t>
+            </a:r>
+            <a:endParaRPr lang="en-US" dirty="0"/>
+          </a:p>
+        </p:txBody>
+      </p:sp>
+      <p:sp>
+        <p:nvSpPr>
+          <p:cNvPr id="24" name="Text Placeholder 3"/>
+          <p:cNvSpPr>
+            <a:spLocks noGrp="1"/>
+          </p:cNvSpPr>
+          <p:nvPr>
+            <p:ph type="body" sz="half" idx="19"/>
+          </p:nvPr>
+        </p:nvSpPr>
+        <p:spPr>
+          <a:xfrm>
+            <a:off x="4374264" y="4873763"/>
+            <a:ext cx="3448935" cy="1344921"/>
+          </a:xfrm>
+        </p:spPr>
+        <p:txBody>
+          <a:bodyPr anchor="t">
+            <a:normAutofit/>
+          </a:bodyPr>
+          <a:lstStyle>
+            <a:lvl1pPr marL="0" indent="0">
+              <a:buNone/>
+              <a:defRPr sz="1400"/>
+            </a:lvl1pPr>
+            <a:lvl2pPr marL="457200" indent="0">
+              <a:buNone/>
+              <a:defRPr sz="1200"/>
+            </a:lvl2pPr>
+            <a:lvl3pPr marL="914400" indent="0">
+              <a:buNone/>
+              <a:defRPr sz="1000"/>
+            </a:lvl3pPr>
+            <a:lvl4pPr marL="1371600" indent="0">
+              <a:buNone/>
+              <a:defRPr sz="900"/>
+            </a:lvl4pPr>
+            <a:lvl5pPr marL="1828800" indent="0">
+              <a:buNone/>
+              <a:defRPr sz="900"/>
+            </a:lvl5pPr>
+            <a:lvl6pPr marL="2286000" indent="0">
+              <a:buNone/>
+              <a:defRPr sz="900"/>
+            </a:lvl6pPr>
+            <a:lvl7pPr marL="2743200" indent="0">
+              <a:buNone/>
+              <a:defRPr sz="900"/>
+            </a:lvl7pPr>
+            <a:lvl8pPr marL="3200400" indent="0">
+              <a:buNone/>
+              <a:defRPr sz="900"/>
+            </a:lvl8pPr>
+            <a:lvl9pPr marL="3657600" indent="0">
+              <a:buNone/>
+              <a:defRPr sz="900"/>
+            </a:lvl9pPr>
+          </a:lstStyle>
+          <a:p>
+            <a:pPr lvl="0"/>
+            <a:r>
+              <a:rPr lang="en-US"/>
+              <a:t>Click to edit Master text styles</a:t>
+            </a:r>
+          </a:p>
+        </p:txBody>
+      </p:sp>
+      <p:sp>
+        <p:nvSpPr>
+          <p:cNvPr id="25" name="Text Placeholder 4"/>
+          <p:cNvSpPr>
+            <a:spLocks noGrp="1"/>
+          </p:cNvSpPr>
+          <p:nvPr>
+            <p:ph type="body" sz="quarter" idx="13"/>
+          </p:nvPr>
+        </p:nvSpPr>
+        <p:spPr>
+          <a:xfrm>
+            <a:off x="8049731" y="4191000"/>
+            <a:ext cx="3456469" cy="682765"/>
+          </a:xfrm>
+        </p:spPr>
+        <p:txBody>
+          <a:bodyPr anchor="b">
+            <a:noAutofit/>
+          </a:bodyPr>
+          <a:lstStyle>
+            <a:lvl1pPr marL="0" indent="0">
+              <a:buNone/>
+              <a:defRPr sz="2400" b="0">
+                <a:solidFill>
+                  <a:schemeClr val="tx1"/>
+                </a:solidFill>
+              </a:defRPr>
+            </a:lvl1pPr>
+            <a:lvl2pPr marL="457200" indent="0">
+              <a:buNone/>
+              <a:defRPr sz="2000" b="1"/>
+            </a:lvl2pPr>
+            <a:lvl3pPr marL="914400" indent="0">
+              <a:buNone/>
+              <a:defRPr sz="1800" b="1"/>
+            </a:lvl3pPr>
+            <a:lvl4pPr marL="1371600" indent="0">
+              <a:buNone/>
+              <a:defRPr sz="1600" b="1"/>
+            </a:lvl4pPr>
+            <a:lvl5pPr marL="1828800" indent="0">
+              <a:buNone/>
+              <a:defRPr sz="1600" b="1"/>
+            </a:lvl5pPr>
+            <a:lvl6pPr marL="2286000" indent="0">
+              <a:buNone/>
+              <a:defRPr sz="1600" b="1"/>
+            </a:lvl6pPr>
+            <a:lvl7pPr marL="2743200" indent="0">
+              <a:buNone/>
+              <a:defRPr sz="1600" b="1"/>
+            </a:lvl7pPr>
+            <a:lvl8pPr marL="3200400" indent="0">
+              <a:buNone/>
+              <a:defRPr sz="1600" b="1"/>
+            </a:lvl8pPr>
+            <a:lvl9pPr marL="3657600" indent="0">
+              <a:buNone/>
+              <a:defRPr sz="1600" b="1"/>
+            </a:lvl9pPr>
+          </a:lstStyle>
+          <a:p>
+            <a:pPr lvl="0"/>
+            <a:r>
+              <a:rPr lang="en-US"/>
+              <a:t>Click to edit Master text styles</a:t>
+            </a:r>
+          </a:p>
+        </p:txBody>
+      </p:sp>
+      <p:sp>
+        <p:nvSpPr>
+          <p:cNvPr id="26" name="Picture Placeholder 2"/>
+          <p:cNvSpPr>
+            <a:spLocks noGrp="1" noChangeAspect="1"/>
+          </p:cNvSpPr>
+          <p:nvPr>
+            <p:ph type="pic" idx="22"/>
+          </p:nvPr>
+        </p:nvSpPr>
+        <p:spPr>
+          <a:xfrm>
+            <a:off x="8049855" y="2362200"/>
+            <a:ext cx="3447878" cy="1524000"/>
+          </a:xfrm>
+          <a:prstGeom prst="roundRect">
+            <a:avLst>
+              <a:gd name="adj" fmla="val 0"/>
+            </a:avLst>
+          </a:prstGeom>
+          <a:effectLst>
+            <a:outerShdw blurRad="50800" dist="50800" dir="5400000" algn="tl" rotWithShape="0">
+              <a:srgbClr val="000000">
+                <a:alpha val="43000"/>
+              </a:srgbClr>
+            </a:outerShdw>
+          </a:effectLst>
+        </p:spPr>
+        <p:txBody>
+          <a:bodyPr anchor="t">
+            <a:normAutofit/>
+          </a:bodyPr>
+          <a:lstStyle>
+            <a:lvl1pPr marL="0" indent="0" algn="ctr">
+              <a:buNone/>
+              <a:defRPr sz="1600"/>
+            </a:lvl1pPr>
+            <a:lvl2pPr marL="457200" indent="0">
+              <a:buNone/>
+              <a:defRPr sz="1600"/>
+            </a:lvl2pPr>
+            <a:lvl3pPr marL="914400" indent="0">
+              <a:buNone/>
+              <a:defRPr sz="1600"/>
+            </a:lvl3pPr>
+            <a:lvl4pPr marL="1371600" indent="0">
+              <a:buNone/>
+              <a:defRPr sz="1600"/>
+            </a:lvl4pPr>
+            <a:lvl5pPr marL="1828800" indent="0">
+              <a:buNone/>
+              <a:defRPr sz="1600"/>
+            </a:lvl5pPr>
+            <a:lvl6pPr marL="2286000" indent="0">
+              <a:buNone/>
+              <a:defRPr sz="1600"/>
+            </a:lvl6pPr>
+            <a:lvl7pPr marL="2743200" indent="0">
+              <a:buNone/>
+              <a:defRPr sz="1600"/>
+            </a:lvl7pPr>
+            <a:lvl8pPr marL="3200400" indent="0">
+              <a:buNone/>
+              <a:defRPr sz="1600"/>
+            </a:lvl8pPr>
+            <a:lvl9pPr marL="3657600" indent="0">
+              <a:buNone/>
+              <a:defRPr sz="1600"/>
+            </a:lvl9pPr>
+          </a:lstStyle>
+          <a:p>
+            <a:r>
+              <a:rPr lang="en-US"/>
+              <a:t>Click icon to add picture</a:t>
+            </a:r>
+            <a:endParaRPr lang="en-US" dirty="0"/>
+          </a:p>
+        </p:txBody>
+      </p:sp>
+      <p:sp>
+        <p:nvSpPr>
+          <p:cNvPr id="27" name="Text Placeholder 3"/>
+          <p:cNvSpPr>
+            <a:spLocks noGrp="1"/>
+          </p:cNvSpPr>
+          <p:nvPr>
+            <p:ph type="body" sz="half" idx="20"/>
+          </p:nvPr>
+        </p:nvSpPr>
+        <p:spPr>
+          <a:xfrm>
+            <a:off x="8049731" y="4873761"/>
+            <a:ext cx="3452445" cy="1344921"/>
+          </a:xfrm>
+        </p:spPr>
+        <p:txBody>
+          <a:bodyPr anchor="t">
+            <a:normAutofit/>
+          </a:bodyPr>
+          <a:lstStyle>
+            <a:lvl1pPr marL="0" indent="0">
+              <a:buNone/>
+              <a:defRPr sz="1400"/>
+            </a:lvl1pPr>
+            <a:lvl2pPr marL="457200" indent="0">
+              <a:buNone/>
+              <a:defRPr sz="1200"/>
+            </a:lvl2pPr>
+            <a:lvl3pPr marL="914400" indent="0">
+              <a:buNone/>
+              <a:defRPr sz="1000"/>
+            </a:lvl3pPr>
+            <a:lvl4pPr marL="1371600" indent="0">
+              <a:buNone/>
+              <a:defRPr sz="900"/>
+            </a:lvl4pPr>
+            <a:lvl5pPr marL="1828800" indent="0">
+              <a:buNone/>
+              <a:defRPr sz="900"/>
+            </a:lvl5pPr>
+            <a:lvl6pPr marL="2286000" indent="0">
+              <a:buNone/>
+              <a:defRPr sz="900"/>
+            </a:lvl6pPr>
+            <a:lvl7pPr marL="2743200" indent="0">
+              <a:buNone/>
+              <a:defRPr sz="900"/>
+            </a:lvl7pPr>
+            <a:lvl8pPr marL="3200400" indent="0">
+              <a:buNone/>
+              <a:defRPr sz="900"/>
+            </a:lvl8pPr>
+            <a:lvl9pPr marL="3657600" indent="0">
+              <a:buNone/>
+              <a:defRPr sz="900"/>
+            </a:lvl9pPr>
+          </a:lstStyle>
+          <a:p>
+            <a:pPr lvl="0"/>
+            <a:r>
+              <a:rPr lang="en-US"/>
+              <a:t>Click to edit Master text styles</a:t>
+            </a:r>
+          </a:p>
+        </p:txBody>
+      </p:sp>
+      <p:sp>
+        <p:nvSpPr>
+          <p:cNvPr id="3" name="Date Placeholder 2"/>
+          <p:cNvSpPr>
+            <a:spLocks noGrp="1"/>
+          </p:cNvSpPr>
+          <p:nvPr>
+            <p:ph type="dt" sz="half" idx="10"/>
+          </p:nvPr>
+        </p:nvSpPr>
+        <p:spPr/>
+        <p:txBody>
+          <a:bodyPr/>
+          <a:lstStyle/>
+          <a:p>
+            <a:fld id="{90F99ACA-4DBB-4AED-BCF4-7CDED2803A73}" type="datetimeFigureOut">
+              <a:rPr lang="en-US" smtClean="0"/>
+              <a:t>2/12/2025</a:t>
+            </a:fld>
+            <a:endParaRPr lang="en-US"/>
+          </a:p>
+        </p:txBody>
+      </p:sp>
+      <p:sp>
+        <p:nvSpPr>
+          <p:cNvPr id="4" name="Footer Placeholder 3"/>
+          <p:cNvSpPr>
+            <a:spLocks noGrp="1"/>
+          </p:cNvSpPr>
+          <p:nvPr>
+            <p:ph type="ftr" sz="quarter" idx="11"/>
+          </p:nvPr>
+        </p:nvSpPr>
+        <p:spPr/>
+        <p:txBody>
+          <a:bodyPr/>
+          <a:lstStyle/>
+          <a:p>
+            <a:endParaRPr lang="en-US"/>
+          </a:p>
+        </p:txBody>
+      </p:sp>
+      <p:sp>
+        <p:nvSpPr>
+          <p:cNvPr id="5" name="Slide Number Placeholder 4"/>
+          <p:cNvSpPr>
+            <a:spLocks noGrp="1"/>
+          </p:cNvSpPr>
+          <p:nvPr>
+            <p:ph type="sldNum" sz="quarter" idx="12"/>
+          </p:nvPr>
+        </p:nvSpPr>
+        <p:spPr/>
+        <p:txBody>
+          <a:bodyPr/>
+          <a:lstStyle/>
+          <a:p>
+            <a:fld id="{16166F05-2A37-4F09-8C18-B30AD45E2910}" type="slidenum">
+              <a:rPr lang="en-US" smtClean="0"/>
+              <a:t>‹#›</a:t>
+            </a:fld>
+            <a:endParaRPr lang="en-US"/>
+          </a:p>
+        </p:txBody>
+      </p:sp>
+    </p:spTree>
+    <p:extLst>
+      <p:ext uri="{BB962C8B-B14F-4D97-AF65-F5344CB8AC3E}">
+        <p14:creationId xmlns:p14="http://schemas.microsoft.com/office/powerpoint/2010/main" val="4102368106"/>
+      </p:ext>
+    </p:extLst>
+  </p:cSld>
+  <p:clrMapOvr>
+    <a:masterClrMapping/>
+  </p:clrMapOvr>
+</p:sldLayout>
+</file>
+
+<file path=ppt/slideLayouts/slideLayout16.xml><?xml version="1.0" encoding="utf-8"?>
 <p:sldLayout xmlns:a="http://schemas.openxmlformats.org/drawingml/2006/main" xmlns:r="http://schemas.openxmlformats.org/officeDocument/2006/relationships" xmlns:p="http://schemas.openxmlformats.org/presentationml/2006/main" type="vertTx" preserve="1">
   <p:cSld name="Title and Vertical Text">
     <p:spTree>
@@ -353,13 +2971,7 @@
       </p:grpSpPr>
       <p:sp>
         <p:nvSpPr>
-          <p:cNvPr id="2" name="Title 1">
-            <a:extLst>
-              <a:ext uri="{FF2B5EF4-FFF2-40B4-BE49-F238E27FC236}">
-                <a16:creationId xmlns:a16="http://schemas.microsoft.com/office/drawing/2014/main" id="{B6B608D2-552C-4287-B807-C04D34D5285B}"/>
-              </a:ext>
-            </a:extLst>
-          </p:cNvPr>
+          <p:cNvPr id="2" name="Title 1"/>
           <p:cNvSpPr>
             <a:spLocks noGrp="1"/>
           </p:cNvSpPr>
@@ -376,18 +2988,13 @@
               <a:rPr lang="en-US"/>
               <a:t>Click to edit Master title style</a:t>
             </a:r>
-          </a:p>
-        </p:txBody>
-      </p:sp>
-      <p:sp>
-        <p:nvSpPr>
-          <p:cNvPr id="3" name="Vertical Text Placeholder 2">
-            <a:extLst>
-              <a:ext uri="{FF2B5EF4-FFF2-40B4-BE49-F238E27FC236}">
-                <a16:creationId xmlns:a16="http://schemas.microsoft.com/office/drawing/2014/main" id="{E55008A0-77F2-4125-BD00-A5BFAA31B473}"/>
-              </a:ext>
-            </a:extLst>
-          </p:cNvPr>
+            <a:endParaRPr lang="en-US" dirty="0"/>
+          </a:p>
+        </p:txBody>
+      </p:sp>
+      <p:sp>
+        <p:nvSpPr>
+          <p:cNvPr id="3" name="Vertical Text Placeholder 2"/>
           <p:cNvSpPr>
             <a:spLocks noGrp="1"/>
           </p:cNvSpPr>
@@ -395,7 +3002,12 @@
             <p:ph type="body" orient="vert" idx="1"/>
           </p:nvPr>
         </p:nvSpPr>
-        <p:spPr/>
+        <p:spPr>
+          <a:xfrm>
+            <a:off x="685800" y="2194559"/>
+            <a:ext cx="10820400" cy="4024125"/>
+          </a:xfrm>
+        </p:spPr>
         <p:txBody>
           <a:bodyPr vert="eaVert"/>
           <a:lstStyle/>
@@ -433,18 +3045,13 @@
               <a:rPr lang="en-US"/>
               <a:t>Fifth level</a:t>
             </a:r>
-          </a:p>
-        </p:txBody>
-      </p:sp>
-      <p:sp>
-        <p:nvSpPr>
-          <p:cNvPr id="4" name="Date Placeholder 3">
-            <a:extLst>
-              <a:ext uri="{FF2B5EF4-FFF2-40B4-BE49-F238E27FC236}">
-                <a16:creationId xmlns:a16="http://schemas.microsoft.com/office/drawing/2014/main" id="{431F6937-A419-4F70-9744-76B412ED3488}"/>
-              </a:ext>
-            </a:extLst>
-          </p:cNvPr>
+            <a:endParaRPr lang="en-US" dirty="0"/>
+          </a:p>
+        </p:txBody>
+      </p:sp>
+      <p:sp>
+        <p:nvSpPr>
+          <p:cNvPr id="4" name="Date Placeholder 3"/>
           <p:cNvSpPr>
             <a:spLocks noGrp="1"/>
           </p:cNvSpPr>
@@ -459,7 +3066,7 @@
           <a:p>
             <a:fld id="{90F99ACA-4DBB-4AED-BCF4-7CDED2803A73}" type="datetimeFigureOut">
               <a:rPr lang="en-US" smtClean="0"/>
-              <a:t>9/23/2024</a:t>
+              <a:t>2/12/2025</a:t>
             </a:fld>
             <a:endParaRPr lang="en-US"/>
           </a:p>
@@ -467,13 +3074,7 @@
       </p:sp>
       <p:sp>
         <p:nvSpPr>
-          <p:cNvPr id="5" name="Footer Placeholder 4">
-            <a:extLst>
-              <a:ext uri="{FF2B5EF4-FFF2-40B4-BE49-F238E27FC236}">
-                <a16:creationId xmlns:a16="http://schemas.microsoft.com/office/drawing/2014/main" id="{365A8A72-12B5-4AC9-8B8F-6917772D195D}"/>
-              </a:ext>
-            </a:extLst>
-          </p:cNvPr>
+          <p:cNvPr id="5" name="Footer Placeholder 4"/>
           <p:cNvSpPr>
             <a:spLocks noGrp="1"/>
           </p:cNvSpPr>
@@ -492,13 +3093,7 @@
       </p:sp>
       <p:sp>
         <p:nvSpPr>
-          <p:cNvPr id="6" name="Slide Number Placeholder 5">
-            <a:extLst>
-              <a:ext uri="{FF2B5EF4-FFF2-40B4-BE49-F238E27FC236}">
-                <a16:creationId xmlns:a16="http://schemas.microsoft.com/office/drawing/2014/main" id="{0D8D294A-D8E5-4A4F-B487-98A6A5BA34E0}"/>
-              </a:ext>
-            </a:extLst>
-          </p:cNvPr>
+          <p:cNvPr id="6" name="Slide Number Placeholder 5"/>
           <p:cNvSpPr>
             <a:spLocks noGrp="1"/>
           </p:cNvSpPr>
@@ -522,7 +3117,7 @@
     </p:spTree>
     <p:extLst>
       <p:ext uri="{BB962C8B-B14F-4D97-AF65-F5344CB8AC3E}">
-        <p14:creationId xmlns:p14="http://schemas.microsoft.com/office/powerpoint/2010/main" val="1134317036"/>
+        <p14:creationId xmlns:p14="http://schemas.microsoft.com/office/powerpoint/2010/main" val="1601974016"/>
       </p:ext>
     </p:extLst>
   </p:cSld>
@@ -532,8 +3127,8 @@
 </p:sldLayout>
 </file>
 
-<file path=ppt/slideLayouts/slideLayout11.xml><?xml version="1.0" encoding="utf-8"?>
-<p:sldLayout xmlns:a="http://schemas.openxmlformats.org/drawingml/2006/main" xmlns:r="http://schemas.openxmlformats.org/officeDocument/2006/relationships" xmlns:p="http://schemas.openxmlformats.org/presentationml/2006/main" type="vertTitleAndTx" preserve="1">
+<file path=ppt/slideLayouts/slideLayout17.xml><?xml version="1.0" encoding="utf-8"?>
+<p:sldLayout xmlns:a="http://schemas.openxmlformats.org/drawingml/2006/main" xmlns:r="http://schemas.openxmlformats.org/officeDocument/2006/relationships" xmlns:p="http://schemas.openxmlformats.org/presentationml/2006/main" showMasterSp="0" type="vertTitleAndTx" preserve="1">
   <p:cSld name="Vertical Title and Text">
     <p:spTree>
       <p:nvGrpSpPr>
@@ -549,15 +3144,39 @@
           <a:chExt cx="0" cy="0"/>
         </a:xfrm>
       </p:grpSpPr>
-      <p:sp>
-        <p:nvSpPr>
-          <p:cNvPr id="2" name="Vertical Title 1">
+      <p:pic>
+        <p:nvPicPr>
+          <p:cNvPr id="8" name="Picture 7" descr="C0-HD-BTM.png"/>
+          <p:cNvPicPr>
+            <a:picLocks noChangeAspect="1"/>
+          </p:cNvPicPr>
+          <p:nvPr/>
+        </p:nvPicPr>
+        <p:blipFill>
+          <a:blip r:embed="rId2">
             <a:extLst>
-              <a:ext uri="{FF2B5EF4-FFF2-40B4-BE49-F238E27FC236}">
-                <a16:creationId xmlns:a16="http://schemas.microsoft.com/office/drawing/2014/main" id="{DD74D471-9558-40EC-8420-877ED78F2F09}"/>
+              <a:ext uri="{28A0092B-C50C-407E-A947-70E740481C1C}">
+                <a14:useLocalDpi xmlns:a14="http://schemas.microsoft.com/office/drawing/2010/main" val="0"/>
               </a:ext>
             </a:extLst>
-          </p:cNvPr>
+          </a:blip>
+          <a:stretch>
+            <a:fillRect/>
+          </a:stretch>
+        </p:blipFill>
+        <p:spPr>
+          <a:xfrm>
+            <a:off x="0" y="4375150"/>
+            <a:ext cx="12192000" cy="2482850"/>
+          </a:xfrm>
+          <a:prstGeom prst="rect">
+            <a:avLst/>
+          </a:prstGeom>
+        </p:spPr>
+      </p:pic>
+      <p:sp>
+        <p:nvSpPr>
+          <p:cNvPr id="2" name="Vertical Title 1"/>
           <p:cNvSpPr>
             <a:spLocks noGrp="1"/>
           </p:cNvSpPr>
@@ -567,30 +3186,29 @@
         </p:nvSpPr>
         <p:spPr>
           <a:xfrm>
-            <a:off x="8724900" y="365125"/>
-            <a:ext cx="2628900" cy="5811838"/>
+            <a:off x="9448800" y="745066"/>
+            <a:ext cx="2057400" cy="3903133"/>
           </a:xfrm>
         </p:spPr>
         <p:txBody>
           <a:bodyPr vert="eaVert"/>
-          <a:lstStyle/>
+          <a:lstStyle>
+            <a:lvl1pPr algn="l">
+              <a:defRPr/>
+            </a:lvl1pPr>
+          </a:lstStyle>
           <a:p>
             <a:r>
               <a:rPr lang="en-US"/>
               <a:t>Click to edit Master title style</a:t>
             </a:r>
-          </a:p>
-        </p:txBody>
-      </p:sp>
-      <p:sp>
-        <p:nvSpPr>
-          <p:cNvPr id="3" name="Vertical Text Placeholder 2">
-            <a:extLst>
-              <a:ext uri="{FF2B5EF4-FFF2-40B4-BE49-F238E27FC236}">
-                <a16:creationId xmlns:a16="http://schemas.microsoft.com/office/drawing/2014/main" id="{8BD3609E-6AC1-4CF9-9BF6-E2E21182653D}"/>
-              </a:ext>
-            </a:extLst>
-          </p:cNvPr>
+            <a:endParaRPr lang="en-US" dirty="0"/>
+          </a:p>
+        </p:txBody>
+      </p:sp>
+      <p:sp>
+        <p:nvSpPr>
+          <p:cNvPr id="3" name="Vertical Text Placeholder 2"/>
           <p:cNvSpPr>
             <a:spLocks noGrp="1"/>
           </p:cNvSpPr>
@@ -600,8 +3218,8 @@
         </p:nvSpPr>
         <p:spPr>
           <a:xfrm>
-            <a:off x="838200" y="365125"/>
-            <a:ext cx="7734300" cy="5811838"/>
+            <a:off x="1024466" y="745067"/>
+            <a:ext cx="8204201" cy="3903133"/>
           </a:xfrm>
         </p:spPr>
         <p:txBody>
@@ -641,18 +3259,13 @@
               <a:rPr lang="en-US"/>
               <a:t>Fifth level</a:t>
             </a:r>
-          </a:p>
-        </p:txBody>
-      </p:sp>
-      <p:sp>
-        <p:nvSpPr>
-          <p:cNvPr id="4" name="Date Placeholder 3">
-            <a:extLst>
-              <a:ext uri="{FF2B5EF4-FFF2-40B4-BE49-F238E27FC236}">
-                <a16:creationId xmlns:a16="http://schemas.microsoft.com/office/drawing/2014/main" id="{9790F673-9044-419C-800E-DC257F946609}"/>
-              </a:ext>
-            </a:extLst>
-          </p:cNvPr>
+            <a:endParaRPr lang="en-US" dirty="0"/>
+          </a:p>
+        </p:txBody>
+      </p:sp>
+      <p:sp>
+        <p:nvSpPr>
+          <p:cNvPr id="4" name="Date Placeholder 3"/>
           <p:cNvSpPr>
             <a:spLocks noGrp="1"/>
           </p:cNvSpPr>
@@ -660,14 +3273,23 @@
             <p:ph type="dt" sz="half" idx="10"/>
           </p:nvPr>
         </p:nvSpPr>
-        <p:spPr/>
-        <p:txBody>
-          <a:bodyPr/>
-          <a:lstStyle/>
+        <p:spPr>
+          <a:xfrm>
+            <a:off x="7814452" y="379941"/>
+            <a:ext cx="2910840" cy="365125"/>
+          </a:xfrm>
+        </p:spPr>
+        <p:txBody>
+          <a:bodyPr/>
+          <a:lstStyle>
+            <a:lvl1pPr algn="r">
+              <a:defRPr/>
+            </a:lvl1pPr>
+          </a:lstStyle>
           <a:p>
             <a:fld id="{90F99ACA-4DBB-4AED-BCF4-7CDED2803A73}" type="datetimeFigureOut">
               <a:rPr lang="en-US" smtClean="0"/>
-              <a:t>9/23/2024</a:t>
+              <a:t>2/12/2025</a:t>
             </a:fld>
             <a:endParaRPr lang="en-US"/>
           </a:p>
@@ -675,13 +3297,7 @@
       </p:sp>
       <p:sp>
         <p:nvSpPr>
-          <p:cNvPr id="5" name="Footer Placeholder 4">
-            <a:extLst>
-              <a:ext uri="{FF2B5EF4-FFF2-40B4-BE49-F238E27FC236}">
-                <a16:creationId xmlns:a16="http://schemas.microsoft.com/office/drawing/2014/main" id="{36495D48-346D-410E-84D2-D4763B685061}"/>
-              </a:ext>
-            </a:extLst>
-          </p:cNvPr>
+          <p:cNvPr id="5" name="Footer Placeholder 4"/>
           <p:cNvSpPr>
             <a:spLocks noGrp="1"/>
           </p:cNvSpPr>
@@ -689,7 +3305,12 @@
             <p:ph type="ftr" sz="quarter" idx="11"/>
           </p:nvPr>
         </p:nvSpPr>
-        <p:spPr/>
+        <p:spPr>
+          <a:xfrm>
+            <a:off x="685800" y="381000"/>
+            <a:ext cx="6991492" cy="365125"/>
+          </a:xfrm>
+        </p:spPr>
         <p:txBody>
           <a:bodyPr/>
           <a:lstStyle/>
@@ -700,13 +3321,7 @@
       </p:sp>
       <p:sp>
         <p:nvSpPr>
-          <p:cNvPr id="6" name="Slide Number Placeholder 5">
-            <a:extLst>
-              <a:ext uri="{FF2B5EF4-FFF2-40B4-BE49-F238E27FC236}">
-                <a16:creationId xmlns:a16="http://schemas.microsoft.com/office/drawing/2014/main" id="{5BF77374-A3FF-4EAF-9739-AA90875948B2}"/>
-              </a:ext>
-            </a:extLst>
-          </p:cNvPr>
+          <p:cNvPr id="6" name="Slide Number Placeholder 5"/>
           <p:cNvSpPr>
             <a:spLocks noGrp="1"/>
           </p:cNvSpPr>
@@ -714,7 +3329,12 @@
             <p:ph type="sldNum" sz="quarter" idx="12"/>
           </p:nvPr>
         </p:nvSpPr>
-        <p:spPr/>
+        <p:spPr>
+          <a:xfrm>
+            <a:off x="10862452" y="381000"/>
+            <a:ext cx="643748" cy="365125"/>
+          </a:xfrm>
+        </p:spPr>
         <p:txBody>
           <a:bodyPr/>
           <a:lstStyle/>
@@ -730,7 +3350,7 @@
     </p:spTree>
     <p:extLst>
       <p:ext uri="{BB962C8B-B14F-4D97-AF65-F5344CB8AC3E}">
-        <p14:creationId xmlns:p14="http://schemas.microsoft.com/office/powerpoint/2010/main" val="3178851523"/>
+        <p14:creationId xmlns:p14="http://schemas.microsoft.com/office/powerpoint/2010/main" val="2990343409"/>
       </p:ext>
     </p:extLst>
   </p:cSld>
@@ -759,13 +3379,7 @@
       </p:grpSpPr>
       <p:sp>
         <p:nvSpPr>
-          <p:cNvPr id="2" name="Title 1">
-            <a:extLst>
-              <a:ext uri="{FF2B5EF4-FFF2-40B4-BE49-F238E27FC236}">
-                <a16:creationId xmlns:a16="http://schemas.microsoft.com/office/drawing/2014/main" id="{B3A1A836-56D2-4548-B5BF-C8C6AB97DE76}"/>
-              </a:ext>
-            </a:extLst>
-          </p:cNvPr>
+          <p:cNvPr id="2" name="Title 1"/>
           <p:cNvSpPr>
             <a:spLocks noGrp="1"/>
           </p:cNvSpPr>
@@ -782,18 +3396,13 @@
               <a:rPr lang="en-US"/>
               <a:t>Click to edit Master title style</a:t>
             </a:r>
-          </a:p>
-        </p:txBody>
-      </p:sp>
-      <p:sp>
-        <p:nvSpPr>
-          <p:cNvPr id="3" name="Content Placeholder 2">
-            <a:extLst>
-              <a:ext uri="{FF2B5EF4-FFF2-40B4-BE49-F238E27FC236}">
-                <a16:creationId xmlns:a16="http://schemas.microsoft.com/office/drawing/2014/main" id="{4FA6DF1E-2666-45AD-8D42-5EC6C38E0611}"/>
-              </a:ext>
-            </a:extLst>
-          </p:cNvPr>
+            <a:endParaRPr lang="en-US" dirty="0"/>
+          </a:p>
+        </p:txBody>
+      </p:sp>
+      <p:sp>
+        <p:nvSpPr>
+          <p:cNvPr id="3" name="Content Placeholder 2"/>
           <p:cNvSpPr>
             <a:spLocks noGrp="1"/>
           </p:cNvSpPr>
@@ -839,18 +3448,13 @@
               <a:rPr lang="en-US"/>
               <a:t>Fifth level</a:t>
             </a:r>
-          </a:p>
-        </p:txBody>
-      </p:sp>
-      <p:sp>
-        <p:nvSpPr>
-          <p:cNvPr id="4" name="Date Placeholder 3">
-            <a:extLst>
-              <a:ext uri="{FF2B5EF4-FFF2-40B4-BE49-F238E27FC236}">
-                <a16:creationId xmlns:a16="http://schemas.microsoft.com/office/drawing/2014/main" id="{1663FCAB-E965-41D5-A990-3735B27A935E}"/>
-              </a:ext>
-            </a:extLst>
-          </p:cNvPr>
+            <a:endParaRPr lang="en-US" dirty="0"/>
+          </a:p>
+        </p:txBody>
+      </p:sp>
+      <p:sp>
+        <p:nvSpPr>
+          <p:cNvPr id="4" name="Date Placeholder 3"/>
           <p:cNvSpPr>
             <a:spLocks noGrp="1"/>
           </p:cNvSpPr>
@@ -865,7 +3469,7 @@
           <a:p>
             <a:fld id="{90F99ACA-4DBB-4AED-BCF4-7CDED2803A73}" type="datetimeFigureOut">
               <a:rPr lang="en-US" smtClean="0"/>
-              <a:t>9/23/2024</a:t>
+              <a:t>2/12/2025</a:t>
             </a:fld>
             <a:endParaRPr lang="en-US"/>
           </a:p>
@@ -873,13 +3477,7 @@
       </p:sp>
       <p:sp>
         <p:nvSpPr>
-          <p:cNvPr id="5" name="Footer Placeholder 4">
-            <a:extLst>
-              <a:ext uri="{FF2B5EF4-FFF2-40B4-BE49-F238E27FC236}">
-                <a16:creationId xmlns:a16="http://schemas.microsoft.com/office/drawing/2014/main" id="{3BBBA6CF-ACEE-4D9B-A277-35D7CB546E89}"/>
-              </a:ext>
-            </a:extLst>
-          </p:cNvPr>
+          <p:cNvPr id="5" name="Footer Placeholder 4"/>
           <p:cNvSpPr>
             <a:spLocks noGrp="1"/>
           </p:cNvSpPr>
@@ -898,13 +3496,7 @@
       </p:sp>
       <p:sp>
         <p:nvSpPr>
-          <p:cNvPr id="6" name="Slide Number Placeholder 5">
-            <a:extLst>
-              <a:ext uri="{FF2B5EF4-FFF2-40B4-BE49-F238E27FC236}">
-                <a16:creationId xmlns:a16="http://schemas.microsoft.com/office/drawing/2014/main" id="{D6C77D7B-1947-4C83-AFF2-C9557919E7D5}"/>
-              </a:ext>
-            </a:extLst>
-          </p:cNvPr>
+          <p:cNvPr id="6" name="Slide Number Placeholder 5"/>
           <p:cNvSpPr>
             <a:spLocks noGrp="1"/>
           </p:cNvSpPr>
@@ -928,7 +3520,7 @@
     </p:spTree>
     <p:extLst>
       <p:ext uri="{BB962C8B-B14F-4D97-AF65-F5344CB8AC3E}">
-        <p14:creationId xmlns:p14="http://schemas.microsoft.com/office/powerpoint/2010/main" val="2343556211"/>
+        <p14:creationId xmlns:p14="http://schemas.microsoft.com/office/powerpoint/2010/main" val="1037244941"/>
       </p:ext>
     </p:extLst>
   </p:cSld>
@@ -939,7 +3531,7 @@
 </file>
 
 <file path=ppt/slideLayouts/slideLayout3.xml><?xml version="1.0" encoding="utf-8"?>
-<p:sldLayout xmlns:a="http://schemas.openxmlformats.org/drawingml/2006/main" xmlns:r="http://schemas.openxmlformats.org/officeDocument/2006/relationships" xmlns:p="http://schemas.openxmlformats.org/presentationml/2006/main" type="secHead" preserve="1">
+<p:sldLayout xmlns:a="http://schemas.openxmlformats.org/drawingml/2006/main" xmlns:r="http://schemas.openxmlformats.org/officeDocument/2006/relationships" xmlns:p="http://schemas.openxmlformats.org/presentationml/2006/main" showMasterSp="0" type="secHead" preserve="1">
   <p:cSld name="Section Header">
     <p:spTree>
       <p:nvGrpSpPr>
@@ -955,15 +3547,39 @@
           <a:chExt cx="0" cy="0"/>
         </a:xfrm>
       </p:grpSpPr>
-      <p:sp>
-        <p:nvSpPr>
-          <p:cNvPr id="2" name="Title 1">
+      <p:pic>
+        <p:nvPicPr>
+          <p:cNvPr id="9" name="Picture 8" descr="C0-HD-BTM.png"/>
+          <p:cNvPicPr>
+            <a:picLocks noChangeAspect="1"/>
+          </p:cNvPicPr>
+          <p:nvPr/>
+        </p:nvPicPr>
+        <p:blipFill>
+          <a:blip r:embed="rId2">
             <a:extLst>
-              <a:ext uri="{FF2B5EF4-FFF2-40B4-BE49-F238E27FC236}">
-                <a16:creationId xmlns:a16="http://schemas.microsoft.com/office/drawing/2014/main" id="{285DCC75-5CF5-4F2F-8537-77D884DCAE55}"/>
+              <a:ext uri="{28A0092B-C50C-407E-A947-70E740481C1C}">
+                <a14:useLocalDpi xmlns:a14="http://schemas.microsoft.com/office/drawing/2010/main" val="0"/>
               </a:ext>
             </a:extLst>
-          </p:cNvPr>
+          </a:blip>
+          <a:stretch>
+            <a:fillRect/>
+          </a:stretch>
+        </p:blipFill>
+        <p:spPr>
+          <a:xfrm>
+            <a:off x="0" y="4375150"/>
+            <a:ext cx="12192000" cy="2482850"/>
+          </a:xfrm>
+          <a:prstGeom prst="rect">
+            <a:avLst/>
+          </a:prstGeom>
+        </p:spPr>
+      </p:pic>
+      <p:sp>
+        <p:nvSpPr>
+          <p:cNvPr id="2" name="Title 1"/>
           <p:cNvSpPr>
             <a:spLocks noGrp="1"/>
           </p:cNvSpPr>
@@ -973,15 +3589,17 @@
         </p:nvSpPr>
         <p:spPr>
           <a:xfrm>
-            <a:off x="831850" y="1709738"/>
-            <a:ext cx="10515600" cy="2852737"/>
-          </a:xfrm>
-        </p:spPr>
-        <p:txBody>
-          <a:bodyPr anchor="b"/>
+            <a:off x="685800" y="753533"/>
+            <a:ext cx="10820399" cy="2801935"/>
+          </a:xfrm>
+        </p:spPr>
+        <p:txBody>
+          <a:bodyPr anchor="b">
+            <a:normAutofit/>
+          </a:bodyPr>
           <a:lstStyle>
-            <a:lvl1pPr>
-              <a:defRPr sz="6000"/>
+            <a:lvl1pPr algn="r">
+              <a:defRPr sz="4000"/>
             </a:lvl1pPr>
           </a:lstStyle>
           <a:p>
@@ -989,18 +3607,13 @@
               <a:rPr lang="en-US"/>
               <a:t>Click to edit Master title style</a:t>
             </a:r>
-          </a:p>
-        </p:txBody>
-      </p:sp>
-      <p:sp>
-        <p:nvSpPr>
-          <p:cNvPr id="3" name="Text Placeholder 2">
-            <a:extLst>
-              <a:ext uri="{FF2B5EF4-FFF2-40B4-BE49-F238E27FC236}">
-                <a16:creationId xmlns:a16="http://schemas.microsoft.com/office/drawing/2014/main" id="{22144899-9557-4B57-8A6E-C3013387619B}"/>
-              </a:ext>
-            </a:extLst>
-          </p:cNvPr>
+            <a:endParaRPr lang="en-US" dirty="0"/>
+          </a:p>
+        </p:txBody>
+      </p:sp>
+      <p:sp>
+        <p:nvSpPr>
+          <p:cNvPr id="3" name="Text Placeholder 2"/>
           <p:cNvSpPr>
             <a:spLocks noGrp="1"/>
           </p:cNvSpPr>
@@ -1010,16 +3623,18 @@
         </p:nvSpPr>
         <p:spPr>
           <a:xfrm>
-            <a:off x="831850" y="4589463"/>
-            <a:ext cx="10515600" cy="1500187"/>
-          </a:xfrm>
-        </p:spPr>
-        <p:txBody>
-          <a:bodyPr/>
+            <a:off x="1024467" y="3641725"/>
+            <a:ext cx="10490200" cy="955675"/>
+          </a:xfrm>
+        </p:spPr>
+        <p:txBody>
+          <a:bodyPr>
+            <a:normAutofit/>
+          </a:bodyPr>
           <a:lstStyle>
-            <a:lvl1pPr marL="0" indent="0">
-              <a:buNone/>
-              <a:defRPr sz="2400">
+            <a:lvl1pPr marL="0" indent="0" algn="r">
+              <a:buNone/>
+              <a:defRPr sz="2200">
                 <a:solidFill>
                   <a:schemeClr val="tx1">
                     <a:tint val="75000"/>
@@ -1119,13 +3734,7 @@
       </p:sp>
       <p:sp>
         <p:nvSpPr>
-          <p:cNvPr id="4" name="Date Placeholder 3">
-            <a:extLst>
-              <a:ext uri="{FF2B5EF4-FFF2-40B4-BE49-F238E27FC236}">
-                <a16:creationId xmlns:a16="http://schemas.microsoft.com/office/drawing/2014/main" id="{913A12C8-3758-4FD4-B4CC-6953A541AA4A}"/>
-              </a:ext>
-            </a:extLst>
-          </p:cNvPr>
+          <p:cNvPr id="4" name="Date Placeholder 3"/>
           <p:cNvSpPr>
             <a:spLocks noGrp="1"/>
           </p:cNvSpPr>
@@ -1133,14 +3742,23 @@
             <p:ph type="dt" sz="half" idx="10"/>
           </p:nvPr>
         </p:nvSpPr>
-        <p:spPr/>
-        <p:txBody>
-          <a:bodyPr/>
-          <a:lstStyle/>
+        <p:spPr>
+          <a:xfrm>
+            <a:off x="7814452" y="381000"/>
+            <a:ext cx="2910840" cy="365125"/>
+          </a:xfrm>
+        </p:spPr>
+        <p:txBody>
+          <a:bodyPr/>
+          <a:lstStyle>
+            <a:lvl1pPr algn="r">
+              <a:defRPr/>
+            </a:lvl1pPr>
+          </a:lstStyle>
           <a:p>
             <a:fld id="{90F99ACA-4DBB-4AED-BCF4-7CDED2803A73}" type="datetimeFigureOut">
               <a:rPr lang="en-US" smtClean="0"/>
-              <a:t>9/23/2024</a:t>
+              <a:t>2/12/2025</a:t>
             </a:fld>
             <a:endParaRPr lang="en-US"/>
           </a:p>
@@ -1148,13 +3766,7 @@
       </p:sp>
       <p:sp>
         <p:nvSpPr>
-          <p:cNvPr id="5" name="Footer Placeholder 4">
-            <a:extLst>
-              <a:ext uri="{FF2B5EF4-FFF2-40B4-BE49-F238E27FC236}">
-                <a16:creationId xmlns:a16="http://schemas.microsoft.com/office/drawing/2014/main" id="{0234A74D-D0C2-4E13-9278-9F6F99F92F6F}"/>
-              </a:ext>
-            </a:extLst>
-          </p:cNvPr>
+          <p:cNvPr id="5" name="Footer Placeholder 4"/>
           <p:cNvSpPr>
             <a:spLocks noGrp="1"/>
           </p:cNvSpPr>
@@ -1162,7 +3774,12 @@
             <p:ph type="ftr" sz="quarter" idx="11"/>
           </p:nvPr>
         </p:nvSpPr>
-        <p:spPr/>
+        <p:spPr>
+          <a:xfrm>
+            <a:off x="685800" y="381001"/>
+            <a:ext cx="6991492" cy="364065"/>
+          </a:xfrm>
+        </p:spPr>
         <p:txBody>
           <a:bodyPr/>
           <a:lstStyle/>
@@ -1173,13 +3790,7 @@
       </p:sp>
       <p:sp>
         <p:nvSpPr>
-          <p:cNvPr id="6" name="Slide Number Placeholder 5">
-            <a:extLst>
-              <a:ext uri="{FF2B5EF4-FFF2-40B4-BE49-F238E27FC236}">
-                <a16:creationId xmlns:a16="http://schemas.microsoft.com/office/drawing/2014/main" id="{56DC9DC3-350A-4859-84D2-2DF03E27FE2B}"/>
-              </a:ext>
-            </a:extLst>
-          </p:cNvPr>
+          <p:cNvPr id="6" name="Slide Number Placeholder 5"/>
           <p:cNvSpPr>
             <a:spLocks noGrp="1"/>
           </p:cNvSpPr>
@@ -1187,7 +3798,12 @@
             <p:ph type="sldNum" sz="quarter" idx="12"/>
           </p:nvPr>
         </p:nvSpPr>
-        <p:spPr/>
+        <p:spPr>
+          <a:xfrm>
+            <a:off x="10862452" y="381000"/>
+            <a:ext cx="643748" cy="365125"/>
+          </a:xfrm>
+        </p:spPr>
         <p:txBody>
           <a:bodyPr/>
           <a:lstStyle/>
@@ -1203,7 +3819,7 @@
     </p:spTree>
     <p:extLst>
       <p:ext uri="{BB962C8B-B14F-4D97-AF65-F5344CB8AC3E}">
-        <p14:creationId xmlns:p14="http://schemas.microsoft.com/office/powerpoint/2010/main" val="4039187008"/>
+        <p14:creationId xmlns:p14="http://schemas.microsoft.com/office/powerpoint/2010/main" val="4168882201"/>
       </p:ext>
     </p:extLst>
   </p:cSld>
@@ -1232,13 +3848,7 @@
       </p:grpSpPr>
       <p:sp>
         <p:nvSpPr>
-          <p:cNvPr id="2" name="Title 1">
-            <a:extLst>
-              <a:ext uri="{FF2B5EF4-FFF2-40B4-BE49-F238E27FC236}">
-                <a16:creationId xmlns:a16="http://schemas.microsoft.com/office/drawing/2014/main" id="{D98AFDF9-55FB-4636-9843-E4EA6DB2D399}"/>
-              </a:ext>
-            </a:extLst>
-          </p:cNvPr>
+          <p:cNvPr id="2" name="Title 1"/>
           <p:cNvSpPr>
             <a:spLocks noGrp="1"/>
           </p:cNvSpPr>
@@ -1255,18 +3865,13 @@
               <a:rPr lang="en-US"/>
               <a:t>Click to edit Master title style</a:t>
             </a:r>
-          </a:p>
-        </p:txBody>
-      </p:sp>
-      <p:sp>
-        <p:nvSpPr>
-          <p:cNvPr id="3" name="Content Placeholder 2">
-            <a:extLst>
-              <a:ext uri="{FF2B5EF4-FFF2-40B4-BE49-F238E27FC236}">
-                <a16:creationId xmlns:a16="http://schemas.microsoft.com/office/drawing/2014/main" id="{0D31035A-D964-4A3C-9624-2DA958B7A330}"/>
-              </a:ext>
-            </a:extLst>
-          </p:cNvPr>
+            <a:endParaRPr lang="en-US" dirty="0"/>
+          </a:p>
+        </p:txBody>
+      </p:sp>
+      <p:sp>
+        <p:nvSpPr>
+          <p:cNvPr id="3" name="Content Placeholder 2"/>
           <p:cNvSpPr>
             <a:spLocks noGrp="1"/>
           </p:cNvSpPr>
@@ -1276,8 +3881,8 @@
         </p:nvSpPr>
         <p:spPr>
           <a:xfrm>
-            <a:off x="838200" y="1825625"/>
-            <a:ext cx="5181600" cy="4351338"/>
+            <a:off x="685800" y="2194559"/>
+            <a:ext cx="5334000" cy="4024125"/>
           </a:xfrm>
         </p:spPr>
         <p:txBody>
@@ -1317,18 +3922,13 @@
               <a:rPr lang="en-US"/>
               <a:t>Fifth level</a:t>
             </a:r>
-          </a:p>
-        </p:txBody>
-      </p:sp>
-      <p:sp>
-        <p:nvSpPr>
-          <p:cNvPr id="4" name="Content Placeholder 3">
-            <a:extLst>
-              <a:ext uri="{FF2B5EF4-FFF2-40B4-BE49-F238E27FC236}">
-                <a16:creationId xmlns:a16="http://schemas.microsoft.com/office/drawing/2014/main" id="{C78BD79D-B4A8-472B-AEF3-91C868CA5B87}"/>
-              </a:ext>
-            </a:extLst>
-          </p:cNvPr>
+            <a:endParaRPr lang="en-US" dirty="0"/>
+          </a:p>
+        </p:txBody>
+      </p:sp>
+      <p:sp>
+        <p:nvSpPr>
+          <p:cNvPr id="4" name="Content Placeholder 3"/>
           <p:cNvSpPr>
             <a:spLocks noGrp="1"/>
           </p:cNvSpPr>
@@ -1338,8 +3938,8 @@
         </p:nvSpPr>
         <p:spPr>
           <a:xfrm>
-            <a:off x="6172200" y="1825625"/>
-            <a:ext cx="5181600" cy="4351338"/>
+            <a:off x="6172200" y="2194559"/>
+            <a:ext cx="5334000" cy="4024125"/>
           </a:xfrm>
         </p:spPr>
         <p:txBody>
@@ -1379,18 +3979,13 @@
               <a:rPr lang="en-US"/>
               <a:t>Fifth level</a:t>
             </a:r>
-          </a:p>
-        </p:txBody>
-      </p:sp>
-      <p:sp>
-        <p:nvSpPr>
-          <p:cNvPr id="5" name="Date Placeholder 4">
-            <a:extLst>
-              <a:ext uri="{FF2B5EF4-FFF2-40B4-BE49-F238E27FC236}">
-                <a16:creationId xmlns:a16="http://schemas.microsoft.com/office/drawing/2014/main" id="{51275FF6-FCB1-4936-B410-D5488A323BC9}"/>
-              </a:ext>
-            </a:extLst>
-          </p:cNvPr>
+            <a:endParaRPr lang="en-US" dirty="0"/>
+          </a:p>
+        </p:txBody>
+      </p:sp>
+      <p:sp>
+        <p:nvSpPr>
+          <p:cNvPr id="5" name="Date Placeholder 4"/>
           <p:cNvSpPr>
             <a:spLocks noGrp="1"/>
           </p:cNvSpPr>
@@ -1405,7 +4000,7 @@
           <a:p>
             <a:fld id="{90F99ACA-4DBB-4AED-BCF4-7CDED2803A73}" type="datetimeFigureOut">
               <a:rPr lang="en-US" smtClean="0"/>
-              <a:t>9/23/2024</a:t>
+              <a:t>2/12/2025</a:t>
             </a:fld>
             <a:endParaRPr lang="en-US"/>
           </a:p>
@@ -1413,13 +4008,7 @@
       </p:sp>
       <p:sp>
         <p:nvSpPr>
-          <p:cNvPr id="6" name="Footer Placeholder 5">
-            <a:extLst>
-              <a:ext uri="{FF2B5EF4-FFF2-40B4-BE49-F238E27FC236}">
-                <a16:creationId xmlns:a16="http://schemas.microsoft.com/office/drawing/2014/main" id="{D31F537B-B023-486A-839B-63710DD6225A}"/>
-              </a:ext>
-            </a:extLst>
-          </p:cNvPr>
+          <p:cNvPr id="6" name="Footer Placeholder 5"/>
           <p:cNvSpPr>
             <a:spLocks noGrp="1"/>
           </p:cNvSpPr>
@@ -1438,13 +4027,7 @@
       </p:sp>
       <p:sp>
         <p:nvSpPr>
-          <p:cNvPr id="7" name="Slide Number Placeholder 6">
-            <a:extLst>
-              <a:ext uri="{FF2B5EF4-FFF2-40B4-BE49-F238E27FC236}">
-                <a16:creationId xmlns:a16="http://schemas.microsoft.com/office/drawing/2014/main" id="{7852923D-7816-46B8-BBF8-C4AC31C5BF62}"/>
-              </a:ext>
-            </a:extLst>
-          </p:cNvPr>
+          <p:cNvPr id="7" name="Slide Number Placeholder 6"/>
           <p:cNvSpPr>
             <a:spLocks noGrp="1"/>
           </p:cNvSpPr>
@@ -1468,7 +4051,7 @@
     </p:spTree>
     <p:extLst>
       <p:ext uri="{BB962C8B-B14F-4D97-AF65-F5344CB8AC3E}">
-        <p14:creationId xmlns:p14="http://schemas.microsoft.com/office/powerpoint/2010/main" val="3207198532"/>
+        <p14:creationId xmlns:p14="http://schemas.microsoft.com/office/powerpoint/2010/main" val="481524914"/>
       </p:ext>
     </p:extLst>
   </p:cSld>
@@ -1497,13 +4080,7 @@
       </p:grpSpPr>
       <p:sp>
         <p:nvSpPr>
-          <p:cNvPr id="2" name="Title 1">
-            <a:extLst>
-              <a:ext uri="{FF2B5EF4-FFF2-40B4-BE49-F238E27FC236}">
-                <a16:creationId xmlns:a16="http://schemas.microsoft.com/office/drawing/2014/main" id="{DE5074CD-D98D-4CBC-B18B-0659E16F3AA3}"/>
-              </a:ext>
-            </a:extLst>
-          </p:cNvPr>
+          <p:cNvPr id="2" name="Title 1"/>
           <p:cNvSpPr>
             <a:spLocks noGrp="1"/>
           </p:cNvSpPr>
@@ -1513,8 +4090,8 @@
         </p:nvSpPr>
         <p:spPr>
           <a:xfrm>
-            <a:off x="839788" y="365125"/>
-            <a:ext cx="10515600" cy="1325563"/>
+            <a:off x="2895600" y="762000"/>
+            <a:ext cx="8610600" cy="1295400"/>
           </a:xfrm>
         </p:spPr>
         <p:txBody>
@@ -1525,18 +4102,13 @@
               <a:rPr lang="en-US"/>
               <a:t>Click to edit Master title style</a:t>
             </a:r>
-          </a:p>
-        </p:txBody>
-      </p:sp>
-      <p:sp>
-        <p:nvSpPr>
-          <p:cNvPr id="3" name="Text Placeholder 2">
-            <a:extLst>
-              <a:ext uri="{FF2B5EF4-FFF2-40B4-BE49-F238E27FC236}">
-                <a16:creationId xmlns:a16="http://schemas.microsoft.com/office/drawing/2014/main" id="{338D19EC-3EA2-4A12-8701-35395A688CB7}"/>
-              </a:ext>
-            </a:extLst>
-          </p:cNvPr>
+            <a:endParaRPr lang="en-US" dirty="0"/>
+          </a:p>
+        </p:txBody>
+      </p:sp>
+      <p:sp>
+        <p:nvSpPr>
+          <p:cNvPr id="3" name="Text Placeholder 2"/>
           <p:cNvSpPr>
             <a:spLocks noGrp="1"/>
           </p:cNvSpPr>
@@ -1546,16 +4118,22 @@
         </p:nvSpPr>
         <p:spPr>
           <a:xfrm>
-            <a:off x="839788" y="1681163"/>
-            <a:ext cx="5157787" cy="823912"/>
-          </a:xfrm>
-        </p:spPr>
-        <p:txBody>
-          <a:bodyPr anchor="b"/>
+            <a:off x="914409" y="2183802"/>
+            <a:ext cx="5079991" cy="823912"/>
+          </a:xfrm>
+        </p:spPr>
+        <p:txBody>
+          <a:bodyPr anchor="b">
+            <a:normAutofit/>
+          </a:bodyPr>
           <a:lstStyle>
             <a:lvl1pPr marL="0" indent="0">
               <a:buNone/>
-              <a:defRPr sz="2400" b="1"/>
+              <a:defRPr sz="2800" b="0">
+                <a:solidFill>
+                  <a:schemeClr val="tx1"/>
+                </a:solidFill>
+              </a:defRPr>
             </a:lvl1pPr>
             <a:lvl2pPr marL="457200" indent="0">
               <a:buNone/>
@@ -1601,13 +4179,7 @@
       </p:sp>
       <p:sp>
         <p:nvSpPr>
-          <p:cNvPr id="4" name="Content Placeholder 3">
-            <a:extLst>
-              <a:ext uri="{FF2B5EF4-FFF2-40B4-BE49-F238E27FC236}">
-                <a16:creationId xmlns:a16="http://schemas.microsoft.com/office/drawing/2014/main" id="{14805B1D-6FE9-4D08-9EA5-6AD7BE62ED21}"/>
-              </a:ext>
-            </a:extLst>
-          </p:cNvPr>
+          <p:cNvPr id="4" name="Content Placeholder 3"/>
           <p:cNvSpPr>
             <a:spLocks noGrp="1"/>
           </p:cNvSpPr>
@@ -1617,8 +4189,8 @@
         </p:nvSpPr>
         <p:spPr>
           <a:xfrm>
-            <a:off x="839788" y="2505075"/>
-            <a:ext cx="5157787" cy="3684588"/>
+            <a:off x="685800" y="3132666"/>
+            <a:ext cx="5311775" cy="3086019"/>
           </a:xfrm>
         </p:spPr>
         <p:txBody>
@@ -1658,18 +4230,13 @@
               <a:rPr lang="en-US"/>
               <a:t>Fifth level</a:t>
             </a:r>
-          </a:p>
-        </p:txBody>
-      </p:sp>
-      <p:sp>
-        <p:nvSpPr>
-          <p:cNvPr id="5" name="Text Placeholder 4">
-            <a:extLst>
-              <a:ext uri="{FF2B5EF4-FFF2-40B4-BE49-F238E27FC236}">
-                <a16:creationId xmlns:a16="http://schemas.microsoft.com/office/drawing/2014/main" id="{99C4A88C-CCE6-46C1-A6A0-9B1A9D2DD7C8}"/>
-              </a:ext>
-            </a:extLst>
-          </p:cNvPr>
+            <a:endParaRPr lang="en-US" dirty="0"/>
+          </a:p>
+        </p:txBody>
+      </p:sp>
+      <p:sp>
+        <p:nvSpPr>
+          <p:cNvPr id="5" name="Text Placeholder 4"/>
           <p:cNvSpPr>
             <a:spLocks noGrp="1"/>
           </p:cNvSpPr>
@@ -1679,16 +4246,22 @@
         </p:nvSpPr>
         <p:spPr>
           <a:xfrm>
-            <a:off x="6172200" y="1681163"/>
-            <a:ext cx="5183188" cy="823912"/>
-          </a:xfrm>
-        </p:spPr>
-        <p:txBody>
-          <a:bodyPr anchor="b"/>
+            <a:off x="6400800" y="2183802"/>
+            <a:ext cx="5105400" cy="823912"/>
+          </a:xfrm>
+        </p:spPr>
+        <p:txBody>
+          <a:bodyPr anchor="b">
+            <a:normAutofit/>
+          </a:bodyPr>
           <a:lstStyle>
             <a:lvl1pPr marL="0" indent="0">
               <a:buNone/>
-              <a:defRPr sz="2400" b="1"/>
+              <a:defRPr sz="2800" b="0">
+                <a:solidFill>
+                  <a:schemeClr val="tx1"/>
+                </a:solidFill>
+              </a:defRPr>
             </a:lvl1pPr>
             <a:lvl2pPr marL="457200" indent="0">
               <a:buNone/>
@@ -1734,13 +4307,7 @@
       </p:sp>
       <p:sp>
         <p:nvSpPr>
-          <p:cNvPr id="6" name="Content Placeholder 5">
-            <a:extLst>
-              <a:ext uri="{FF2B5EF4-FFF2-40B4-BE49-F238E27FC236}">
-                <a16:creationId xmlns:a16="http://schemas.microsoft.com/office/drawing/2014/main" id="{89F32B61-EA09-4382-9B28-C5C08162F62E}"/>
-              </a:ext>
-            </a:extLst>
-          </p:cNvPr>
+          <p:cNvPr id="6" name="Content Placeholder 5"/>
           <p:cNvSpPr>
             <a:spLocks noGrp="1"/>
           </p:cNvSpPr>
@@ -1750,8 +4317,8 @@
         </p:nvSpPr>
         <p:spPr>
           <a:xfrm>
-            <a:off x="6172200" y="2505075"/>
-            <a:ext cx="5183188" cy="3684588"/>
+            <a:off x="6172200" y="3132666"/>
+            <a:ext cx="5334000" cy="3086019"/>
           </a:xfrm>
         </p:spPr>
         <p:txBody>
@@ -1791,18 +4358,13 @@
               <a:rPr lang="en-US"/>
               <a:t>Fifth level</a:t>
             </a:r>
-          </a:p>
-        </p:txBody>
-      </p:sp>
-      <p:sp>
-        <p:nvSpPr>
-          <p:cNvPr id="7" name="Date Placeholder 6">
-            <a:extLst>
-              <a:ext uri="{FF2B5EF4-FFF2-40B4-BE49-F238E27FC236}">
-                <a16:creationId xmlns:a16="http://schemas.microsoft.com/office/drawing/2014/main" id="{F8161459-BE68-4416-AB60-80F01B766EC1}"/>
-              </a:ext>
-            </a:extLst>
-          </p:cNvPr>
+            <a:endParaRPr lang="en-US" dirty="0"/>
+          </a:p>
+        </p:txBody>
+      </p:sp>
+      <p:sp>
+        <p:nvSpPr>
+          <p:cNvPr id="7" name="Date Placeholder 6"/>
           <p:cNvSpPr>
             <a:spLocks noGrp="1"/>
           </p:cNvSpPr>
@@ -1817,7 +4379,7 @@
           <a:p>
             <a:fld id="{90F99ACA-4DBB-4AED-BCF4-7CDED2803A73}" type="datetimeFigureOut">
               <a:rPr lang="en-US" smtClean="0"/>
-              <a:t>9/23/2024</a:t>
+              <a:t>2/12/2025</a:t>
             </a:fld>
             <a:endParaRPr lang="en-US"/>
           </a:p>
@@ -1825,13 +4387,7 @@
       </p:sp>
       <p:sp>
         <p:nvSpPr>
-          <p:cNvPr id="8" name="Footer Placeholder 7">
-            <a:extLst>
-              <a:ext uri="{FF2B5EF4-FFF2-40B4-BE49-F238E27FC236}">
-                <a16:creationId xmlns:a16="http://schemas.microsoft.com/office/drawing/2014/main" id="{1FD08F59-FF0C-44A1-BDB8-8557340BF7AD}"/>
-              </a:ext>
-            </a:extLst>
-          </p:cNvPr>
+          <p:cNvPr id="8" name="Footer Placeholder 7"/>
           <p:cNvSpPr>
             <a:spLocks noGrp="1"/>
           </p:cNvSpPr>
@@ -1850,13 +4406,7 @@
       </p:sp>
       <p:sp>
         <p:nvSpPr>
-          <p:cNvPr id="9" name="Slide Number Placeholder 8">
-            <a:extLst>
-              <a:ext uri="{FF2B5EF4-FFF2-40B4-BE49-F238E27FC236}">
-                <a16:creationId xmlns:a16="http://schemas.microsoft.com/office/drawing/2014/main" id="{EF94A537-DFB7-479B-B472-2953B65C25DB}"/>
-              </a:ext>
-            </a:extLst>
-          </p:cNvPr>
+          <p:cNvPr id="9" name="Slide Number Placeholder 8"/>
           <p:cNvSpPr>
             <a:spLocks noGrp="1"/>
           </p:cNvSpPr>
@@ -1880,7 +4430,7 @@
     </p:spTree>
     <p:extLst>
       <p:ext uri="{BB962C8B-B14F-4D97-AF65-F5344CB8AC3E}">
-        <p14:creationId xmlns:p14="http://schemas.microsoft.com/office/powerpoint/2010/main" val="4225527290"/>
+        <p14:creationId xmlns:p14="http://schemas.microsoft.com/office/powerpoint/2010/main" val="769530386"/>
       </p:ext>
     </p:extLst>
   </p:cSld>
@@ -1909,13 +4459,7 @@
       </p:grpSpPr>
       <p:sp>
         <p:nvSpPr>
-          <p:cNvPr id="2" name="Title 1">
-            <a:extLst>
-              <a:ext uri="{FF2B5EF4-FFF2-40B4-BE49-F238E27FC236}">
-                <a16:creationId xmlns:a16="http://schemas.microsoft.com/office/drawing/2014/main" id="{6A030623-14C3-45EA-84D3-E20B6E2E6B94}"/>
-              </a:ext>
-            </a:extLst>
-          </p:cNvPr>
+          <p:cNvPr id="2" name="Title 1"/>
           <p:cNvSpPr>
             <a:spLocks noGrp="1"/>
           </p:cNvSpPr>
@@ -1932,18 +4476,13 @@
               <a:rPr lang="en-US"/>
               <a:t>Click to edit Master title style</a:t>
             </a:r>
-          </a:p>
-        </p:txBody>
-      </p:sp>
-      <p:sp>
-        <p:nvSpPr>
-          <p:cNvPr id="3" name="Date Placeholder 2">
-            <a:extLst>
-              <a:ext uri="{FF2B5EF4-FFF2-40B4-BE49-F238E27FC236}">
-                <a16:creationId xmlns:a16="http://schemas.microsoft.com/office/drawing/2014/main" id="{42D17577-6411-454A-B7FD-D319540FC603}"/>
-              </a:ext>
-            </a:extLst>
-          </p:cNvPr>
+            <a:endParaRPr lang="en-US" dirty="0"/>
+          </a:p>
+        </p:txBody>
+      </p:sp>
+      <p:sp>
+        <p:nvSpPr>
+          <p:cNvPr id="3" name="Date Placeholder 2"/>
           <p:cNvSpPr>
             <a:spLocks noGrp="1"/>
           </p:cNvSpPr>
@@ -1958,7 +4497,7 @@
           <a:p>
             <a:fld id="{90F99ACA-4DBB-4AED-BCF4-7CDED2803A73}" type="datetimeFigureOut">
               <a:rPr lang="en-US" smtClean="0"/>
-              <a:t>9/23/2024</a:t>
+              <a:t>2/12/2025</a:t>
             </a:fld>
             <a:endParaRPr lang="en-US"/>
           </a:p>
@@ -1966,13 +4505,7 @@
       </p:sp>
       <p:sp>
         <p:nvSpPr>
-          <p:cNvPr id="4" name="Footer Placeholder 3">
-            <a:extLst>
-              <a:ext uri="{FF2B5EF4-FFF2-40B4-BE49-F238E27FC236}">
-                <a16:creationId xmlns:a16="http://schemas.microsoft.com/office/drawing/2014/main" id="{DFA8ABDE-C0C2-43CD-9713-05FFCE760FC5}"/>
-              </a:ext>
-            </a:extLst>
-          </p:cNvPr>
+          <p:cNvPr id="4" name="Footer Placeholder 3"/>
           <p:cNvSpPr>
             <a:spLocks noGrp="1"/>
           </p:cNvSpPr>
@@ -1991,13 +4524,7 @@
       </p:sp>
       <p:sp>
         <p:nvSpPr>
-          <p:cNvPr id="5" name="Slide Number Placeholder 4">
-            <a:extLst>
-              <a:ext uri="{FF2B5EF4-FFF2-40B4-BE49-F238E27FC236}">
-                <a16:creationId xmlns:a16="http://schemas.microsoft.com/office/drawing/2014/main" id="{29B3DAA9-2B97-4181-ABBE-99E0CD02A463}"/>
-              </a:ext>
-            </a:extLst>
-          </p:cNvPr>
+          <p:cNvPr id="5" name="Slide Number Placeholder 4"/>
           <p:cNvSpPr>
             <a:spLocks noGrp="1"/>
           </p:cNvSpPr>
@@ -2021,7 +4548,7 @@
     </p:spTree>
     <p:extLst>
       <p:ext uri="{BB962C8B-B14F-4D97-AF65-F5344CB8AC3E}">
-        <p14:creationId xmlns:p14="http://schemas.microsoft.com/office/powerpoint/2010/main" val="1607136122"/>
+        <p14:creationId xmlns:p14="http://schemas.microsoft.com/office/powerpoint/2010/main" val="3321190682"/>
       </p:ext>
     </p:extLst>
   </p:cSld>
@@ -2050,13 +4577,7 @@
       </p:grpSpPr>
       <p:sp>
         <p:nvSpPr>
-          <p:cNvPr id="2" name="Date Placeholder 1">
-            <a:extLst>
-              <a:ext uri="{FF2B5EF4-FFF2-40B4-BE49-F238E27FC236}">
-                <a16:creationId xmlns:a16="http://schemas.microsoft.com/office/drawing/2014/main" id="{F45C3707-E1C1-454E-87C4-4989E6F76691}"/>
-              </a:ext>
-            </a:extLst>
-          </p:cNvPr>
+          <p:cNvPr id="2" name="Date Placeholder 1"/>
           <p:cNvSpPr>
             <a:spLocks noGrp="1"/>
           </p:cNvSpPr>
@@ -2071,7 +4592,7 @@
           <a:p>
             <a:fld id="{90F99ACA-4DBB-4AED-BCF4-7CDED2803A73}" type="datetimeFigureOut">
               <a:rPr lang="en-US" smtClean="0"/>
-              <a:t>9/23/2024</a:t>
+              <a:t>2/12/2025</a:t>
             </a:fld>
             <a:endParaRPr lang="en-US"/>
           </a:p>
@@ -2079,13 +4600,7 @@
       </p:sp>
       <p:sp>
         <p:nvSpPr>
-          <p:cNvPr id="3" name="Footer Placeholder 2">
-            <a:extLst>
-              <a:ext uri="{FF2B5EF4-FFF2-40B4-BE49-F238E27FC236}">
-                <a16:creationId xmlns:a16="http://schemas.microsoft.com/office/drawing/2014/main" id="{AB3BDE6A-7F45-4D1A-A02C-4727BAEC08D4}"/>
-              </a:ext>
-            </a:extLst>
-          </p:cNvPr>
+          <p:cNvPr id="3" name="Footer Placeholder 2"/>
           <p:cNvSpPr>
             <a:spLocks noGrp="1"/>
           </p:cNvSpPr>
@@ -2104,13 +4619,7 @@
       </p:sp>
       <p:sp>
         <p:nvSpPr>
-          <p:cNvPr id="4" name="Slide Number Placeholder 3">
-            <a:extLst>
-              <a:ext uri="{FF2B5EF4-FFF2-40B4-BE49-F238E27FC236}">
-                <a16:creationId xmlns:a16="http://schemas.microsoft.com/office/drawing/2014/main" id="{4A19E6DD-BE03-4FC8-B27B-5D1C755076C5}"/>
-              </a:ext>
-            </a:extLst>
-          </p:cNvPr>
+          <p:cNvPr id="4" name="Slide Number Placeholder 3"/>
           <p:cNvSpPr>
             <a:spLocks noGrp="1"/>
           </p:cNvSpPr>
@@ -2134,7 +4643,7 @@
     </p:spTree>
     <p:extLst>
       <p:ext uri="{BB962C8B-B14F-4D97-AF65-F5344CB8AC3E}">
-        <p14:creationId xmlns:p14="http://schemas.microsoft.com/office/powerpoint/2010/main" val="2707502162"/>
+        <p14:creationId xmlns:p14="http://schemas.microsoft.com/office/powerpoint/2010/main" val="4266624427"/>
       </p:ext>
     </p:extLst>
   </p:cSld>
@@ -2163,13 +4672,7 @@
       </p:grpSpPr>
       <p:sp>
         <p:nvSpPr>
-          <p:cNvPr id="2" name="Title 1">
-            <a:extLst>
-              <a:ext uri="{FF2B5EF4-FFF2-40B4-BE49-F238E27FC236}">
-                <a16:creationId xmlns:a16="http://schemas.microsoft.com/office/drawing/2014/main" id="{4A883F1F-1F2E-4022-8711-485F48E11AFC}"/>
-              </a:ext>
-            </a:extLst>
-          </p:cNvPr>
+          <p:cNvPr id="2" name="Title 1"/>
           <p:cNvSpPr>
             <a:spLocks noGrp="1"/>
           </p:cNvSpPr>
@@ -2179,14 +4682,14 @@
         </p:nvSpPr>
         <p:spPr>
           <a:xfrm>
-            <a:off x="839788" y="457200"/>
-            <a:ext cx="3932237" cy="1600200"/>
+            <a:off x="685800" y="1524000"/>
+            <a:ext cx="4114800" cy="1600200"/>
           </a:xfrm>
         </p:spPr>
         <p:txBody>
           <a:bodyPr anchor="b"/>
           <a:lstStyle>
-            <a:lvl1pPr>
+            <a:lvl1pPr algn="l">
               <a:defRPr sz="3200"/>
             </a:lvl1pPr>
           </a:lstStyle>
@@ -2195,18 +4698,13 @@
               <a:rPr lang="en-US"/>
               <a:t>Click to edit Master title style</a:t>
             </a:r>
-          </a:p>
-        </p:txBody>
-      </p:sp>
-      <p:sp>
-        <p:nvSpPr>
-          <p:cNvPr id="3" name="Content Placeholder 2">
-            <a:extLst>
-              <a:ext uri="{FF2B5EF4-FFF2-40B4-BE49-F238E27FC236}">
-                <a16:creationId xmlns:a16="http://schemas.microsoft.com/office/drawing/2014/main" id="{A6643519-D5CD-4984-BBF9-DEA788A32585}"/>
-              </a:ext>
-            </a:extLst>
-          </p:cNvPr>
+            <a:endParaRPr lang="en-US" dirty="0"/>
+          </a:p>
+        </p:txBody>
+      </p:sp>
+      <p:sp>
+        <p:nvSpPr>
+          <p:cNvPr id="3" name="Content Placeholder 2"/>
           <p:cNvSpPr>
             <a:spLocks noGrp="1"/>
           </p:cNvSpPr>
@@ -2216,41 +4714,13 @@
         </p:nvSpPr>
         <p:spPr>
           <a:xfrm>
-            <a:off x="5183188" y="987425"/>
-            <a:ext cx="6172200" cy="4873625"/>
-          </a:xfrm>
-        </p:spPr>
-        <p:txBody>
-          <a:bodyPr/>
-          <a:lstStyle>
-            <a:lvl1pPr>
-              <a:defRPr sz="3200"/>
-            </a:lvl1pPr>
-            <a:lvl2pPr>
-              <a:defRPr sz="2800"/>
-            </a:lvl2pPr>
-            <a:lvl3pPr>
-              <a:defRPr sz="2400"/>
-            </a:lvl3pPr>
-            <a:lvl4pPr>
-              <a:defRPr sz="2000"/>
-            </a:lvl4pPr>
-            <a:lvl5pPr>
-              <a:defRPr sz="2000"/>
-            </a:lvl5pPr>
-            <a:lvl6pPr>
-              <a:defRPr sz="2000"/>
-            </a:lvl6pPr>
-            <a:lvl7pPr>
-              <a:defRPr sz="2000"/>
-            </a:lvl7pPr>
-            <a:lvl8pPr>
-              <a:defRPr sz="2000"/>
-            </a:lvl8pPr>
-            <a:lvl9pPr>
-              <a:defRPr sz="2000"/>
-            </a:lvl9pPr>
-          </a:lstStyle>
+            <a:off x="4995582" y="746759"/>
+            <a:ext cx="6510618" cy="5471925"/>
+          </a:xfrm>
+        </p:spPr>
+        <p:txBody>
+          <a:bodyPr anchor="ctr"/>
+          <a:lstStyle/>
           <a:p>
             <a:pPr lvl="0"/>
             <a:r>
@@ -2285,18 +4755,13 @@
               <a:rPr lang="en-US"/>
               <a:t>Fifth level</a:t>
             </a:r>
-          </a:p>
-        </p:txBody>
-      </p:sp>
-      <p:sp>
-        <p:nvSpPr>
-          <p:cNvPr id="4" name="Text Placeholder 3">
-            <a:extLst>
-              <a:ext uri="{FF2B5EF4-FFF2-40B4-BE49-F238E27FC236}">
-                <a16:creationId xmlns:a16="http://schemas.microsoft.com/office/drawing/2014/main" id="{A66C0FC1-F5F3-4BAD-92A2-45F8908102B9}"/>
-              </a:ext>
-            </a:extLst>
-          </p:cNvPr>
+            <a:endParaRPr lang="en-US" dirty="0"/>
+          </a:p>
+        </p:txBody>
+      </p:sp>
+      <p:sp>
+        <p:nvSpPr>
+          <p:cNvPr id="4" name="Text Placeholder 3"/>
           <p:cNvSpPr>
             <a:spLocks noGrp="1"/>
           </p:cNvSpPr>
@@ -2306,8 +4771,8 @@
         </p:nvSpPr>
         <p:spPr>
           <a:xfrm>
-            <a:off x="839788" y="2057400"/>
-            <a:ext cx="3932237" cy="3811588"/>
+            <a:off x="685800" y="3124199"/>
+            <a:ext cx="4114800" cy="3094485"/>
           </a:xfrm>
         </p:spPr>
         <p:txBody>
@@ -2361,13 +4826,7 @@
       </p:sp>
       <p:sp>
         <p:nvSpPr>
-          <p:cNvPr id="5" name="Date Placeholder 4">
-            <a:extLst>
-              <a:ext uri="{FF2B5EF4-FFF2-40B4-BE49-F238E27FC236}">
-                <a16:creationId xmlns:a16="http://schemas.microsoft.com/office/drawing/2014/main" id="{7252BE81-F370-4B2E-A20C-0CF831E06476}"/>
-              </a:ext>
-            </a:extLst>
-          </p:cNvPr>
+          <p:cNvPr id="5" name="Date Placeholder 4"/>
           <p:cNvSpPr>
             <a:spLocks noGrp="1"/>
           </p:cNvSpPr>
@@ -2382,7 +4841,7 @@
           <a:p>
             <a:fld id="{90F99ACA-4DBB-4AED-BCF4-7CDED2803A73}" type="datetimeFigureOut">
               <a:rPr lang="en-US" smtClean="0"/>
-              <a:t>9/23/2024</a:t>
+              <a:t>2/12/2025</a:t>
             </a:fld>
             <a:endParaRPr lang="en-US"/>
           </a:p>
@@ -2390,13 +4849,7 @@
       </p:sp>
       <p:sp>
         <p:nvSpPr>
-          <p:cNvPr id="6" name="Footer Placeholder 5">
-            <a:extLst>
-              <a:ext uri="{FF2B5EF4-FFF2-40B4-BE49-F238E27FC236}">
-                <a16:creationId xmlns:a16="http://schemas.microsoft.com/office/drawing/2014/main" id="{52F3A753-FE67-4F3C-A76B-C435083EFB46}"/>
-              </a:ext>
-            </a:extLst>
-          </p:cNvPr>
+          <p:cNvPr id="6" name="Footer Placeholder 5"/>
           <p:cNvSpPr>
             <a:spLocks noGrp="1"/>
           </p:cNvSpPr>
@@ -2415,13 +4868,7 @@
       </p:sp>
       <p:sp>
         <p:nvSpPr>
-          <p:cNvPr id="7" name="Slide Number Placeholder 6">
-            <a:extLst>
-              <a:ext uri="{FF2B5EF4-FFF2-40B4-BE49-F238E27FC236}">
-                <a16:creationId xmlns:a16="http://schemas.microsoft.com/office/drawing/2014/main" id="{3F40FC98-DF29-414D-8581-305A6DA87636}"/>
-              </a:ext>
-            </a:extLst>
-          </p:cNvPr>
+          <p:cNvPr id="7" name="Slide Number Placeholder 6"/>
           <p:cNvSpPr>
             <a:spLocks noGrp="1"/>
           </p:cNvSpPr>
@@ -2445,7 +4892,7 @@
     </p:spTree>
     <p:extLst>
       <p:ext uri="{BB962C8B-B14F-4D97-AF65-F5344CB8AC3E}">
-        <p14:creationId xmlns:p14="http://schemas.microsoft.com/office/powerpoint/2010/main" val="3072372727"/>
+        <p14:creationId xmlns:p14="http://schemas.microsoft.com/office/powerpoint/2010/main" val="1394725075"/>
       </p:ext>
     </p:extLst>
   </p:cSld>
@@ -2474,13 +4921,7 @@
       </p:grpSpPr>
       <p:sp>
         <p:nvSpPr>
-          <p:cNvPr id="2" name="Title 1">
-            <a:extLst>
-              <a:ext uri="{FF2B5EF4-FFF2-40B4-BE49-F238E27FC236}">
-                <a16:creationId xmlns:a16="http://schemas.microsoft.com/office/drawing/2014/main" id="{81573118-F18D-4164-A196-ED7F8E7B0AD1}"/>
-              </a:ext>
-            </a:extLst>
-          </p:cNvPr>
+          <p:cNvPr id="2" name="Title 1"/>
           <p:cNvSpPr>
             <a:spLocks noGrp="1"/>
           </p:cNvSpPr>
@@ -2490,14 +4931,14 @@
         </p:nvSpPr>
         <p:spPr>
           <a:xfrm>
-            <a:off x="839788" y="457200"/>
-            <a:ext cx="3932237" cy="1600200"/>
+            <a:off x="685800" y="1524000"/>
+            <a:ext cx="6873240" cy="1600200"/>
           </a:xfrm>
         </p:spPr>
         <p:txBody>
           <a:bodyPr anchor="b"/>
           <a:lstStyle>
-            <a:lvl1pPr>
+            <a:lvl1pPr algn="l">
               <a:defRPr sz="3200"/>
             </a:lvl1pPr>
           </a:lstStyle>
@@ -2506,20 +4947,15 @@
               <a:rPr lang="en-US"/>
               <a:t>Click to edit Master title style</a:t>
             </a:r>
-          </a:p>
-        </p:txBody>
-      </p:sp>
-      <p:sp>
-        <p:nvSpPr>
-          <p:cNvPr id="3" name="Picture Placeholder 2">
-            <a:extLst>
-              <a:ext uri="{FF2B5EF4-FFF2-40B4-BE49-F238E27FC236}">
-                <a16:creationId xmlns:a16="http://schemas.microsoft.com/office/drawing/2014/main" id="{E4AB1DF6-7640-4856-A120-7C9AC19367ED}"/>
-              </a:ext>
-            </a:extLst>
-          </p:cNvPr>
-          <p:cNvSpPr>
-            <a:spLocks noGrp="1"/>
+            <a:endParaRPr lang="en-US" dirty="0"/>
+          </a:p>
+        </p:txBody>
+      </p:sp>
+      <p:sp>
+        <p:nvSpPr>
+          <p:cNvPr id="3" name="Picture Placeholder 2"/>
+          <p:cNvSpPr>
+            <a:spLocks noGrp="1" noChangeAspect="1"/>
           </p:cNvSpPr>
           <p:nvPr>
             <p:ph type="pic" idx="1"/>
@@ -2527,12 +4963,12 @@
         </p:nvSpPr>
         <p:spPr>
           <a:xfrm>
-            <a:off x="5183188" y="987425"/>
-            <a:ext cx="6172200" cy="4873625"/>
-          </a:xfrm>
-        </p:spPr>
-        <p:txBody>
-          <a:bodyPr/>
+            <a:off x="7861238" y="751241"/>
+            <a:ext cx="3644962" cy="5467443"/>
+          </a:xfrm>
+        </p:spPr>
+        <p:txBody>
+          <a:bodyPr anchor="t"/>
           <a:lstStyle>
             <a:lvl1pPr marL="0" indent="0">
               <a:buNone/>
@@ -2572,19 +5008,17 @@
             </a:lvl9pPr>
           </a:lstStyle>
           <a:p>
-            <a:endParaRPr lang="en-US"/>
-          </a:p>
-        </p:txBody>
-      </p:sp>
-      <p:sp>
-        <p:nvSpPr>
-          <p:cNvPr id="4" name="Text Placeholder 3">
-            <a:extLst>
-              <a:ext uri="{FF2B5EF4-FFF2-40B4-BE49-F238E27FC236}">
-                <a16:creationId xmlns:a16="http://schemas.microsoft.com/office/drawing/2014/main" id="{FDE06778-13E2-4069-BC0C-1B00ACA75DDD}"/>
-              </a:ext>
-            </a:extLst>
-          </p:cNvPr>
+            <a:r>
+              <a:rPr lang="en-US"/>
+              <a:t>Click icon to add picture</a:t>
+            </a:r>
+            <a:endParaRPr lang="en-US" dirty="0"/>
+          </a:p>
+        </p:txBody>
+      </p:sp>
+      <p:sp>
+        <p:nvSpPr>
+          <p:cNvPr id="4" name="Text Placeholder 3"/>
           <p:cNvSpPr>
             <a:spLocks noGrp="1"/>
           </p:cNvSpPr>
@@ -2594,8 +5028,8 @@
         </p:nvSpPr>
         <p:spPr>
           <a:xfrm>
-            <a:off x="839788" y="2057400"/>
-            <a:ext cx="3932237" cy="3811588"/>
+            <a:off x="685800" y="3124199"/>
+            <a:ext cx="6873240" cy="3094485"/>
           </a:xfrm>
         </p:spPr>
         <p:txBody>
@@ -2649,13 +5083,7 @@
       </p:sp>
       <p:sp>
         <p:nvSpPr>
-          <p:cNvPr id="5" name="Date Placeholder 4">
-            <a:extLst>
-              <a:ext uri="{FF2B5EF4-FFF2-40B4-BE49-F238E27FC236}">
-                <a16:creationId xmlns:a16="http://schemas.microsoft.com/office/drawing/2014/main" id="{9A2D2CC9-1BEA-44DA-A2D2-D59D5853654F}"/>
-              </a:ext>
-            </a:extLst>
-          </p:cNvPr>
+          <p:cNvPr id="5" name="Date Placeholder 4"/>
           <p:cNvSpPr>
             <a:spLocks noGrp="1"/>
           </p:cNvSpPr>
@@ -2670,7 +5098,7 @@
           <a:p>
             <a:fld id="{90F99ACA-4DBB-4AED-BCF4-7CDED2803A73}" type="datetimeFigureOut">
               <a:rPr lang="en-US" smtClean="0"/>
-              <a:t>9/23/2024</a:t>
+              <a:t>2/12/2025</a:t>
             </a:fld>
             <a:endParaRPr lang="en-US"/>
           </a:p>
@@ -2678,13 +5106,7 @@
       </p:sp>
       <p:sp>
         <p:nvSpPr>
-          <p:cNvPr id="6" name="Footer Placeholder 5">
-            <a:extLst>
-              <a:ext uri="{FF2B5EF4-FFF2-40B4-BE49-F238E27FC236}">
-                <a16:creationId xmlns:a16="http://schemas.microsoft.com/office/drawing/2014/main" id="{542665FB-BF89-4361-BE0D-6818B75AC442}"/>
-              </a:ext>
-            </a:extLst>
-          </p:cNvPr>
+          <p:cNvPr id="6" name="Footer Placeholder 5"/>
           <p:cNvSpPr>
             <a:spLocks noGrp="1"/>
           </p:cNvSpPr>
@@ -2703,13 +5125,7 @@
       </p:sp>
       <p:sp>
         <p:nvSpPr>
-          <p:cNvPr id="7" name="Slide Number Placeholder 6">
-            <a:extLst>
-              <a:ext uri="{FF2B5EF4-FFF2-40B4-BE49-F238E27FC236}">
-                <a16:creationId xmlns:a16="http://schemas.microsoft.com/office/drawing/2014/main" id="{C2ACCFDD-6683-4ADB-8EE4-B2A5230C0F28}"/>
-              </a:ext>
-            </a:extLst>
-          </p:cNvPr>
+          <p:cNvPr id="7" name="Slide Number Placeholder 6"/>
           <p:cNvSpPr>
             <a:spLocks noGrp="1"/>
           </p:cNvSpPr>
@@ -2733,7 +5149,7 @@
     </p:spTree>
     <p:extLst>
       <p:ext uri="{BB962C8B-B14F-4D97-AF65-F5344CB8AC3E}">
-        <p14:creationId xmlns:p14="http://schemas.microsoft.com/office/powerpoint/2010/main" val="1746659977"/>
+        <p14:creationId xmlns:p14="http://schemas.microsoft.com/office/powerpoint/2010/main" val="1887356310"/>
       </p:ext>
     </p:extLst>
   </p:cSld>
@@ -2765,31 +5181,55 @@
           <a:chExt cx="0" cy="0"/>
         </a:xfrm>
       </p:grpSpPr>
-      <p:sp>
-        <p:nvSpPr>
-          <p:cNvPr id="2" name="Title Placeholder 1">
+      <p:pic>
+        <p:nvPicPr>
+          <p:cNvPr id="7" name="Picture 6" descr="C0-HD-TOP.png"/>
+          <p:cNvPicPr>
+            <a:picLocks noChangeAspect="1"/>
+          </p:cNvPicPr>
+          <p:nvPr/>
+        </p:nvPicPr>
+        <p:blipFill>
+          <a:blip r:embed="rId19">
             <a:extLst>
-              <a:ext uri="{FF2B5EF4-FFF2-40B4-BE49-F238E27FC236}">
-                <a16:creationId xmlns:a16="http://schemas.microsoft.com/office/drawing/2014/main" id="{63A1B25E-3E5C-40F1-918B-2FC621AB1F79}"/>
+              <a:ext uri="{28A0092B-C50C-407E-A947-70E740481C1C}">
+                <a14:useLocalDpi xmlns:a14="http://schemas.microsoft.com/office/drawing/2010/main" val="0"/>
               </a:ext>
             </a:extLst>
-          </p:cNvPr>
-          <p:cNvSpPr>
-            <a:spLocks noGrp="1"/>
-          </p:cNvSpPr>
-          <p:nvPr>
-            <p:ph type="title"/>
-          </p:nvPr>
-        </p:nvSpPr>
-        <p:spPr>
-          <a:xfrm>
-            <a:off x="838200" y="365125"/>
-            <a:ext cx="10515600" cy="1325563"/>
+          </a:blip>
+          <a:stretch>
+            <a:fillRect/>
+          </a:stretch>
+        </p:blipFill>
+        <p:spPr>
+          <a:xfrm>
+            <a:off x="0" y="0"/>
+            <a:ext cx="12192000" cy="1441450"/>
           </a:xfrm>
           <a:prstGeom prst="rect">
             <a:avLst/>
           </a:prstGeom>
         </p:spPr>
+      </p:pic>
+      <p:sp>
+        <p:nvSpPr>
+          <p:cNvPr id="2" name="Title Placeholder 1"/>
+          <p:cNvSpPr>
+            <a:spLocks noGrp="1"/>
+          </p:cNvSpPr>
+          <p:nvPr>
+            <p:ph type="title"/>
+          </p:nvPr>
+        </p:nvSpPr>
+        <p:spPr>
+          <a:xfrm>
+            <a:off x="2895600" y="764373"/>
+            <a:ext cx="8610600" cy="1293028"/>
+          </a:xfrm>
+          <a:prstGeom prst="rect">
+            <a:avLst/>
+          </a:prstGeom>
+        </p:spPr>
         <p:txBody>
           <a:bodyPr vert="horz" lIns="91440" tIns="45720" rIns="91440" bIns="45720" rtlCol="0" anchor="ctr">
             <a:normAutofit/>
@@ -2800,18 +5240,13 @@
               <a:rPr lang="en-US"/>
               <a:t>Click to edit Master title style</a:t>
             </a:r>
-          </a:p>
-        </p:txBody>
-      </p:sp>
-      <p:sp>
-        <p:nvSpPr>
-          <p:cNvPr id="3" name="Text Placeholder 2">
-            <a:extLst>
-              <a:ext uri="{FF2B5EF4-FFF2-40B4-BE49-F238E27FC236}">
-                <a16:creationId xmlns:a16="http://schemas.microsoft.com/office/drawing/2014/main" id="{5D01E007-05DC-47F1-B1EF-8DC144746B9E}"/>
-              </a:ext>
-            </a:extLst>
-          </p:cNvPr>
+            <a:endParaRPr lang="en-US" dirty="0"/>
+          </a:p>
+        </p:txBody>
+      </p:sp>
+      <p:sp>
+        <p:nvSpPr>
+          <p:cNvPr id="3" name="Text Placeholder 2"/>
           <p:cNvSpPr>
             <a:spLocks noGrp="1"/>
           </p:cNvSpPr>
@@ -2821,8 +5256,8 @@
         </p:nvSpPr>
         <p:spPr>
           <a:xfrm>
-            <a:off x="838200" y="1825625"/>
-            <a:ext cx="10515600" cy="4351338"/>
+            <a:off x="685800" y="2194560"/>
+            <a:ext cx="10820400" cy="4024125"/>
           </a:xfrm>
           <a:prstGeom prst="rect">
             <a:avLst/>
@@ -2867,18 +5302,13 @@
               <a:rPr lang="en-US"/>
               <a:t>Fifth level</a:t>
             </a:r>
-          </a:p>
-        </p:txBody>
-      </p:sp>
-      <p:sp>
-        <p:nvSpPr>
-          <p:cNvPr id="4" name="Date Placeholder 3">
-            <a:extLst>
-              <a:ext uri="{FF2B5EF4-FFF2-40B4-BE49-F238E27FC236}">
-                <a16:creationId xmlns:a16="http://schemas.microsoft.com/office/drawing/2014/main" id="{C154A250-6110-4718-BA1E-EEDD57D8345E}"/>
-              </a:ext>
-            </a:extLst>
-          </p:cNvPr>
+            <a:endParaRPr lang="en-US" dirty="0"/>
+          </a:p>
+        </p:txBody>
+      </p:sp>
+      <p:sp>
+        <p:nvSpPr>
+          <p:cNvPr id="4" name="Date Placeholder 3"/>
           <p:cNvSpPr>
             <a:spLocks noGrp="1"/>
           </p:cNvSpPr>
@@ -2888,8 +5318,8 @@
         </p:nvSpPr>
         <p:spPr>
           <a:xfrm>
-            <a:off x="838200" y="6356350"/>
-            <a:ext cx="2743200" cy="365125"/>
+            <a:off x="8595360" y="6356350"/>
+            <a:ext cx="2910840" cy="365125"/>
           </a:xfrm>
           <a:prstGeom prst="rect">
             <a:avLst/>
@@ -2898,8 +5328,8 @@
         <p:txBody>
           <a:bodyPr vert="horz" lIns="91440" tIns="45720" rIns="91440" bIns="45720" rtlCol="0" anchor="ctr"/>
           <a:lstStyle>
-            <a:lvl1pPr algn="l">
-              <a:defRPr sz="1200">
+            <a:lvl1pPr algn="r">
+              <a:defRPr sz="1050">
                 <a:solidFill>
                   <a:schemeClr val="tx1">
                     <a:tint val="75000"/>
@@ -2911,7 +5341,7 @@
           <a:p>
             <a:fld id="{90F99ACA-4DBB-4AED-BCF4-7CDED2803A73}" type="datetimeFigureOut">
               <a:rPr lang="en-US" smtClean="0"/>
-              <a:t>9/23/2024</a:t>
+              <a:t>2/12/2025</a:t>
             </a:fld>
             <a:endParaRPr lang="en-US"/>
           </a:p>
@@ -2919,13 +5349,7 @@
       </p:sp>
       <p:sp>
         <p:nvSpPr>
-          <p:cNvPr id="5" name="Footer Placeholder 4">
-            <a:extLst>
-              <a:ext uri="{FF2B5EF4-FFF2-40B4-BE49-F238E27FC236}">
-                <a16:creationId xmlns:a16="http://schemas.microsoft.com/office/drawing/2014/main" id="{CFC4CFB1-088E-4F2B-8E9B-500D3B9758B3}"/>
-              </a:ext>
-            </a:extLst>
-          </p:cNvPr>
+          <p:cNvPr id="5" name="Footer Placeholder 4"/>
           <p:cNvSpPr>
             <a:spLocks noGrp="1"/>
           </p:cNvSpPr>
@@ -2935,8 +5359,8 @@
         </p:nvSpPr>
         <p:spPr>
           <a:xfrm>
-            <a:off x="4038600" y="6356350"/>
-            <a:ext cx="4114800" cy="365125"/>
+            <a:off x="685800" y="6355845"/>
+            <a:ext cx="7772400" cy="365125"/>
           </a:xfrm>
           <a:prstGeom prst="rect">
             <a:avLst/>
@@ -2945,8 +5369,8 @@
         <p:txBody>
           <a:bodyPr vert="horz" lIns="91440" tIns="45720" rIns="91440" bIns="45720" rtlCol="0" anchor="ctr"/>
           <a:lstStyle>
-            <a:lvl1pPr algn="ctr">
-              <a:defRPr sz="1200">
+            <a:lvl1pPr algn="l">
+              <a:defRPr sz="1050">
                 <a:solidFill>
                   <a:schemeClr val="tx1">
                     <a:tint val="75000"/>
@@ -2962,13 +5386,7 @@
       </p:sp>
       <p:sp>
         <p:nvSpPr>
-          <p:cNvPr id="6" name="Slide Number Placeholder 5">
-            <a:extLst>
-              <a:ext uri="{FF2B5EF4-FFF2-40B4-BE49-F238E27FC236}">
-                <a16:creationId xmlns:a16="http://schemas.microsoft.com/office/drawing/2014/main" id="{D1976A18-5C70-494D-9C26-698A41DBBE01}"/>
-              </a:ext>
-            </a:extLst>
-          </p:cNvPr>
+          <p:cNvPr id="6" name="Slide Number Placeholder 5"/>
           <p:cNvSpPr>
             <a:spLocks noGrp="1"/>
           </p:cNvSpPr>
@@ -2978,7 +5396,7 @@
         </p:nvSpPr>
         <p:spPr>
           <a:xfrm>
-            <a:off x="8610600" y="6356350"/>
+            <a:off x="8763000" y="381000"/>
             <a:ext cx="2743200" cy="365125"/>
           </a:xfrm>
           <a:prstGeom prst="rect">
@@ -2989,7 +5407,7 @@
           <a:bodyPr vert="horz" lIns="91440" tIns="45720" rIns="91440" bIns="45720" rtlCol="0" anchor="ctr"/>
           <a:lstStyle>
             <a:lvl1pPr algn="r">
-              <a:defRPr sz="1200">
+              <a:defRPr sz="1050">
                 <a:solidFill>
                   <a:schemeClr val="tx1">
                     <a:tint val="75000"/>
@@ -3010,27 +5428,33 @@
     </p:spTree>
     <p:extLst>
       <p:ext uri="{BB962C8B-B14F-4D97-AF65-F5344CB8AC3E}">
-        <p14:creationId xmlns:p14="http://schemas.microsoft.com/office/powerpoint/2010/main" val="1774931711"/>
+        <p14:creationId xmlns:p14="http://schemas.microsoft.com/office/powerpoint/2010/main" val="3103836965"/>
       </p:ext>
     </p:extLst>
   </p:cSld>
-  <p:clrMap bg1="lt1" tx1="dk1" bg2="lt2" tx2="dk2" accent1="accent1" accent2="accent2" accent3="accent3" accent4="accent4" accent5="accent5" accent6="accent6" hlink="hlink" folHlink="folHlink"/>
+  <p:clrMap bg1="dk1" tx1="lt1" bg2="dk2" tx2="lt2" accent1="accent1" accent2="accent2" accent3="accent3" accent4="accent4" accent5="accent5" accent6="accent6" hlink="hlink" folHlink="folHlink"/>
   <p:sldLayoutIdLst>
-    <p:sldLayoutId id="2147483649" r:id="rId1"/>
-    <p:sldLayoutId id="2147483650" r:id="rId2"/>
-    <p:sldLayoutId id="2147483651" r:id="rId3"/>
-    <p:sldLayoutId id="2147483652" r:id="rId4"/>
-    <p:sldLayoutId id="2147483653" r:id="rId5"/>
-    <p:sldLayoutId id="2147483654" r:id="rId6"/>
-    <p:sldLayoutId id="2147483655" r:id="rId7"/>
-    <p:sldLayoutId id="2147483656" r:id="rId8"/>
-    <p:sldLayoutId id="2147483657" r:id="rId9"/>
-    <p:sldLayoutId id="2147483658" r:id="rId10"/>
-    <p:sldLayoutId id="2147483659" r:id="rId11"/>
+    <p:sldLayoutId id="2147483661" r:id="rId1"/>
+    <p:sldLayoutId id="2147483662" r:id="rId2"/>
+    <p:sldLayoutId id="2147483663" r:id="rId3"/>
+    <p:sldLayoutId id="2147483664" r:id="rId4"/>
+    <p:sldLayoutId id="2147483665" r:id="rId5"/>
+    <p:sldLayoutId id="2147483666" r:id="rId6"/>
+    <p:sldLayoutId id="2147483667" r:id="rId7"/>
+    <p:sldLayoutId id="2147483668" r:id="rId8"/>
+    <p:sldLayoutId id="2147483669" r:id="rId9"/>
+    <p:sldLayoutId id="2147483670" r:id="rId10"/>
+    <p:sldLayoutId id="2147483671" r:id="rId11"/>
+    <p:sldLayoutId id="2147483672" r:id="rId12"/>
+    <p:sldLayoutId id="2147483673" r:id="rId13"/>
+    <p:sldLayoutId id="2147483674" r:id="rId14"/>
+    <p:sldLayoutId id="2147483675" r:id="rId15"/>
+    <p:sldLayoutId id="2147483676" r:id="rId16"/>
+    <p:sldLayoutId id="2147483677" r:id="rId17"/>
   </p:sldLayoutIdLst>
   <p:txStyles>
     <p:titleStyle>
-      <a:lvl1pPr algn="l" defTabSz="914400" rtl="0" eaLnBrk="1" latinLnBrk="0" hangingPunct="1">
+      <a:lvl1pPr algn="r" defTabSz="914400" rtl="0" eaLnBrk="1" latinLnBrk="0" hangingPunct="1">
         <a:lnSpc>
           <a:spcPct val="90000"/>
         </a:lnSpc>
@@ -3038,7 +5462,7 @@
           <a:spcPct val="0"/>
         </a:spcBef>
         <a:buNone/>
-        <a:defRPr sz="4400" kern="1200">
+        <a:defRPr sz="4000" kern="1200" cap="all" baseline="0">
           <a:solidFill>
             <a:schemeClr val="tx1"/>
           </a:solidFill>
@@ -3058,7 +5482,7 @@
         </a:spcBef>
         <a:buFont typeface="Arial" panose="020B0604020202020204" pitchFamily="34" charset="0"/>
         <a:buChar char="•"/>
-        <a:defRPr sz="2800" kern="1200">
+        <a:defRPr sz="2200" kern="1200">
           <a:solidFill>
             <a:schemeClr val="tx1"/>
           </a:solidFill>
@@ -3076,7 +5500,7 @@
         </a:spcBef>
         <a:buFont typeface="Arial" panose="020B0604020202020204" pitchFamily="34" charset="0"/>
         <a:buChar char="•"/>
-        <a:defRPr sz="2400" kern="1200">
+        <a:defRPr sz="2000" kern="1200">
           <a:solidFill>
             <a:schemeClr val="tx1"/>
           </a:solidFill>
@@ -3094,7 +5518,7 @@
         </a:spcBef>
         <a:buFont typeface="Arial" panose="020B0604020202020204" pitchFamily="34" charset="0"/>
         <a:buChar char="•"/>
-        <a:defRPr sz="2000" kern="1200">
+        <a:defRPr sz="1800" kern="1200">
           <a:solidFill>
             <a:schemeClr val="tx1"/>
           </a:solidFill>
@@ -3112,7 +5536,7 @@
         </a:spcBef>
         <a:buFont typeface="Arial" panose="020B0604020202020204" pitchFamily="34" charset="0"/>
         <a:buChar char="•"/>
-        <a:defRPr sz="1800" kern="1200">
+        <a:defRPr sz="1600" kern="1200">
           <a:solidFill>
             <a:schemeClr val="tx1"/>
           </a:solidFill>
@@ -3130,7 +5554,7 @@
         </a:spcBef>
         <a:buFont typeface="Arial" panose="020B0604020202020204" pitchFamily="34" charset="0"/>
         <a:buChar char="•"/>
-        <a:defRPr sz="1800" kern="1200">
+        <a:defRPr sz="1600" kern="1200">
           <a:solidFill>
             <a:schemeClr val="tx1"/>
           </a:solidFill>
@@ -3148,7 +5572,7 @@
         </a:spcBef>
         <a:buFont typeface="Arial" panose="020B0604020202020204" pitchFamily="34" charset="0"/>
         <a:buChar char="•"/>
-        <a:defRPr sz="1800" kern="1200">
+        <a:defRPr sz="1600" kern="1200">
           <a:solidFill>
             <a:schemeClr val="tx1"/>
           </a:solidFill>
@@ -3166,7 +5590,7 @@
         </a:spcBef>
         <a:buFont typeface="Arial" panose="020B0604020202020204" pitchFamily="34" charset="0"/>
         <a:buChar char="•"/>
-        <a:defRPr sz="1800" kern="1200">
+        <a:defRPr sz="1600" kern="1200">
           <a:solidFill>
             <a:schemeClr val="tx1"/>
           </a:solidFill>
@@ -3184,7 +5608,7 @@
         </a:spcBef>
         <a:buFont typeface="Arial" panose="020B0604020202020204" pitchFamily="34" charset="0"/>
         <a:buChar char="•"/>
-        <a:defRPr sz="1800" kern="1200">
+        <a:defRPr sz="1600" kern="1200">
           <a:solidFill>
             <a:schemeClr val="tx1"/>
           </a:solidFill>
@@ -3202,7 +5626,7 @@
         </a:spcBef>
         <a:buFont typeface="Arial" panose="020B0604020202020204" pitchFamily="34" charset="0"/>
         <a:buChar char="•"/>
-        <a:defRPr sz="1800" kern="1200">
+        <a:defRPr sz="1600" kern="1200">
           <a:solidFill>
             <a:schemeClr val="tx1"/>
           </a:solidFill>
@@ -4252,9 +6676,9 @@
 </file>
 
 <file path=ppt/theme/theme1.xml><?xml version="1.0" encoding="utf-8"?>
-<a:theme xmlns:a="http://schemas.openxmlformats.org/drawingml/2006/main" name="Office Theme">
+<a:theme xmlns:a="http://schemas.openxmlformats.org/drawingml/2006/main" name="Vapor Trail">
   <a:themeElements>
-    <a:clrScheme name="Office">
+    <a:clrScheme name="Vapor Trail">
       <a:dk1>
         <a:sysClr val="windowText" lastClr="000000"/>
       </a:dk1>
@@ -4262,44 +6686,44 @@
         <a:sysClr val="window" lastClr="FFFFFF"/>
       </a:lt1>
       <a:dk2>
-        <a:srgbClr val="44546A"/>
+        <a:srgbClr val="454545"/>
       </a:dk2>
       <a:lt2>
-        <a:srgbClr val="E7E6E6"/>
+        <a:srgbClr val="DADADA"/>
       </a:lt2>
       <a:accent1>
-        <a:srgbClr val="4472C4"/>
+        <a:srgbClr val="DF2E28"/>
       </a:accent1>
       <a:accent2>
-        <a:srgbClr val="ED7D31"/>
+        <a:srgbClr val="FE801A"/>
       </a:accent2>
       <a:accent3>
-        <a:srgbClr val="A5A5A5"/>
+        <a:srgbClr val="E9BF35"/>
       </a:accent3>
       <a:accent4>
-        <a:srgbClr val="FFC000"/>
+        <a:srgbClr val="81BB42"/>
       </a:accent4>
       <a:accent5>
-        <a:srgbClr val="5B9BD5"/>
+        <a:srgbClr val="32C7A9"/>
       </a:accent5>
       <a:accent6>
-        <a:srgbClr val="70AD47"/>
+        <a:srgbClr val="4A9BDC"/>
       </a:accent6>
       <a:hlink>
-        <a:srgbClr val="0563C1"/>
+        <a:srgbClr val="F0532B"/>
       </a:hlink>
       <a:folHlink>
-        <a:srgbClr val="954F72"/>
+        <a:srgbClr val="F38B53"/>
       </a:folHlink>
     </a:clrScheme>
-    <a:fontScheme name="Office">
+    <a:fontScheme name="Vapor Trail">
       <a:majorFont>
-        <a:latin typeface="Calibri Light" panose="020F0302020204030204"/>
+        <a:latin typeface="Century Gothic" panose="020B0502020202020204"/>
         <a:ea typeface=""/>
         <a:cs typeface=""/>
-        <a:font script="Jpan" typeface="游ゴシック Light"/>
+        <a:font script="Jpan" typeface="ＭＳ Ｐゴシック"/>
         <a:font script="Hang" typeface="맑은 고딕"/>
-        <a:font script="Hans" typeface="等线 Light"/>
+        <a:font script="Hans" typeface="宋体"/>
         <a:font script="Hant" typeface="新細明體"/>
         <a:font script="Arab" typeface="Times New Roman"/>
         <a:font script="Hebr" typeface="Times New Roman"/>
@@ -4327,31 +6751,14 @@
         <a:font script="Viet" typeface="Times New Roman"/>
         <a:font script="Uigh" typeface="Microsoft Uighur"/>
         <a:font script="Geor" typeface="Sylfaen"/>
-        <a:font script="Armn" typeface="Arial"/>
-        <a:font script="Bugi" typeface="Leelawadee UI"/>
-        <a:font script="Bopo" typeface="Microsoft JhengHei"/>
-        <a:font script="Java" typeface="Javanese Text"/>
-        <a:font script="Lisu" typeface="Segoe UI"/>
-        <a:font script="Mymr" typeface="Myanmar Text"/>
-        <a:font script="Nkoo" typeface="Ebrima"/>
-        <a:font script="Olck" typeface="Nirmala UI"/>
-        <a:font script="Osma" typeface="Ebrima"/>
-        <a:font script="Phag" typeface="Phagspa"/>
-        <a:font script="Syrn" typeface="Estrangelo Edessa"/>
-        <a:font script="Syrj" typeface="Estrangelo Edessa"/>
-        <a:font script="Syre" typeface="Estrangelo Edessa"/>
-        <a:font script="Sora" typeface="Nirmala UI"/>
-        <a:font script="Tale" typeface="Microsoft Tai Le"/>
-        <a:font script="Talu" typeface="Microsoft New Tai Lue"/>
-        <a:font script="Tfng" typeface="Ebrima"/>
       </a:majorFont>
       <a:minorFont>
-        <a:latin typeface="Calibri" panose="020F0502020204030204"/>
+        <a:latin typeface="Century Gothic" panose="020B0502020202020204"/>
         <a:ea typeface=""/>
         <a:cs typeface=""/>
-        <a:font script="Jpan" typeface="游ゴシック"/>
+        <a:font script="Jpan" typeface="ＭＳ Ｐゴシック"/>
         <a:font script="Hang" typeface="맑은 고딕"/>
-        <a:font script="Hans" typeface="等线"/>
+        <a:font script="Hans" typeface="宋体"/>
         <a:font script="Hant" typeface="新細明體"/>
         <a:font script="Arab" typeface="Arial"/>
         <a:font script="Hebr" typeface="Arial"/>
@@ -4379,26 +6786,9 @@
         <a:font script="Viet" typeface="Arial"/>
         <a:font script="Uigh" typeface="Microsoft Uighur"/>
         <a:font script="Geor" typeface="Sylfaen"/>
-        <a:font script="Armn" typeface="Arial"/>
-        <a:font script="Bugi" typeface="Leelawadee UI"/>
-        <a:font script="Bopo" typeface="Microsoft JhengHei"/>
-        <a:font script="Java" typeface="Javanese Text"/>
-        <a:font script="Lisu" typeface="Segoe UI"/>
-        <a:font script="Mymr" typeface="Myanmar Text"/>
-        <a:font script="Nkoo" typeface="Ebrima"/>
-        <a:font script="Olck" typeface="Nirmala UI"/>
-        <a:font script="Osma" typeface="Ebrima"/>
-        <a:font script="Phag" typeface="Phagspa"/>
-        <a:font script="Syrn" typeface="Estrangelo Edessa"/>
-        <a:font script="Syrj" typeface="Estrangelo Edessa"/>
-        <a:font script="Syre" typeface="Estrangelo Edessa"/>
-        <a:font script="Sora" typeface="Nirmala UI"/>
-        <a:font script="Tale" typeface="Microsoft Tai Le"/>
-        <a:font script="Talu" typeface="Microsoft New Tai Lue"/>
-        <a:font script="Tfng" typeface="Ebrima"/>
       </a:minorFont>
     </a:fontScheme>
-    <a:fmtScheme name="Office">
+    <a:fmtScheme name="Vapor Trail">
       <a:fillStyleLst>
         <a:solidFill>
           <a:schemeClr val="phClr"/>
@@ -4407,23 +6797,24 @@
           <a:gsLst>
             <a:gs pos="0">
               <a:schemeClr val="phClr">
+                <a:tint val="69000"/>
+                <a:alpha val="100000"/>
+                <a:satMod val="109000"/>
                 <a:lumMod val="110000"/>
-                <a:satMod val="105000"/>
-                <a:tint val="67000"/>
               </a:schemeClr>
             </a:gs>
-            <a:gs pos="50000">
+            <a:gs pos="52000">
               <a:schemeClr val="phClr">
-                <a:lumMod val="105000"/>
-                <a:satMod val="103000"/>
-                <a:tint val="73000"/>
+                <a:tint val="74000"/>
+                <a:satMod val="100000"/>
+                <a:lumMod val="104000"/>
               </a:schemeClr>
             </a:gs>
             <a:gs pos="100000">
               <a:schemeClr val="phClr">
-                <a:lumMod val="105000"/>
-                <a:satMod val="109000"/>
-                <a:tint val="81000"/>
+                <a:tint val="78000"/>
+                <a:satMod val="100000"/>
+                <a:lumMod val="100000"/>
               </a:schemeClr>
             </a:gs>
           </a:gsLst>
@@ -4433,23 +6824,16 @@
           <a:gsLst>
             <a:gs pos="0">
               <a:schemeClr val="phClr">
-                <a:satMod val="103000"/>
-                <a:lumMod val="102000"/>
-                <a:tint val="94000"/>
+                <a:tint val="96000"/>
+                <a:satMod val="100000"/>
+                <a:lumMod val="104000"/>
               </a:schemeClr>
             </a:gs>
-            <a:gs pos="50000">
+            <a:gs pos="78000">
               <a:schemeClr val="phClr">
+                <a:shade val="100000"/>
                 <a:satMod val="110000"/>
                 <a:lumMod val="100000"/>
-                <a:shade val="100000"/>
-              </a:schemeClr>
-            </a:gs>
-            <a:gs pos="100000">
-              <a:schemeClr val="phClr">
-                <a:lumMod val="99000"/>
-                <a:satMod val="120000"/>
-                <a:shade val="78000"/>
               </a:schemeClr>
             </a:gs>
           </a:gsLst>
@@ -4457,26 +6841,23 @@
         </a:gradFill>
       </a:fillStyleLst>
       <a:lnStyleLst>
-        <a:ln w="6350" cap="flat" cmpd="sng" algn="ctr">
+        <a:ln w="9525" cap="flat" cmpd="sng" algn="ctr">
           <a:solidFill>
             <a:schemeClr val="phClr"/>
           </a:solidFill>
           <a:prstDash val="solid"/>
-          <a:miter lim="800000"/>
         </a:ln>
         <a:ln w="12700" cap="flat" cmpd="sng" algn="ctr">
           <a:solidFill>
             <a:schemeClr val="phClr"/>
           </a:solidFill>
           <a:prstDash val="solid"/>
-          <a:miter lim="800000"/>
         </a:ln>
         <a:ln w="19050" cap="flat" cmpd="sng" algn="ctr">
           <a:solidFill>
             <a:schemeClr val="phClr"/>
           </a:solidFill>
           <a:prstDash val="solid"/>
-          <a:miter lim="800000"/>
         </a:ln>
       </a:lnStyleLst>
       <a:effectStyleLst>
@@ -4485,15 +6866,33 @@
         </a:effectStyle>
         <a:effectStyle>
           <a:effectLst/>
+          <a:scene3d>
+            <a:camera prst="orthographicFront">
+              <a:rot lat="0" lon="0" rev="0"/>
+            </a:camera>
+            <a:lightRig rig="threePt" dir="t"/>
+          </a:scene3d>
+          <a:sp3d>
+            <a:bevelT w="25400" h="12700"/>
+          </a:sp3d>
         </a:effectStyle>
         <a:effectStyle>
           <a:effectLst>
             <a:outerShdw blurRad="57150" dist="19050" dir="5400000" algn="ctr" rotWithShape="0">
               <a:srgbClr val="000000">
-                <a:alpha val="63000"/>
+                <a:alpha val="48000"/>
               </a:srgbClr>
             </a:outerShdw>
           </a:effectLst>
+          <a:scene3d>
+            <a:camera prst="orthographicFront">
+              <a:rot lat="0" lon="0" rev="0"/>
+            </a:camera>
+            <a:lightRig rig="threePt" dir="t"/>
+          </a:scene3d>
+          <a:sp3d>
+            <a:bevelT w="50800" h="25400"/>
+          </a:sp3d>
         </a:effectStyle>
       </a:effectStyleLst>
       <a:bgFillStyleLst>
@@ -4511,16 +6910,16 @@
             <a:gs pos="0">
               <a:schemeClr val="phClr">
                 <a:tint val="93000"/>
+                <a:shade val="98000"/>
                 <a:satMod val="150000"/>
-                <a:shade val="98000"/>
                 <a:lumMod val="102000"/>
               </a:schemeClr>
             </a:gs>
             <a:gs pos="50000">
               <a:schemeClr val="phClr">
                 <a:tint val="98000"/>
+                <a:shade val="90000"/>
                 <a:satMod val="130000"/>
-                <a:shade val="90000"/>
                 <a:lumMod val="103000"/>
               </a:schemeClr>
             </a:gs>
@@ -4540,7 +6939,7 @@
   <a:extraClrSchemeLst/>
   <a:extLst>
     <a:ext uri="{05A4C25C-085E-4340-85A3-A5531E510DB2}">
-      <thm15:themeFamily xmlns:thm15="http://schemas.microsoft.com/office/thememl/2012/main" name="Office Theme" id="{62F939B6-93AF-4DB8-9C6B-D6C7DFDC589F}" vid="{4A3C46E8-61CC-4603-A589-7422A47A8E4A}"/>
+      <thm15:themeFamily xmlns:thm15="http://schemas.microsoft.com/office/thememl/2012/main" name="Vapor Trail" id="{4FDF2955-7D9C-493C-B9F9-C205151B46CD}" vid="{8F31A783-2159-4870-BC29-2BA7D038EA44}"/>
     </a:ext>
   </a:extLst>
 </a:theme>

--- a/Class-3/Classes and Objects.pptx
+++ b/Class-3/Classes and Objects.pptx
@@ -289,7 +289,7 @@
           <a:p>
             <a:fld id="{90F99ACA-4DBB-4AED-BCF4-7CDED2803A73}" type="datetimeFigureOut">
               <a:rPr lang="en-US" smtClean="0"/>
-              <a:t>2/12/2025</a:t>
+              <a:t>2/26/2025</a:t>
             </a:fld>
             <a:endParaRPr lang="en-US"/>
           </a:p>
@@ -556,7 +556,7 @@
           <a:p>
             <a:fld id="{90F99ACA-4DBB-4AED-BCF4-7CDED2803A73}" type="datetimeFigureOut">
               <a:rPr lang="en-US" smtClean="0"/>
-              <a:t>2/12/2025</a:t>
+              <a:t>2/26/2025</a:t>
             </a:fld>
             <a:endParaRPr lang="en-US"/>
           </a:p>
@@ -787,7 +787,7 @@
           <a:p>
             <a:fld id="{90F99ACA-4DBB-4AED-BCF4-7CDED2803A73}" type="datetimeFigureOut">
               <a:rPr lang="en-US" smtClean="0"/>
-              <a:t>2/12/2025</a:t>
+              <a:t>2/26/2025</a:t>
             </a:fld>
             <a:endParaRPr lang="en-US"/>
           </a:p>
@@ -1097,7 +1097,7 @@
           <a:p>
             <a:fld id="{90F99ACA-4DBB-4AED-BCF4-7CDED2803A73}" type="datetimeFigureOut">
               <a:rPr lang="en-US" smtClean="0"/>
-              <a:t>2/12/2025</a:t>
+              <a:t>2/26/2025</a:t>
             </a:fld>
             <a:endParaRPr lang="en-US"/>
           </a:p>
@@ -1570,7 +1570,7 @@
           <a:p>
             <a:fld id="{90F99ACA-4DBB-4AED-BCF4-7CDED2803A73}" type="datetimeFigureOut">
               <a:rPr lang="en-US" smtClean="0"/>
-              <a:t>2/12/2025</a:t>
+              <a:t>2/26/2025</a:t>
             </a:fld>
             <a:endParaRPr lang="en-US"/>
           </a:p>
@@ -2117,7 +2117,7 @@
           <a:p>
             <a:fld id="{90F99ACA-4DBB-4AED-BCF4-7CDED2803A73}" type="datetimeFigureOut">
               <a:rPr lang="en-US" smtClean="0"/>
-              <a:t>2/12/2025</a:t>
+              <a:t>2/26/2025</a:t>
             </a:fld>
             <a:endParaRPr lang="en-US"/>
           </a:p>
@@ -2891,7 +2891,7 @@
           <a:p>
             <a:fld id="{90F99ACA-4DBB-4AED-BCF4-7CDED2803A73}" type="datetimeFigureOut">
               <a:rPr lang="en-US" smtClean="0"/>
-              <a:t>2/12/2025</a:t>
+              <a:t>2/26/2025</a:t>
             </a:fld>
             <a:endParaRPr lang="en-US"/>
           </a:p>
@@ -3066,7 +3066,7 @@
           <a:p>
             <a:fld id="{90F99ACA-4DBB-4AED-BCF4-7CDED2803A73}" type="datetimeFigureOut">
               <a:rPr lang="en-US" smtClean="0"/>
-              <a:t>2/12/2025</a:t>
+              <a:t>2/26/2025</a:t>
             </a:fld>
             <a:endParaRPr lang="en-US"/>
           </a:p>
@@ -3289,7 +3289,7 @@
           <a:p>
             <a:fld id="{90F99ACA-4DBB-4AED-BCF4-7CDED2803A73}" type="datetimeFigureOut">
               <a:rPr lang="en-US" smtClean="0"/>
-              <a:t>2/12/2025</a:t>
+              <a:t>2/26/2025</a:t>
             </a:fld>
             <a:endParaRPr lang="en-US"/>
           </a:p>
@@ -3469,7 +3469,7 @@
           <a:p>
             <a:fld id="{90F99ACA-4DBB-4AED-BCF4-7CDED2803A73}" type="datetimeFigureOut">
               <a:rPr lang="en-US" smtClean="0"/>
-              <a:t>2/12/2025</a:t>
+              <a:t>2/26/2025</a:t>
             </a:fld>
             <a:endParaRPr lang="en-US"/>
           </a:p>
@@ -3758,7 +3758,7 @@
           <a:p>
             <a:fld id="{90F99ACA-4DBB-4AED-BCF4-7CDED2803A73}" type="datetimeFigureOut">
               <a:rPr lang="en-US" smtClean="0"/>
-              <a:t>2/12/2025</a:t>
+              <a:t>2/26/2025</a:t>
             </a:fld>
             <a:endParaRPr lang="en-US"/>
           </a:p>
@@ -4000,7 +4000,7 @@
           <a:p>
             <a:fld id="{90F99ACA-4DBB-4AED-BCF4-7CDED2803A73}" type="datetimeFigureOut">
               <a:rPr lang="en-US" smtClean="0"/>
-              <a:t>2/12/2025</a:t>
+              <a:t>2/26/2025</a:t>
             </a:fld>
             <a:endParaRPr lang="en-US"/>
           </a:p>
@@ -4379,7 +4379,7 @@
           <a:p>
             <a:fld id="{90F99ACA-4DBB-4AED-BCF4-7CDED2803A73}" type="datetimeFigureOut">
               <a:rPr lang="en-US" smtClean="0"/>
-              <a:t>2/12/2025</a:t>
+              <a:t>2/26/2025</a:t>
             </a:fld>
             <a:endParaRPr lang="en-US"/>
           </a:p>
@@ -4497,7 +4497,7 @@
           <a:p>
             <a:fld id="{90F99ACA-4DBB-4AED-BCF4-7CDED2803A73}" type="datetimeFigureOut">
               <a:rPr lang="en-US" smtClean="0"/>
-              <a:t>2/12/2025</a:t>
+              <a:t>2/26/2025</a:t>
             </a:fld>
             <a:endParaRPr lang="en-US"/>
           </a:p>
@@ -4592,7 +4592,7 @@
           <a:p>
             <a:fld id="{90F99ACA-4DBB-4AED-BCF4-7CDED2803A73}" type="datetimeFigureOut">
               <a:rPr lang="en-US" smtClean="0"/>
-              <a:t>2/12/2025</a:t>
+              <a:t>2/26/2025</a:t>
             </a:fld>
             <a:endParaRPr lang="en-US"/>
           </a:p>
@@ -4841,7 +4841,7 @@
           <a:p>
             <a:fld id="{90F99ACA-4DBB-4AED-BCF4-7CDED2803A73}" type="datetimeFigureOut">
               <a:rPr lang="en-US" smtClean="0"/>
-              <a:t>2/12/2025</a:t>
+              <a:t>2/26/2025</a:t>
             </a:fld>
             <a:endParaRPr lang="en-US"/>
           </a:p>
@@ -5098,7 +5098,7 @@
           <a:p>
             <a:fld id="{90F99ACA-4DBB-4AED-BCF4-7CDED2803A73}" type="datetimeFigureOut">
               <a:rPr lang="en-US" smtClean="0"/>
-              <a:t>2/12/2025</a:t>
+              <a:t>2/26/2025</a:t>
             </a:fld>
             <a:endParaRPr lang="en-US"/>
           </a:p>
@@ -5341,7 +5341,7 @@
           <a:p>
             <a:fld id="{90F99ACA-4DBB-4AED-BCF4-7CDED2803A73}" type="datetimeFigureOut">
               <a:rPr lang="en-US" smtClean="0"/>
-              <a:t>2/12/2025</a:t>
+              <a:t>2/26/2025</a:t>
             </a:fld>
             <a:endParaRPr lang="en-US"/>
           </a:p>
@@ -5889,7 +5889,7 @@
           <a:p>
             <a:r>
               <a:rPr lang="en-US" dirty="0"/>
-              <a:t>Python is an Object Oriented Language which means that the code can be divided into individual code, namely objects. </a:t>
+              <a:t>Python is an Object-Oriented Language which means that the code can be divided into individual code, namely objects. </a:t>
             </a:r>
           </a:p>
           <a:p>
@@ -6354,7 +6354,7 @@
           <a:p>
             <a:r>
               <a:rPr lang="en-US" dirty="0"/>
-              <a:t>In Python, we can also specify a method that gets called when our object gets destroyed or deleted and is no longer needed. This is called as destructor and it is opposite of the constructor. </a:t>
+              <a:t>In Python, we can also specify a method that gets called when our object gets destroyed or deleted and is no longer needed. This is called as destructor, and it is opposite of the constructor. </a:t>
             </a:r>
           </a:p>
           <a:p>
